--- a/Elm.pptx
+++ b/Elm.pptx
@@ -556,7 +556,7 @@
   <p:cSld>
     <p:spTree>
       <p:nvGrpSpPr>
-        <p:cNvPr id="91" name="Shape 91"/>
+        <p:cNvPr id="89" name="Shape 89"/>
         <p:cNvGrpSpPr/>
         <p:nvPr/>
       </p:nvGrpSpPr>
@@ -570,7 +570,7 @@
       </p:grpSpPr>
       <p:sp>
         <p:nvSpPr>
-          <p:cNvPr id="92" name="Shape 92"/>
+          <p:cNvPr id="90" name="Shape 90"/>
           <p:cNvSpPr/>
           <p:nvPr>
             <p:ph idx="2" type="sldImg"/>
@@ -604,7 +604,7 @@
       </p:sp>
       <p:sp>
         <p:nvSpPr>
-          <p:cNvPr id="93" name="Shape 93"/>
+          <p:cNvPr id="91" name="Shape 91"/>
           <p:cNvSpPr txBox="1"/>
           <p:nvPr>
             <p:ph idx="1" type="body"/>
@@ -746,7 +746,7 @@
   <p:cSld>
     <p:spTree>
       <p:nvGrpSpPr>
-        <p:cNvPr id="106" name="Shape 106"/>
+        <p:cNvPr id="101" name="Shape 101"/>
         <p:cNvGrpSpPr/>
         <p:nvPr/>
       </p:nvGrpSpPr>
@@ -760,7 +760,7 @@
       </p:grpSpPr>
       <p:sp>
         <p:nvSpPr>
-          <p:cNvPr id="107" name="Shape 107"/>
+          <p:cNvPr id="102" name="Shape 102"/>
           <p:cNvSpPr/>
           <p:nvPr>
             <p:ph idx="2" type="sldImg"/>
@@ -794,7 +794,7 @@
       </p:sp>
       <p:sp>
         <p:nvSpPr>
-          <p:cNvPr id="108" name="Shape 108"/>
+          <p:cNvPr id="103" name="Shape 103"/>
           <p:cNvSpPr txBox="1"/>
           <p:nvPr>
             <p:ph idx="1" type="body"/>
@@ -815,7 +815,7 @@
           </a:bodyPr>
           <a:lstStyle/>
           <a:p>
-            <a:pPr lvl="0">
+            <a:pPr lvl="0" rtl="0">
               <a:spcBef>
                 <a:spcPts val="0"/>
               </a:spcBef>
@@ -841,7 +841,7 @@
   <p:cSld>
     <p:spTree>
       <p:nvGrpSpPr>
-        <p:cNvPr id="116" name="Shape 116"/>
+        <p:cNvPr id="111" name="Shape 111"/>
         <p:cNvGrpSpPr/>
         <p:nvPr/>
       </p:nvGrpSpPr>
@@ -855,7 +855,7 @@
       </p:grpSpPr>
       <p:sp>
         <p:nvSpPr>
-          <p:cNvPr id="117" name="Shape 117"/>
+          <p:cNvPr id="112" name="Shape 112"/>
           <p:cNvSpPr/>
           <p:nvPr>
             <p:ph idx="2" type="sldImg"/>
@@ -889,7 +889,7 @@
       </p:sp>
       <p:sp>
         <p:nvSpPr>
-          <p:cNvPr id="118" name="Shape 118"/>
+          <p:cNvPr id="113" name="Shape 113"/>
           <p:cNvSpPr txBox="1"/>
           <p:nvPr>
             <p:ph idx="1" type="body"/>
@@ -910,7 +910,7 @@
           </a:bodyPr>
           <a:lstStyle/>
           <a:p>
-            <a:pPr lvl="0" rtl="0">
+            <a:pPr lvl="0">
               <a:spcBef>
                 <a:spcPts val="0"/>
               </a:spcBef>
@@ -936,7 +936,7 @@
   <p:cSld>
     <p:spTree>
       <p:nvGrpSpPr>
-        <p:cNvPr id="128" name="Shape 128"/>
+        <p:cNvPr id="121" name="Shape 121"/>
         <p:cNvGrpSpPr/>
         <p:nvPr/>
       </p:nvGrpSpPr>
@@ -950,7 +950,7 @@
       </p:grpSpPr>
       <p:sp>
         <p:nvSpPr>
-          <p:cNvPr id="129" name="Shape 129"/>
+          <p:cNvPr id="122" name="Shape 122"/>
           <p:cNvSpPr/>
           <p:nvPr>
             <p:ph idx="2" type="sldImg"/>
@@ -984,7 +984,7 @@
       </p:sp>
       <p:sp>
         <p:nvSpPr>
-          <p:cNvPr id="130" name="Shape 130"/>
+          <p:cNvPr id="123" name="Shape 123"/>
           <p:cNvSpPr txBox="1"/>
           <p:nvPr>
             <p:ph idx="1" type="body"/>
@@ -1031,7 +1031,7 @@
   <p:cSld>
     <p:spTree>
       <p:nvGrpSpPr>
-        <p:cNvPr id="140" name="Shape 140"/>
+        <p:cNvPr id="133" name="Shape 133"/>
         <p:cNvGrpSpPr/>
         <p:nvPr/>
       </p:nvGrpSpPr>
@@ -1045,7 +1045,7 @@
       </p:grpSpPr>
       <p:sp>
         <p:nvSpPr>
-          <p:cNvPr id="141" name="Shape 141"/>
+          <p:cNvPr id="134" name="Shape 134"/>
           <p:cNvSpPr/>
           <p:nvPr>
             <p:ph idx="2" type="sldImg"/>
@@ -1079,7 +1079,7 @@
       </p:sp>
       <p:sp>
         <p:nvSpPr>
-          <p:cNvPr id="142" name="Shape 142"/>
+          <p:cNvPr id="135" name="Shape 135"/>
           <p:cNvSpPr txBox="1"/>
           <p:nvPr>
             <p:ph idx="1" type="body"/>
@@ -1126,7 +1126,7 @@
   <p:cSld>
     <p:spTree>
       <p:nvGrpSpPr>
-        <p:cNvPr id="155" name="Shape 155"/>
+        <p:cNvPr id="145" name="Shape 145"/>
         <p:cNvGrpSpPr/>
         <p:nvPr/>
       </p:nvGrpSpPr>
@@ -1140,7 +1140,7 @@
       </p:grpSpPr>
       <p:sp>
         <p:nvSpPr>
-          <p:cNvPr id="156" name="Shape 156"/>
+          <p:cNvPr id="146" name="Shape 146"/>
           <p:cNvSpPr/>
           <p:nvPr>
             <p:ph idx="2" type="sldImg"/>
@@ -1174,7 +1174,7 @@
       </p:sp>
       <p:sp>
         <p:nvSpPr>
-          <p:cNvPr id="157" name="Shape 157"/>
+          <p:cNvPr id="147" name="Shape 147"/>
           <p:cNvSpPr txBox="1"/>
           <p:nvPr>
             <p:ph idx="1" type="body"/>
@@ -1221,7 +1221,7 @@
   <p:cSld>
     <p:spTree>
       <p:nvGrpSpPr>
-        <p:cNvPr id="168" name="Shape 168"/>
+        <p:cNvPr id="160" name="Shape 160"/>
         <p:cNvGrpSpPr/>
         <p:nvPr/>
       </p:nvGrpSpPr>
@@ -1235,7 +1235,7 @@
       </p:grpSpPr>
       <p:sp>
         <p:nvSpPr>
-          <p:cNvPr id="169" name="Shape 169"/>
+          <p:cNvPr id="161" name="Shape 161"/>
           <p:cNvSpPr/>
           <p:nvPr>
             <p:ph idx="2" type="sldImg"/>
@@ -1269,7 +1269,7 @@
       </p:sp>
       <p:sp>
         <p:nvSpPr>
-          <p:cNvPr id="170" name="Shape 170"/>
+          <p:cNvPr id="162" name="Shape 162"/>
           <p:cNvSpPr txBox="1"/>
           <p:nvPr>
             <p:ph idx="1" type="body"/>
@@ -1290,7 +1290,7 @@
           </a:bodyPr>
           <a:lstStyle/>
           <a:p>
-            <a:pPr lvl="0">
+            <a:pPr lvl="0" rtl="0">
               <a:spcBef>
                 <a:spcPts val="0"/>
               </a:spcBef>
@@ -1316,7 +1316,7 @@
   <p:cSld>
     <p:spTree>
       <p:nvGrpSpPr>
-        <p:cNvPr id="174" name="Shape 174"/>
+        <p:cNvPr id="173" name="Shape 173"/>
         <p:cNvGrpSpPr/>
         <p:nvPr/>
       </p:nvGrpSpPr>
@@ -1330,7 +1330,7 @@
       </p:grpSpPr>
       <p:sp>
         <p:nvSpPr>
-          <p:cNvPr id="175" name="Shape 175"/>
+          <p:cNvPr id="174" name="Shape 174"/>
           <p:cNvSpPr/>
           <p:nvPr>
             <p:ph idx="2" type="sldImg"/>
@@ -1364,7 +1364,7 @@
       </p:sp>
       <p:sp>
         <p:nvSpPr>
-          <p:cNvPr id="176" name="Shape 176"/>
+          <p:cNvPr id="175" name="Shape 175"/>
           <p:cNvSpPr txBox="1"/>
           <p:nvPr>
             <p:ph idx="1" type="body"/>
@@ -1385,7 +1385,7 @@
           </a:bodyPr>
           <a:lstStyle/>
           <a:p>
-            <a:pPr lvl="0" rtl="0">
+            <a:pPr lvl="0">
               <a:spcBef>
                 <a:spcPts val="0"/>
               </a:spcBef>
@@ -1411,7 +1411,7 @@
   <p:cSld>
     <p:spTree>
       <p:nvGrpSpPr>
-        <p:cNvPr id="180" name="Shape 180"/>
+        <p:cNvPr id="179" name="Shape 179"/>
         <p:cNvGrpSpPr/>
         <p:nvPr/>
       </p:nvGrpSpPr>
@@ -1425,7 +1425,7 @@
       </p:grpSpPr>
       <p:sp>
         <p:nvSpPr>
-          <p:cNvPr id="181" name="Shape 181"/>
+          <p:cNvPr id="180" name="Shape 180"/>
           <p:cNvSpPr/>
           <p:nvPr>
             <p:ph idx="2" type="sldImg"/>
@@ -1459,7 +1459,7 @@
       </p:sp>
       <p:sp>
         <p:nvSpPr>
-          <p:cNvPr id="182" name="Shape 182"/>
+          <p:cNvPr id="181" name="Shape 181"/>
           <p:cNvSpPr txBox="1"/>
           <p:nvPr>
             <p:ph idx="1" type="body"/>
@@ -1791,7 +1791,7 @@
   <p:cSld>
     <p:spTree>
       <p:nvGrpSpPr>
-        <p:cNvPr id="196" name="Shape 196"/>
+        <p:cNvPr id="195" name="Shape 195"/>
         <p:cNvGrpSpPr/>
         <p:nvPr/>
       </p:nvGrpSpPr>
@@ -1805,7 +1805,7 @@
       </p:grpSpPr>
       <p:sp>
         <p:nvSpPr>
-          <p:cNvPr id="197" name="Shape 197"/>
+          <p:cNvPr id="196" name="Shape 196"/>
           <p:cNvSpPr/>
           <p:nvPr>
             <p:ph idx="2" type="sldImg"/>
@@ -1839,7 +1839,7 @@
       </p:sp>
       <p:sp>
         <p:nvSpPr>
-          <p:cNvPr id="198" name="Shape 198"/>
+          <p:cNvPr id="197" name="Shape 197"/>
           <p:cNvSpPr txBox="1"/>
           <p:nvPr>
             <p:ph idx="1" type="body"/>
@@ -2551,7 +2551,7 @@
   <p:cSld>
     <p:spTree>
       <p:nvGrpSpPr>
-        <p:cNvPr id="50" name="Shape 50"/>
+        <p:cNvPr id="49" name="Shape 49"/>
         <p:cNvGrpSpPr/>
         <p:nvPr/>
       </p:nvGrpSpPr>
@@ -2565,7 +2565,7 @@
       </p:grpSpPr>
       <p:sp>
         <p:nvSpPr>
-          <p:cNvPr id="51" name="Shape 51"/>
+          <p:cNvPr id="50" name="Shape 50"/>
           <p:cNvSpPr/>
           <p:nvPr>
             <p:ph idx="2" type="sldImg"/>
@@ -2599,7 +2599,7 @@
       </p:sp>
       <p:sp>
         <p:nvSpPr>
-          <p:cNvPr id="52" name="Shape 52"/>
+          <p:cNvPr id="51" name="Shape 51"/>
           <p:cNvSpPr txBox="1"/>
           <p:nvPr>
             <p:ph idx="1" type="body"/>
@@ -3596,7 +3596,7 @@
   <p:cSld>
     <p:spTree>
       <p:nvGrpSpPr>
-        <p:cNvPr id="56" name="Shape 56"/>
+        <p:cNvPr id="55" name="Shape 55"/>
         <p:cNvGrpSpPr/>
         <p:nvPr/>
       </p:nvGrpSpPr>
@@ -3610,7 +3610,7 @@
       </p:grpSpPr>
       <p:sp>
         <p:nvSpPr>
-          <p:cNvPr id="57" name="Shape 57"/>
+          <p:cNvPr id="56" name="Shape 56"/>
           <p:cNvSpPr/>
           <p:nvPr>
             <p:ph idx="2" type="sldImg"/>
@@ -3644,7 +3644,7 @@
       </p:sp>
       <p:sp>
         <p:nvSpPr>
-          <p:cNvPr id="58" name="Shape 58"/>
+          <p:cNvPr id="57" name="Shape 57"/>
           <p:cNvSpPr txBox="1"/>
           <p:nvPr>
             <p:ph idx="1" type="body"/>
@@ -3665,7 +3665,7 @@
           </a:bodyPr>
           <a:lstStyle/>
           <a:p>
-            <a:pPr lvl="0" rtl="0">
+            <a:pPr lvl="0">
               <a:spcBef>
                 <a:spcPts val="0"/>
               </a:spcBef>
@@ -4641,7 +4641,7 @@
   <p:cSld>
     <p:spTree>
       <p:nvGrpSpPr>
-        <p:cNvPr id="62" name="Shape 62"/>
+        <p:cNvPr id="61" name="Shape 61"/>
         <p:cNvGrpSpPr/>
         <p:nvPr/>
       </p:nvGrpSpPr>
@@ -4655,7 +4655,7 @@
       </p:grpSpPr>
       <p:sp>
         <p:nvSpPr>
-          <p:cNvPr id="63" name="Shape 63"/>
+          <p:cNvPr id="62" name="Shape 62"/>
           <p:cNvSpPr/>
           <p:nvPr>
             <p:ph idx="2" type="sldImg"/>
@@ -4689,7 +4689,7 @@
       </p:sp>
       <p:sp>
         <p:nvSpPr>
-          <p:cNvPr id="64" name="Shape 64"/>
+          <p:cNvPr id="63" name="Shape 63"/>
           <p:cNvSpPr txBox="1"/>
           <p:nvPr>
             <p:ph idx="1" type="body"/>
@@ -5686,7 +5686,7 @@
   <p:cSld>
     <p:spTree>
       <p:nvGrpSpPr>
-        <p:cNvPr id="68" name="Shape 68"/>
+        <p:cNvPr id="67" name="Shape 67"/>
         <p:cNvGrpSpPr/>
         <p:nvPr/>
       </p:nvGrpSpPr>
@@ -5700,7 +5700,7 @@
       </p:grpSpPr>
       <p:sp>
         <p:nvSpPr>
-          <p:cNvPr id="69" name="Shape 69"/>
+          <p:cNvPr id="68" name="Shape 68"/>
           <p:cNvSpPr/>
           <p:nvPr>
             <p:ph idx="2" type="sldImg"/>
@@ -5734,7 +5734,7 @@
       </p:sp>
       <p:sp>
         <p:nvSpPr>
-          <p:cNvPr id="70" name="Shape 70"/>
+          <p:cNvPr id="69" name="Shape 69"/>
           <p:cNvSpPr txBox="1"/>
           <p:nvPr>
             <p:ph idx="1" type="body"/>
@@ -7491,7 +7491,7 @@
   <p:cSld>
     <p:spTree>
       <p:nvGrpSpPr>
-        <p:cNvPr id="79" name="Shape 79"/>
+        <p:cNvPr id="78" name="Shape 78"/>
         <p:cNvGrpSpPr/>
         <p:nvPr/>
       </p:nvGrpSpPr>
@@ -7505,7 +7505,7 @@
       </p:grpSpPr>
       <p:sp>
         <p:nvSpPr>
-          <p:cNvPr id="80" name="Shape 80"/>
+          <p:cNvPr id="79" name="Shape 79"/>
           <p:cNvSpPr/>
           <p:nvPr>
             <p:ph idx="2" type="sldImg"/>
@@ -7539,7 +7539,7 @@
       </p:sp>
       <p:sp>
         <p:nvSpPr>
-          <p:cNvPr id="81" name="Shape 81"/>
+          <p:cNvPr id="80" name="Shape 80"/>
           <p:cNvSpPr txBox="1"/>
           <p:nvPr>
             <p:ph idx="1" type="body"/>
@@ -10151,7 +10151,7 @@
   <p:cSld>
     <p:spTree>
       <p:nvGrpSpPr>
-        <p:cNvPr id="94" name="Shape 94"/>
+        <p:cNvPr id="92" name="Shape 92"/>
         <p:cNvGrpSpPr/>
         <p:nvPr/>
       </p:nvGrpSpPr>
@@ -10165,516 +10165,102 @@
       </p:grpSpPr>
       <p:sp>
         <p:nvSpPr>
+          <p:cNvPr id="93" name="Shape 93"/>
+          <p:cNvSpPr txBox="1"/>
+          <p:nvPr>
+            <p:ph type="ctrTitle"/>
+          </p:nvPr>
+        </p:nvSpPr>
+        <p:spPr>
+          <a:xfrm>
+            <a:off x="685800" y="1583342"/>
+            <a:ext cx="7772400" cy="1159800"/>
+          </a:xfrm>
+          <a:prstGeom prst="rect">
+            <a:avLst/>
+          </a:prstGeom>
+        </p:spPr>
+        <p:txBody>
+          <a:bodyPr anchorCtr="0" anchor="b" bIns="91425" lIns="91425" rIns="91425" tIns="91425">
+            <a:noAutofit/>
+          </a:bodyPr>
+          <a:lstStyle/>
+          <a:p>
+            <a:pPr lvl="0" rtl="0">
+              <a:spcBef>
+                <a:spcPts val="0"/>
+              </a:spcBef>
+              <a:buNone/>
+            </a:pPr>
+            <a:r>
+              <a:rPr lang="en"/>
+              <a:t>The Controller Update</a:t>
+            </a:r>
+          </a:p>
+        </p:txBody>
+      </p:sp>
+      <p:sp>
+        <p:nvSpPr>
+          <p:cNvPr id="94" name="Shape 94"/>
+          <p:cNvSpPr txBox="1"/>
+          <p:nvPr>
+            <p:ph idx="1" type="subTitle"/>
+          </p:nvPr>
+        </p:nvSpPr>
+        <p:spPr>
+          <a:xfrm>
+            <a:off x="685800" y="2840053"/>
+            <a:ext cx="7772400" cy="784799"/>
+          </a:xfrm>
+          <a:prstGeom prst="rect">
+            <a:avLst/>
+          </a:prstGeom>
+        </p:spPr>
+        <p:txBody>
+          <a:bodyPr anchorCtr="0" anchor="t" bIns="91425" lIns="91425" rIns="91425" tIns="91425">
+            <a:noAutofit/>
+          </a:bodyPr>
+          <a:lstStyle/>
+          <a:p>
+            <a:pPr lvl="0" rtl="0">
+              <a:spcBef>
+                <a:spcPts val="0"/>
+              </a:spcBef>
+              <a:buNone/>
+            </a:pPr>
+            <a:r>
+              <a:t/>
+            </a:r>
+            <a:endParaRPr/>
+          </a:p>
+        </p:txBody>
+      </p:sp>
+      <p:cxnSp>
+        <p:nvCxnSpPr>
           <p:cNvPr id="95" name="Shape 95"/>
-          <p:cNvSpPr txBox="1"/>
+          <p:cNvCxnSpPr/>
           <p:nvPr/>
-        </p:nvSpPr>
-        <p:spPr>
-          <a:xfrm>
-            <a:off x="2534400" y="321900"/>
-            <a:ext cx="4075200" cy="4499700"/>
-          </a:xfrm>
-          <a:prstGeom prst="rect">
+        </p:nvCxnSpPr>
+        <p:spPr>
+          <a:xfrm flipH="1" rot="10800000">
+            <a:off x="2248000" y="2029825"/>
+            <a:ext cx="3426600" cy="472800"/>
+          </a:xfrm>
+          <a:prstGeom prst="straightConnector1">
             <a:avLst/>
           </a:prstGeom>
           <a:noFill/>
-          <a:ln>
-            <a:noFill/>
+          <a:ln cap="flat" cmpd="sng" w="76200">
+            <a:solidFill>
+              <a:srgbClr val="FF0000"/>
+            </a:solidFill>
+            <a:prstDash val="solid"/>
+            <a:round/>
+            <a:headEnd len="lg" w="lg" type="none"/>
+            <a:tailEnd len="lg" w="lg" type="none"/>
           </a:ln>
         </p:spPr>
-        <p:txBody>
-          <a:bodyPr anchorCtr="0" anchor="t" bIns="91425" lIns="91425" rIns="91425" tIns="91425">
-            <a:noAutofit/>
-          </a:bodyPr>
-          <a:lstStyle/>
-          <a:p>
-            <a:pPr lvl="0">
-              <a:spcBef>
-                <a:spcPts val="0"/>
-              </a:spcBef>
-              <a:buClr>
-                <a:schemeClr val="dk1"/>
-              </a:buClr>
-              <a:buSzPct val="55000"/>
-              <a:buFont typeface="Arial"/>
-              <a:buNone/>
-            </a:pPr>
-            <a:r>
-              <a:rPr lang="en" sz="2000">
-                <a:solidFill>
-                  <a:srgbClr val="E6B400"/>
-                </a:solidFill>
-              </a:rPr>
-              <a:t>type </a:t>
-            </a:r>
-            <a:r>
-              <a:rPr b="1" lang="en" sz="2000">
-                <a:solidFill>
-                  <a:srgbClr val="E64B14"/>
-                </a:solidFill>
-              </a:rPr>
-              <a:t>Msg</a:t>
-            </a:r>
-          </a:p>
-          <a:p>
-            <a:pPr lvl="0">
-              <a:spcBef>
-                <a:spcPts val="0"/>
-              </a:spcBef>
-              <a:buClr>
-                <a:schemeClr val="dk1"/>
-              </a:buClr>
-              <a:buSzPct val="55000"/>
-              <a:buFont typeface="Arial"/>
-              <a:buNone/>
-            </a:pPr>
-            <a:r>
-              <a:rPr b="1" lang="en" sz="2000">
-                <a:solidFill>
-                  <a:srgbClr val="E64B14"/>
-                </a:solidFill>
-              </a:rPr>
-              <a:t>   </a:t>
-            </a:r>
-            <a:r>
-              <a:rPr lang="en" sz="2000">
-                <a:solidFill>
-                  <a:srgbClr val="79BFE6"/>
-                </a:solidFill>
-              </a:rPr>
-              <a:t>= </a:t>
-            </a:r>
-            <a:r>
-              <a:rPr b="1" lang="en" sz="2000">
-                <a:solidFill>
-                  <a:srgbClr val="E64B14"/>
-                </a:solidFill>
-              </a:rPr>
-              <a:t>Add</a:t>
-            </a:r>
-          </a:p>
-          <a:p>
-            <a:pPr lvl="0">
-              <a:spcBef>
-                <a:spcPts val="0"/>
-              </a:spcBef>
-              <a:buClr>
-                <a:schemeClr val="dk1"/>
-              </a:buClr>
-              <a:buSzPct val="55000"/>
-              <a:buFont typeface="Arial"/>
-              <a:buNone/>
-            </a:pPr>
-            <a:r>
-              <a:rPr b="1" lang="en" sz="2000">
-                <a:solidFill>
-                  <a:srgbClr val="E64B14"/>
-                </a:solidFill>
-              </a:rPr>
-              <a:t>   </a:t>
-            </a:r>
-            <a:r>
-              <a:rPr lang="en" sz="2000">
-                <a:solidFill>
-                  <a:srgbClr val="73BDE6"/>
-                </a:solidFill>
-              </a:rPr>
-              <a:t>| </a:t>
-            </a:r>
-            <a:r>
-              <a:rPr b="1" lang="en" sz="2000">
-                <a:solidFill>
-                  <a:srgbClr val="E64B14"/>
-                </a:solidFill>
-              </a:rPr>
-              <a:t>Sub</a:t>
-            </a:r>
-          </a:p>
-          <a:p>
-            <a:pPr lvl="0">
-              <a:spcBef>
-                <a:spcPts val="0"/>
-              </a:spcBef>
-              <a:buClr>
-                <a:schemeClr val="dk1"/>
-              </a:buClr>
-              <a:buFont typeface="Arial"/>
-              <a:buNone/>
-            </a:pPr>
-            <a:r>
-              <a:t/>
-            </a:r>
-            <a:endParaRPr b="1" sz="2000">
-              <a:solidFill>
-                <a:srgbClr val="E64B14"/>
-              </a:solidFill>
-            </a:endParaRPr>
-          </a:p>
-          <a:p>
-            <a:pPr lvl="0">
-              <a:spcBef>
-                <a:spcPts val="0"/>
-              </a:spcBef>
-              <a:buClr>
-                <a:schemeClr val="dk1"/>
-              </a:buClr>
-              <a:buFont typeface="Arial"/>
-              <a:buNone/>
-            </a:pPr>
-            <a:r>
-              <a:t/>
-            </a:r>
-            <a:endParaRPr sz="2000">
-              <a:solidFill>
-                <a:srgbClr val="3DE6D9"/>
-              </a:solidFill>
-            </a:endParaRPr>
-          </a:p>
-          <a:p>
-            <a:pPr lvl="0">
-              <a:spcBef>
-                <a:spcPts val="0"/>
-              </a:spcBef>
-              <a:buClr>
-                <a:schemeClr val="dk1"/>
-              </a:buClr>
-              <a:buSzPct val="55000"/>
-              <a:buFont typeface="Arial"/>
-              <a:buNone/>
-            </a:pPr>
-            <a:r>
-              <a:rPr b="1" lang="en" sz="2000">
-                <a:solidFill>
-                  <a:srgbClr val="11A0E6"/>
-                </a:solidFill>
-              </a:rPr>
-              <a:t>update </a:t>
-            </a:r>
-            <a:r>
-              <a:rPr lang="en" sz="2000">
-                <a:solidFill>
-                  <a:srgbClr val="CAE4E6"/>
-                </a:solidFill>
-              </a:rPr>
-              <a:t>: </a:t>
-            </a:r>
-            <a:r>
-              <a:rPr b="1" lang="en" sz="2000">
-                <a:solidFill>
-                  <a:srgbClr val="E6DE0E"/>
-                </a:solidFill>
-              </a:rPr>
-              <a:t>Msg </a:t>
-            </a:r>
-            <a:r>
-              <a:rPr lang="en" sz="2000">
-                <a:solidFill>
-                  <a:srgbClr val="E68AA2"/>
-                </a:solidFill>
-              </a:rPr>
-              <a:t>-&gt; </a:t>
-            </a:r>
-            <a:r>
-              <a:rPr b="1" lang="en" sz="2000">
-                <a:solidFill>
-                  <a:srgbClr val="E6DE0E"/>
-                </a:solidFill>
-              </a:rPr>
-              <a:t>Model </a:t>
-            </a:r>
-            <a:r>
-              <a:rPr lang="en" sz="2000">
-                <a:solidFill>
-                  <a:srgbClr val="E68AA2"/>
-                </a:solidFill>
-              </a:rPr>
-              <a:t>-&gt; </a:t>
-            </a:r>
-            <a:r>
-              <a:rPr b="1" lang="en" sz="2000">
-                <a:solidFill>
-                  <a:srgbClr val="E6DE0E"/>
-                </a:solidFill>
-              </a:rPr>
-              <a:t>Model</a:t>
-            </a:r>
-          </a:p>
-          <a:p>
-            <a:pPr lvl="0">
-              <a:spcBef>
-                <a:spcPts val="0"/>
-              </a:spcBef>
-              <a:buClr>
-                <a:schemeClr val="dk1"/>
-              </a:buClr>
-              <a:buSzPct val="55000"/>
-              <a:buFont typeface="Arial"/>
-              <a:buNone/>
-            </a:pPr>
-            <a:r>
-              <a:rPr b="1" lang="en" sz="2000">
-                <a:solidFill>
-                  <a:srgbClr val="149CE6"/>
-                </a:solidFill>
-              </a:rPr>
-              <a:t>update </a:t>
-            </a:r>
-            <a:r>
-              <a:rPr lang="en" sz="2000">
-                <a:solidFill>
-                  <a:srgbClr val="CAE4E6"/>
-                </a:solidFill>
-              </a:rPr>
-              <a:t>msg model </a:t>
-            </a:r>
-            <a:r>
-              <a:rPr lang="en" sz="2000">
-                <a:solidFill>
-                  <a:srgbClr val="79BFE6"/>
-                </a:solidFill>
-              </a:rPr>
-              <a:t>=</a:t>
-            </a:r>
-          </a:p>
-          <a:p>
-            <a:pPr lvl="0">
-              <a:spcBef>
-                <a:spcPts val="0"/>
-              </a:spcBef>
-              <a:buClr>
-                <a:schemeClr val="dk1"/>
-              </a:buClr>
-              <a:buSzPct val="55000"/>
-              <a:buFont typeface="Arial"/>
-              <a:buNone/>
-            </a:pPr>
-            <a:r>
-              <a:rPr lang="en" sz="2000">
-                <a:solidFill>
-                  <a:srgbClr val="79BFE6"/>
-                </a:solidFill>
-              </a:rPr>
-              <a:t>   </a:t>
-            </a:r>
-            <a:r>
-              <a:rPr lang="en" sz="2000">
-                <a:solidFill>
-                  <a:srgbClr val="E6B400"/>
-                </a:solidFill>
-              </a:rPr>
-              <a:t>case </a:t>
-            </a:r>
-            <a:r>
-              <a:rPr lang="en" sz="2000">
-                <a:solidFill>
-                  <a:srgbClr val="CAE4E6"/>
-                </a:solidFill>
-              </a:rPr>
-              <a:t>msg </a:t>
-            </a:r>
-            <a:r>
-              <a:rPr lang="en" sz="2000">
-                <a:solidFill>
-                  <a:srgbClr val="E6B400"/>
-                </a:solidFill>
-              </a:rPr>
-              <a:t>of</a:t>
-            </a:r>
-          </a:p>
-          <a:p>
-            <a:pPr lvl="0">
-              <a:spcBef>
-                <a:spcPts val="0"/>
-              </a:spcBef>
-              <a:buClr>
-                <a:schemeClr val="dk1"/>
-              </a:buClr>
-              <a:buSzPct val="55000"/>
-              <a:buFont typeface="Arial"/>
-              <a:buNone/>
-            </a:pPr>
-            <a:r>
-              <a:rPr lang="en" sz="2000">
-                <a:solidFill>
-                  <a:srgbClr val="E6B400"/>
-                </a:solidFill>
-              </a:rPr>
-              <a:t>       </a:t>
-            </a:r>
-            <a:r>
-              <a:rPr b="1" lang="en" sz="2000">
-                <a:solidFill>
-                  <a:srgbClr val="E64B14"/>
-                </a:solidFill>
-              </a:rPr>
-              <a:t>Add </a:t>
-            </a:r>
-            <a:r>
-              <a:rPr lang="en" sz="2000">
-                <a:solidFill>
-                  <a:srgbClr val="E68AA2"/>
-                </a:solidFill>
-              </a:rPr>
-              <a:t>-&gt;</a:t>
-            </a:r>
-          </a:p>
-          <a:p>
-            <a:pPr lvl="0">
-              <a:spcBef>
-                <a:spcPts val="0"/>
-              </a:spcBef>
-              <a:buClr>
-                <a:schemeClr val="dk1"/>
-              </a:buClr>
-              <a:buSzPct val="55000"/>
-              <a:buFont typeface="Arial"/>
-              <a:buNone/>
-            </a:pPr>
-            <a:r>
-              <a:rPr lang="en" sz="2000">
-                <a:solidFill>
-                  <a:srgbClr val="E68AA2"/>
-                </a:solidFill>
-              </a:rPr>
-              <a:t>           </a:t>
-            </a:r>
-            <a:r>
-              <a:rPr lang="en" sz="2000">
-                <a:solidFill>
-                  <a:srgbClr val="CAE4E6"/>
-                </a:solidFill>
-              </a:rPr>
-              <a:t>model </a:t>
-            </a:r>
-            <a:r>
-              <a:rPr lang="en" sz="2000">
-                <a:solidFill>
-                  <a:srgbClr val="E68AA4"/>
-                </a:solidFill>
-              </a:rPr>
-              <a:t>+ </a:t>
-            </a:r>
-            <a:r>
-              <a:rPr lang="en" sz="2000">
-                <a:solidFill>
-                  <a:srgbClr val="3DE6D9"/>
-                </a:solidFill>
-              </a:rPr>
-              <a:t>1</a:t>
-            </a:r>
-          </a:p>
-          <a:p>
-            <a:pPr lvl="0">
-              <a:spcBef>
-                <a:spcPts val="0"/>
-              </a:spcBef>
-              <a:buClr>
-                <a:schemeClr val="dk1"/>
-              </a:buClr>
-              <a:buFont typeface="Arial"/>
-              <a:buNone/>
-            </a:pPr>
-            <a:r>
-              <a:t/>
-            </a:r>
-            <a:endParaRPr sz="2000">
-              <a:solidFill>
-                <a:srgbClr val="3DE6D9"/>
-              </a:solidFill>
-            </a:endParaRPr>
-          </a:p>
-          <a:p>
-            <a:pPr lvl="0">
-              <a:spcBef>
-                <a:spcPts val="0"/>
-              </a:spcBef>
-              <a:buClr>
-                <a:schemeClr val="dk1"/>
-              </a:buClr>
-              <a:buSzPct val="55000"/>
-              <a:buFont typeface="Arial"/>
-              <a:buNone/>
-            </a:pPr>
-            <a:r>
-              <a:rPr lang="en" sz="2000">
-                <a:solidFill>
-                  <a:srgbClr val="3DE6D9"/>
-                </a:solidFill>
-              </a:rPr>
-              <a:t>       </a:t>
-            </a:r>
-            <a:r>
-              <a:rPr b="1" lang="en" sz="2000">
-                <a:solidFill>
-                  <a:srgbClr val="E64B14"/>
-                </a:solidFill>
-              </a:rPr>
-              <a:t>Sub </a:t>
-            </a:r>
-            <a:r>
-              <a:rPr lang="en" sz="2000">
-                <a:solidFill>
-                  <a:srgbClr val="E68AA2"/>
-                </a:solidFill>
-              </a:rPr>
-              <a:t>-&gt;</a:t>
-            </a:r>
-          </a:p>
-          <a:p>
-            <a:pPr lvl="0">
-              <a:spcBef>
-                <a:spcPts val="0"/>
-              </a:spcBef>
-              <a:buClr>
-                <a:schemeClr val="dk1"/>
-              </a:buClr>
-              <a:buSzPct val="55000"/>
-              <a:buFont typeface="Arial"/>
-              <a:buNone/>
-            </a:pPr>
-            <a:r>
-              <a:rPr lang="en" sz="2000">
-                <a:solidFill>
-                  <a:srgbClr val="E68AA2"/>
-                </a:solidFill>
-              </a:rPr>
-              <a:t>           </a:t>
-            </a:r>
-            <a:r>
-              <a:rPr lang="en" sz="2000">
-                <a:solidFill>
-                  <a:srgbClr val="CAE4E6"/>
-                </a:solidFill>
-              </a:rPr>
-              <a:t>model - </a:t>
-            </a:r>
-            <a:r>
-              <a:rPr lang="en" sz="2000">
-                <a:solidFill>
-                  <a:srgbClr val="3DE6D9"/>
-                </a:solidFill>
-              </a:rPr>
-              <a:t>1</a:t>
-            </a:r>
-          </a:p>
-          <a:p>
-            <a:pPr lvl="0" rtl="0">
-              <a:spcBef>
-                <a:spcPts val="0"/>
-              </a:spcBef>
-              <a:buNone/>
-            </a:pPr>
-            <a:r>
-              <a:t/>
-            </a:r>
-            <a:endParaRPr sz="2000">
-              <a:solidFill>
-                <a:srgbClr val="E6B400"/>
-              </a:solidFill>
-            </a:endParaRPr>
-          </a:p>
-        </p:txBody>
-      </p:sp>
+      </p:cxnSp>
     </p:spTree>
   </p:cSld>
   <p:clrMapOvr>
@@ -10703,241 +10289,512 @@
       <p:sp>
         <p:nvSpPr>
           <p:cNvPr id="100" name="Shape 100"/>
-          <p:cNvSpPr/>
+          <p:cNvSpPr txBox="1"/>
           <p:nvPr/>
         </p:nvSpPr>
         <p:spPr>
           <a:xfrm>
-            <a:off x="3554575" y="317575"/>
-            <a:ext cx="1602600" cy="1219200"/>
+            <a:off x="2534400" y="321900"/>
+            <a:ext cx="4075200" cy="4499700"/>
           </a:xfrm>
           <a:prstGeom prst="rect">
             <a:avLst/>
           </a:prstGeom>
-          <a:solidFill>
-            <a:srgbClr val="47748D"/>
-          </a:solidFill>
-          <a:ln cap="flat" cmpd="sng" w="9525">
-            <a:solidFill>
-              <a:schemeClr val="dk2"/>
-            </a:solidFill>
-            <a:prstDash val="solid"/>
-            <a:round/>
-            <a:headEnd len="med" w="med" type="none"/>
-            <a:tailEnd len="med" w="med" type="none"/>
+          <a:noFill/>
+          <a:ln>
+            <a:noFill/>
           </a:ln>
         </p:spPr>
         <p:txBody>
-          <a:bodyPr anchorCtr="0" anchor="ctr" bIns="91425" lIns="91425" rIns="91425" tIns="91425">
-            <a:noAutofit/>
-          </a:bodyPr>
-          <a:lstStyle/>
-          <a:p>
-            <a:pPr lvl="0" rtl="0" algn="ctr">
-              <a:spcBef>
-                <a:spcPts val="0"/>
-              </a:spcBef>
-              <a:buNone/>
-            </a:pPr>
-            <a:r>
-              <a:rPr lang="en" sz="2400">
-                <a:latin typeface="Bree Serif"/>
-                <a:ea typeface="Bree Serif"/>
-                <a:cs typeface="Bree Serif"/>
-                <a:sym typeface="Bree Serif"/>
+          <a:bodyPr anchorCtr="0" anchor="t" bIns="91425" lIns="91425" rIns="91425" tIns="91425">
+            <a:noAutofit/>
+          </a:bodyPr>
+          <a:lstStyle/>
+          <a:p>
+            <a:pPr lvl="0">
+              <a:spcBef>
+                <a:spcPts val="0"/>
+              </a:spcBef>
+              <a:buClr>
+                <a:schemeClr val="dk1"/>
+              </a:buClr>
+              <a:buSzPct val="55000"/>
+              <a:buFont typeface="Arial"/>
+              <a:buNone/>
+            </a:pPr>
+            <a:r>
+              <a:rPr lang="en" sz="2000">
+                <a:solidFill>
+                  <a:srgbClr val="E6B400"/>
+                </a:solidFill>
+              </a:rPr>
+              <a:t>type </a:t>
+            </a:r>
+            <a:r>
+              <a:rPr b="1" lang="en" sz="2000">
+                <a:solidFill>
+                  <a:srgbClr val="E64B14"/>
+                </a:solidFill>
+              </a:rPr>
+              <a:t>Msg</a:t>
+            </a:r>
+          </a:p>
+          <a:p>
+            <a:pPr lvl="0">
+              <a:spcBef>
+                <a:spcPts val="0"/>
+              </a:spcBef>
+              <a:buClr>
+                <a:schemeClr val="dk1"/>
+              </a:buClr>
+              <a:buSzPct val="55000"/>
+              <a:buFont typeface="Arial"/>
+              <a:buNone/>
+            </a:pPr>
+            <a:r>
+              <a:rPr b="1" lang="en" sz="2000">
+                <a:solidFill>
+                  <a:srgbClr val="E64B14"/>
+                </a:solidFill>
+              </a:rPr>
+              <a:t>   </a:t>
+            </a:r>
+            <a:r>
+              <a:rPr lang="en" sz="2000">
+                <a:solidFill>
+                  <a:srgbClr val="79BFE6"/>
+                </a:solidFill>
+              </a:rPr>
+              <a:t>= </a:t>
+            </a:r>
+            <a:r>
+              <a:rPr b="1" lang="en" sz="2000">
+                <a:solidFill>
+                  <a:srgbClr val="E64B14"/>
+                </a:solidFill>
+              </a:rPr>
+              <a:t>Add</a:t>
+            </a:r>
+          </a:p>
+          <a:p>
+            <a:pPr lvl="0">
+              <a:spcBef>
+                <a:spcPts val="0"/>
+              </a:spcBef>
+              <a:buClr>
+                <a:schemeClr val="dk1"/>
+              </a:buClr>
+              <a:buSzPct val="55000"/>
+              <a:buFont typeface="Arial"/>
+              <a:buNone/>
+            </a:pPr>
+            <a:r>
+              <a:rPr b="1" lang="en" sz="2000">
+                <a:solidFill>
+                  <a:srgbClr val="E64B14"/>
+                </a:solidFill>
+              </a:rPr>
+              <a:t>   </a:t>
+            </a:r>
+            <a:r>
+              <a:rPr lang="en" sz="2000">
+                <a:solidFill>
+                  <a:srgbClr val="73BDE6"/>
+                </a:solidFill>
+              </a:rPr>
+              <a:t>| </a:t>
+            </a:r>
+            <a:r>
+              <a:rPr b="1" lang="en" sz="2000">
+                <a:solidFill>
+                  <a:srgbClr val="E64B14"/>
+                </a:solidFill>
+              </a:rPr>
+              <a:t>Sub</a:t>
+            </a:r>
+          </a:p>
+          <a:p>
+            <a:pPr lvl="0">
+              <a:spcBef>
+                <a:spcPts val="0"/>
+              </a:spcBef>
+              <a:buClr>
+                <a:schemeClr val="dk1"/>
+              </a:buClr>
+              <a:buFont typeface="Arial"/>
+              <a:buNone/>
+            </a:pPr>
+            <a:r>
+              <a:t/>
+            </a:r>
+            <a:endParaRPr b="1" sz="2000">
+              <a:solidFill>
+                <a:srgbClr val="E64B14"/>
+              </a:solidFill>
+            </a:endParaRPr>
+          </a:p>
+          <a:p>
+            <a:pPr lvl="0">
+              <a:spcBef>
+                <a:spcPts val="0"/>
+              </a:spcBef>
+              <a:buClr>
+                <a:schemeClr val="dk1"/>
+              </a:buClr>
+              <a:buFont typeface="Arial"/>
+              <a:buNone/>
+            </a:pPr>
+            <a:r>
+              <a:t/>
+            </a:r>
+            <a:endParaRPr sz="2000">
+              <a:solidFill>
+                <a:srgbClr val="3DE6D9"/>
+              </a:solidFill>
+            </a:endParaRPr>
+          </a:p>
+          <a:p>
+            <a:pPr lvl="0">
+              <a:spcBef>
+                <a:spcPts val="0"/>
+              </a:spcBef>
+              <a:buClr>
+                <a:schemeClr val="dk1"/>
+              </a:buClr>
+              <a:buSzPct val="55000"/>
+              <a:buFont typeface="Arial"/>
+              <a:buNone/>
+            </a:pPr>
+            <a:r>
+              <a:rPr b="1" lang="en" sz="2000">
+                <a:solidFill>
+                  <a:srgbClr val="11A0E6"/>
+                </a:solidFill>
+              </a:rPr>
+              <a:t>update </a:t>
+            </a:r>
+            <a:r>
+              <a:rPr lang="en" sz="2000">
+                <a:solidFill>
+                  <a:srgbClr val="CAE4E6"/>
+                </a:solidFill>
+              </a:rPr>
+              <a:t>: </a:t>
+            </a:r>
+            <a:r>
+              <a:rPr b="1" lang="en" sz="2000">
+                <a:solidFill>
+                  <a:srgbClr val="E6DE0E"/>
+                </a:solidFill>
+              </a:rPr>
+              <a:t>Msg </a:t>
+            </a:r>
+            <a:r>
+              <a:rPr lang="en" sz="2000">
+                <a:solidFill>
+                  <a:srgbClr val="E68AA2"/>
+                </a:solidFill>
+              </a:rPr>
+              <a:t>-&gt; </a:t>
+            </a:r>
+            <a:r>
+              <a:rPr b="1" lang="en" sz="2000">
+                <a:solidFill>
+                  <a:srgbClr val="E6DE0E"/>
+                </a:solidFill>
+              </a:rPr>
+              <a:t>Model </a:t>
+            </a:r>
+            <a:r>
+              <a:rPr lang="en" sz="2000">
+                <a:solidFill>
+                  <a:srgbClr val="E68AA2"/>
+                </a:solidFill>
+              </a:rPr>
+              <a:t>-&gt; </a:t>
+            </a:r>
+            <a:r>
+              <a:rPr b="1" lang="en" sz="2000">
+                <a:solidFill>
+                  <a:srgbClr val="E6DE0E"/>
+                </a:solidFill>
               </a:rPr>
               <a:t>Model</a:t>
             </a:r>
           </a:p>
-        </p:txBody>
-      </p:sp>
-      <p:sp>
-        <p:nvSpPr>
-          <p:cNvPr id="101" name="Shape 101"/>
-          <p:cNvSpPr/>
-          <p:nvPr/>
-        </p:nvSpPr>
-        <p:spPr>
-          <a:xfrm>
-            <a:off x="520500" y="2325050"/>
-            <a:ext cx="1856100" cy="1752300"/>
-          </a:xfrm>
-          <a:prstGeom prst="triangle">
-            <a:avLst>
-              <a:gd fmla="val 50000" name="adj"/>
-            </a:avLst>
-          </a:prstGeom>
-          <a:solidFill>
-            <a:srgbClr val="BB4614"/>
-          </a:solidFill>
-          <a:ln cap="flat" cmpd="sng" w="9525">
-            <a:solidFill>
-              <a:schemeClr val="dk2"/>
-            </a:solidFill>
-            <a:prstDash val="solid"/>
-            <a:round/>
-            <a:headEnd len="med" w="med" type="none"/>
-            <a:tailEnd len="med" w="med" type="none"/>
-          </a:ln>
-        </p:spPr>
-        <p:txBody>
-          <a:bodyPr anchorCtr="0" anchor="ctr" bIns="91425" lIns="91425" rIns="91425" tIns="91425">
-            <a:noAutofit/>
-          </a:bodyPr>
-          <a:lstStyle/>
-          <a:p>
-            <a:pPr lvl="0" rtl="0" algn="ctr">
-              <a:spcBef>
-                <a:spcPts val="0"/>
-              </a:spcBef>
-              <a:buNone/>
-            </a:pPr>
-            <a:r>
-              <a:rPr lang="en" sz="2400">
-                <a:latin typeface="Bree Serif"/>
-                <a:ea typeface="Bree Serif"/>
-                <a:cs typeface="Bree Serif"/>
-                <a:sym typeface="Bree Serif"/>
-              </a:rPr>
-              <a:t>View</a:t>
-            </a:r>
-          </a:p>
-        </p:txBody>
-      </p:sp>
-      <p:cxnSp>
-        <p:nvCxnSpPr>
-          <p:cNvPr id="102" name="Shape 102"/>
-          <p:cNvCxnSpPr>
-            <a:stCxn id="100" idx="2"/>
-            <a:endCxn id="101" idx="5"/>
-          </p:cNvCxnSpPr>
-          <p:nvPr/>
-        </p:nvCxnSpPr>
-        <p:spPr>
-          <a:xfrm flipH="1">
-            <a:off x="1912675" y="1536775"/>
-            <a:ext cx="2443200" cy="1664400"/>
-          </a:xfrm>
-          <a:prstGeom prst="straightConnector1">
-            <a:avLst/>
-          </a:prstGeom>
-          <a:noFill/>
-          <a:ln cap="flat" cmpd="sng" w="38100">
-            <a:solidFill>
-              <a:schemeClr val="dk2"/>
-            </a:solidFill>
-            <a:prstDash val="solid"/>
-            <a:round/>
-            <a:headEnd len="lg" w="lg" type="none"/>
-            <a:tailEnd len="lg" w="lg" type="triangle"/>
-          </a:ln>
-        </p:spPr>
-      </p:cxnSp>
-      <p:cxnSp>
-        <p:nvCxnSpPr>
-          <p:cNvPr id="103" name="Shape 103"/>
-          <p:cNvCxnSpPr/>
-          <p:nvPr/>
-        </p:nvCxnSpPr>
-        <p:spPr>
-          <a:xfrm>
-            <a:off x="4355875" y="1536800"/>
-            <a:ext cx="2253300" cy="1664400"/>
-          </a:xfrm>
-          <a:prstGeom prst="straightConnector1">
-            <a:avLst/>
-          </a:prstGeom>
-          <a:noFill/>
-          <a:ln cap="flat" cmpd="sng" w="38100">
-            <a:solidFill>
-              <a:schemeClr val="dk2"/>
-            </a:solidFill>
-            <a:prstDash val="solid"/>
-            <a:round/>
-            <a:headEnd len="lg" w="lg" type="triangle"/>
-            <a:tailEnd len="lg" w="lg" type="none"/>
-          </a:ln>
-        </p:spPr>
-      </p:cxnSp>
-      <p:cxnSp>
-        <p:nvCxnSpPr>
-          <p:cNvPr id="104" name="Shape 104"/>
-          <p:cNvCxnSpPr>
-            <a:endCxn id="105" idx="3"/>
-          </p:cNvCxnSpPr>
-          <p:nvPr/>
-        </p:nvCxnSpPr>
-        <p:spPr>
-          <a:xfrm>
-            <a:off x="1912675" y="3201200"/>
-            <a:ext cx="4696500" cy="0"/>
-          </a:xfrm>
-          <a:prstGeom prst="straightConnector1">
-            <a:avLst/>
-          </a:prstGeom>
-          <a:noFill/>
-          <a:ln cap="flat" cmpd="sng" w="38100">
-            <a:solidFill>
-              <a:schemeClr val="dk2"/>
-            </a:solidFill>
-            <a:prstDash val="solid"/>
-            <a:round/>
-            <a:headEnd len="lg" w="lg" type="triangle"/>
-            <a:tailEnd len="lg" w="lg" type="triangle"/>
-          </a:ln>
-        </p:spPr>
-      </p:cxnSp>
-      <p:sp>
-        <p:nvSpPr>
-          <p:cNvPr id="105" name="Shape 105"/>
-          <p:cNvSpPr/>
-          <p:nvPr/>
-        </p:nvSpPr>
-        <p:spPr>
-          <a:xfrm>
-            <a:off x="6609175" y="2365700"/>
-            <a:ext cx="1929000" cy="1671000"/>
-          </a:xfrm>
-          <a:prstGeom prst="hexagon">
-            <a:avLst>
-              <a:gd fmla="val 25000" name="adj"/>
-              <a:gd fmla="val 115470" name="vf"/>
-            </a:avLst>
-          </a:prstGeom>
-          <a:solidFill>
-            <a:srgbClr val="B58900"/>
-          </a:solidFill>
-          <a:ln cap="flat" cmpd="sng" w="9525">
-            <a:solidFill>
-              <a:schemeClr val="dk2"/>
-            </a:solidFill>
-            <a:prstDash val="solid"/>
-            <a:round/>
-            <a:headEnd len="med" w="med" type="none"/>
-            <a:tailEnd len="med" w="med" type="none"/>
-          </a:ln>
-        </p:spPr>
-        <p:txBody>
-          <a:bodyPr anchorCtr="0" anchor="ctr" bIns="91425" lIns="91425" rIns="91425" tIns="91425">
-            <a:noAutofit/>
-          </a:bodyPr>
-          <a:lstStyle/>
           <a:p>
             <a:pPr lvl="0">
               <a:spcBef>
                 <a:spcPts val="0"/>
               </a:spcBef>
-              <a:buNone/>
-            </a:pPr>
-            <a:r>
-              <a:rPr lang="en" sz="1800">
-                <a:latin typeface="Bree Serif"/>
-                <a:ea typeface="Bree Serif"/>
-                <a:cs typeface="Bree Serif"/>
-                <a:sym typeface="Bree Serif"/>
-              </a:rPr>
-              <a:t>Controller</a:t>
-            </a:r>
+              <a:buClr>
+                <a:schemeClr val="dk1"/>
+              </a:buClr>
+              <a:buSzPct val="55000"/>
+              <a:buFont typeface="Arial"/>
+              <a:buNone/>
+            </a:pPr>
+            <a:r>
+              <a:rPr b="1" lang="en" sz="2000">
+                <a:solidFill>
+                  <a:srgbClr val="149CE6"/>
+                </a:solidFill>
+              </a:rPr>
+              <a:t>update </a:t>
+            </a:r>
+            <a:r>
+              <a:rPr lang="en" sz="2000">
+                <a:solidFill>
+                  <a:srgbClr val="CAE4E6"/>
+                </a:solidFill>
+              </a:rPr>
+              <a:t>msg model </a:t>
+            </a:r>
+            <a:r>
+              <a:rPr lang="en" sz="2000">
+                <a:solidFill>
+                  <a:srgbClr val="79BFE6"/>
+                </a:solidFill>
+              </a:rPr>
+              <a:t>=</a:t>
+            </a:r>
+          </a:p>
+          <a:p>
+            <a:pPr lvl="0">
+              <a:spcBef>
+                <a:spcPts val="0"/>
+              </a:spcBef>
+              <a:buClr>
+                <a:schemeClr val="dk1"/>
+              </a:buClr>
+              <a:buSzPct val="55000"/>
+              <a:buFont typeface="Arial"/>
+              <a:buNone/>
+            </a:pPr>
+            <a:r>
+              <a:rPr lang="en" sz="2000">
+                <a:solidFill>
+                  <a:srgbClr val="79BFE6"/>
+                </a:solidFill>
+              </a:rPr>
+              <a:t>   </a:t>
+            </a:r>
+            <a:r>
+              <a:rPr lang="en" sz="2000">
+                <a:solidFill>
+                  <a:srgbClr val="E6B400"/>
+                </a:solidFill>
+              </a:rPr>
+              <a:t>case </a:t>
+            </a:r>
+            <a:r>
+              <a:rPr lang="en" sz="2000">
+                <a:solidFill>
+                  <a:srgbClr val="CAE4E6"/>
+                </a:solidFill>
+              </a:rPr>
+              <a:t>msg </a:t>
+            </a:r>
+            <a:r>
+              <a:rPr lang="en" sz="2000">
+                <a:solidFill>
+                  <a:srgbClr val="E6B400"/>
+                </a:solidFill>
+              </a:rPr>
+              <a:t>of</a:t>
+            </a:r>
+          </a:p>
+          <a:p>
+            <a:pPr lvl="0">
+              <a:spcBef>
+                <a:spcPts val="0"/>
+              </a:spcBef>
+              <a:buClr>
+                <a:schemeClr val="dk1"/>
+              </a:buClr>
+              <a:buSzPct val="55000"/>
+              <a:buFont typeface="Arial"/>
+              <a:buNone/>
+            </a:pPr>
+            <a:r>
+              <a:rPr lang="en" sz="2000">
+                <a:solidFill>
+                  <a:srgbClr val="E6B400"/>
+                </a:solidFill>
+              </a:rPr>
+              <a:t>       </a:t>
+            </a:r>
+            <a:r>
+              <a:rPr b="1" lang="en" sz="2000">
+                <a:solidFill>
+                  <a:srgbClr val="E64B14"/>
+                </a:solidFill>
+              </a:rPr>
+              <a:t>Add </a:t>
+            </a:r>
+            <a:r>
+              <a:rPr lang="en" sz="2000">
+                <a:solidFill>
+                  <a:srgbClr val="E68AA2"/>
+                </a:solidFill>
+              </a:rPr>
+              <a:t>-&gt;</a:t>
+            </a:r>
+          </a:p>
+          <a:p>
+            <a:pPr lvl="0">
+              <a:spcBef>
+                <a:spcPts val="0"/>
+              </a:spcBef>
+              <a:buClr>
+                <a:schemeClr val="dk1"/>
+              </a:buClr>
+              <a:buSzPct val="55000"/>
+              <a:buFont typeface="Arial"/>
+              <a:buNone/>
+            </a:pPr>
+            <a:r>
+              <a:rPr lang="en" sz="2000">
+                <a:solidFill>
+                  <a:srgbClr val="E68AA2"/>
+                </a:solidFill>
+              </a:rPr>
+              <a:t>           </a:t>
+            </a:r>
+            <a:r>
+              <a:rPr lang="en" sz="2000">
+                <a:solidFill>
+                  <a:srgbClr val="CAE4E6"/>
+                </a:solidFill>
+              </a:rPr>
+              <a:t>model </a:t>
+            </a:r>
+            <a:r>
+              <a:rPr lang="en" sz="2000">
+                <a:solidFill>
+                  <a:srgbClr val="E68AA4"/>
+                </a:solidFill>
+              </a:rPr>
+              <a:t>+ </a:t>
+            </a:r>
+            <a:r>
+              <a:rPr lang="en" sz="2000">
+                <a:solidFill>
+                  <a:srgbClr val="3DE6D9"/>
+                </a:solidFill>
+              </a:rPr>
+              <a:t>1</a:t>
+            </a:r>
+          </a:p>
+          <a:p>
+            <a:pPr lvl="0">
+              <a:spcBef>
+                <a:spcPts val="0"/>
+              </a:spcBef>
+              <a:buClr>
+                <a:schemeClr val="dk1"/>
+              </a:buClr>
+              <a:buFont typeface="Arial"/>
+              <a:buNone/>
+            </a:pPr>
+            <a:r>
+              <a:t/>
+            </a:r>
+            <a:endParaRPr sz="2000">
+              <a:solidFill>
+                <a:srgbClr val="3DE6D9"/>
+              </a:solidFill>
+            </a:endParaRPr>
+          </a:p>
+          <a:p>
+            <a:pPr lvl="0">
+              <a:spcBef>
+                <a:spcPts val="0"/>
+              </a:spcBef>
+              <a:buClr>
+                <a:schemeClr val="dk1"/>
+              </a:buClr>
+              <a:buSzPct val="55000"/>
+              <a:buFont typeface="Arial"/>
+              <a:buNone/>
+            </a:pPr>
+            <a:r>
+              <a:rPr lang="en" sz="2000">
+                <a:solidFill>
+                  <a:srgbClr val="3DE6D9"/>
+                </a:solidFill>
+              </a:rPr>
+              <a:t>       </a:t>
+            </a:r>
+            <a:r>
+              <a:rPr b="1" lang="en" sz="2000">
+                <a:solidFill>
+                  <a:srgbClr val="E64B14"/>
+                </a:solidFill>
+              </a:rPr>
+              <a:t>Sub </a:t>
+            </a:r>
+            <a:r>
+              <a:rPr lang="en" sz="2000">
+                <a:solidFill>
+                  <a:srgbClr val="E68AA2"/>
+                </a:solidFill>
+              </a:rPr>
+              <a:t>-&gt;</a:t>
+            </a:r>
+          </a:p>
+          <a:p>
+            <a:pPr lvl="0">
+              <a:spcBef>
+                <a:spcPts val="0"/>
+              </a:spcBef>
+              <a:buClr>
+                <a:schemeClr val="dk1"/>
+              </a:buClr>
+              <a:buSzPct val="55000"/>
+              <a:buFont typeface="Arial"/>
+              <a:buNone/>
+            </a:pPr>
+            <a:r>
+              <a:rPr lang="en" sz="2000">
+                <a:solidFill>
+                  <a:srgbClr val="E68AA2"/>
+                </a:solidFill>
+              </a:rPr>
+              <a:t>           </a:t>
+            </a:r>
+            <a:r>
+              <a:rPr lang="en" sz="2000">
+                <a:solidFill>
+                  <a:srgbClr val="CAE4E6"/>
+                </a:solidFill>
+              </a:rPr>
+              <a:t>model - </a:t>
+            </a:r>
+            <a:r>
+              <a:rPr lang="en" sz="2000">
+                <a:solidFill>
+                  <a:srgbClr val="3DE6D9"/>
+                </a:solidFill>
+              </a:rPr>
+              <a:t>1</a:t>
+            </a:r>
+          </a:p>
+          <a:p>
+            <a:pPr lvl="0" rtl="0">
+              <a:spcBef>
+                <a:spcPts val="0"/>
+              </a:spcBef>
+              <a:buNone/>
+            </a:pPr>
+            <a:r>
+              <a:t/>
+            </a:r>
+            <a:endParaRPr sz="2000">
+              <a:solidFill>
+                <a:srgbClr val="E6B400"/>
+              </a:solidFill>
+            </a:endParaRPr>
           </a:p>
         </p:txBody>
       </p:sp>
@@ -10954,7 +10811,7 @@
   <p:cSld>
     <p:spTree>
       <p:nvGrpSpPr>
-        <p:cNvPr id="109" name="Shape 109"/>
+        <p:cNvPr id="104" name="Shape 104"/>
         <p:cNvGrpSpPr/>
         <p:nvPr/>
       </p:nvGrpSpPr>
@@ -10968,65 +10825,14 @@
       </p:grpSpPr>
       <p:sp>
         <p:nvSpPr>
-          <p:cNvPr id="110" name="Shape 110"/>
+          <p:cNvPr id="105" name="Shape 105"/>
           <p:cNvSpPr/>
           <p:nvPr/>
         </p:nvSpPr>
         <p:spPr>
           <a:xfrm>
-            <a:off x="2159125" y="98450"/>
-            <a:ext cx="4342248" cy="2723328"/>
-          </a:xfrm>
-          <a:prstGeom prst="cloud">
-            <a:avLst/>
-          </a:prstGeom>
-          <a:solidFill>
-            <a:srgbClr val="F3F3F3"/>
-          </a:solidFill>
-          <a:ln cap="flat" cmpd="sng" w="9525">
-            <a:solidFill>
-              <a:schemeClr val="dk2"/>
-            </a:solidFill>
-            <a:prstDash val="solid"/>
-            <a:round/>
-            <a:headEnd len="med" w="med" type="none"/>
-            <a:tailEnd len="med" w="med" type="none"/>
-          </a:ln>
-        </p:spPr>
-        <p:txBody>
-          <a:bodyPr anchorCtr="0" anchor="ctr" bIns="91425" lIns="91425" rIns="91425" tIns="91425">
-            <a:noAutofit/>
-          </a:bodyPr>
-          <a:lstStyle/>
-          <a:p>
-            <a:pPr lvl="0" algn="ctr">
-              <a:spcBef>
-                <a:spcPts val="0"/>
-              </a:spcBef>
-              <a:buNone/>
-            </a:pPr>
-            <a:r>
-              <a:t/>
-            </a:r>
-            <a:endParaRPr sz="2400">
-              <a:latin typeface="Bree Serif"/>
-              <a:ea typeface="Bree Serif"/>
-              <a:cs typeface="Bree Serif"/>
-              <a:sym typeface="Bree Serif"/>
-            </a:endParaRPr>
-          </a:p>
-        </p:txBody>
-      </p:sp>
-      <p:sp>
-        <p:nvSpPr>
-          <p:cNvPr id="111" name="Shape 111"/>
-          <p:cNvSpPr/>
-          <p:nvPr/>
-        </p:nvSpPr>
-        <p:spPr>
-          <a:xfrm>
-            <a:off x="4347362" y="1318975"/>
-            <a:ext cx="1150500" cy="875400"/>
+            <a:off x="3554575" y="317575"/>
+            <a:ext cx="1602600" cy="1219200"/>
           </a:xfrm>
           <a:prstGeom prst="rect">
             <a:avLst/>
@@ -11050,7 +10856,7 @@
           </a:bodyPr>
           <a:lstStyle/>
           <a:p>
-            <a:pPr lvl="0" algn="ctr">
+            <a:pPr lvl="0" rtl="0" algn="ctr">
               <a:spcBef>
                 <a:spcPts val="0"/>
               </a:spcBef>
@@ -11070,7 +10876,7 @@
       </p:sp>
       <p:sp>
         <p:nvSpPr>
-          <p:cNvPr id="112" name="Shape 112"/>
+          <p:cNvPr id="106" name="Shape 106"/>
           <p:cNvSpPr/>
           <p:nvPr/>
         </p:nvSpPr>
@@ -11103,7 +10909,7 @@
           </a:bodyPr>
           <a:lstStyle/>
           <a:p>
-            <a:pPr lvl="0" algn="ctr">
+            <a:pPr lvl="0" rtl="0" algn="ctr">
               <a:spcBef>
                 <a:spcPts val="0"/>
               </a:spcBef>
@@ -11121,103 +10927,92 @@
           </a:p>
         </p:txBody>
       </p:sp>
-      <p:sp>
-        <p:nvSpPr>
-          <p:cNvPr id="113" name="Shape 113"/>
-          <p:cNvSpPr txBox="1"/>
+      <p:cxnSp>
+        <p:nvCxnSpPr>
+          <p:cNvPr id="107" name="Shape 107"/>
+          <p:cNvCxnSpPr>
+            <a:stCxn id="105" idx="2"/>
+            <a:endCxn id="106" idx="5"/>
+          </p:cNvCxnSpPr>
           <p:nvPr/>
-        </p:nvSpPr>
-        <p:spPr>
-          <a:xfrm>
-            <a:off x="3840512" y="623250"/>
-            <a:ext cx="876600" cy="460200"/>
-          </a:xfrm>
-          <a:prstGeom prst="rect">
+        </p:nvCxnSpPr>
+        <p:spPr>
+          <a:xfrm flipH="1">
+            <a:off x="1912675" y="1536775"/>
+            <a:ext cx="2443200" cy="1664400"/>
+          </a:xfrm>
+          <a:prstGeom prst="straightConnector1">
             <a:avLst/>
           </a:prstGeom>
           <a:noFill/>
-          <a:ln>
-            <a:noFill/>
-          </a:ln>
-        </p:spPr>
-        <p:txBody>
-          <a:bodyPr anchorCtr="0" anchor="t" bIns="91425" lIns="91425" rIns="91425" tIns="91425">
-            <a:noAutofit/>
-          </a:bodyPr>
-          <a:lstStyle/>
-          <a:p>
-            <a:pPr lvl="0">
-              <a:spcBef>
-                <a:spcPts val="0"/>
-              </a:spcBef>
-              <a:buNone/>
-            </a:pPr>
-            <a:r>
-              <a:rPr lang="en" sz="2400">
-                <a:latin typeface="Bree Serif"/>
-                <a:ea typeface="Bree Serif"/>
-                <a:cs typeface="Bree Serif"/>
-                <a:sym typeface="Bree Serif"/>
-              </a:rPr>
-              <a:t>Elm</a:t>
-            </a:r>
-          </a:p>
-        </p:txBody>
-      </p:sp>
-      <p:sp>
-        <p:nvSpPr>
-          <p:cNvPr id="114" name="Shape 114"/>
-          <p:cNvSpPr/>
-          <p:nvPr/>
-        </p:nvSpPr>
-        <p:spPr>
-          <a:xfrm>
-            <a:off x="2883437" y="1318975"/>
-            <a:ext cx="1150500" cy="875400"/>
-          </a:xfrm>
-          <a:prstGeom prst="rect">
-            <a:avLst/>
-          </a:prstGeom>
-          <a:solidFill>
-            <a:srgbClr val="47748D"/>
-          </a:solidFill>
-          <a:ln cap="flat" cmpd="sng" w="9525">
+          <a:ln cap="flat" cmpd="sng" w="38100">
             <a:solidFill>
               <a:schemeClr val="dk2"/>
             </a:solidFill>
             <a:prstDash val="solid"/>
             <a:round/>
-            <a:headEnd len="med" w="med" type="none"/>
-            <a:tailEnd len="med" w="med" type="none"/>
+            <a:headEnd len="lg" w="lg" type="none"/>
+            <a:tailEnd len="lg" w="lg" type="triangle"/>
           </a:ln>
         </p:spPr>
-        <p:txBody>
-          <a:bodyPr anchorCtr="0" anchor="ctr" bIns="91425" lIns="91425" rIns="91425" tIns="91425">
-            <a:noAutofit/>
-          </a:bodyPr>
-          <a:lstStyle/>
-          <a:p>
-            <a:pPr lvl="0" rtl="0" algn="ctr">
-              <a:spcBef>
-                <a:spcPts val="0"/>
-              </a:spcBef>
-              <a:buNone/>
-            </a:pPr>
-            <a:r>
-              <a:rPr lang="en" sz="2400">
-                <a:latin typeface="Bree Serif"/>
-                <a:ea typeface="Bree Serif"/>
-                <a:cs typeface="Bree Serif"/>
-                <a:sym typeface="Bree Serif"/>
-              </a:rPr>
-              <a:t>DOM</a:t>
-            </a:r>
-          </a:p>
-        </p:txBody>
-      </p:sp>
-      <p:sp>
-        <p:nvSpPr>
-          <p:cNvPr id="115" name="Shape 115"/>
+      </p:cxnSp>
+      <p:cxnSp>
+        <p:nvCxnSpPr>
+          <p:cNvPr id="108" name="Shape 108"/>
+          <p:cNvCxnSpPr/>
+          <p:nvPr/>
+        </p:nvCxnSpPr>
+        <p:spPr>
+          <a:xfrm>
+            <a:off x="4355875" y="1536800"/>
+            <a:ext cx="2253300" cy="1664400"/>
+          </a:xfrm>
+          <a:prstGeom prst="straightConnector1">
+            <a:avLst/>
+          </a:prstGeom>
+          <a:noFill/>
+          <a:ln cap="flat" cmpd="sng" w="38100">
+            <a:solidFill>
+              <a:schemeClr val="dk2"/>
+            </a:solidFill>
+            <a:prstDash val="solid"/>
+            <a:round/>
+            <a:headEnd len="lg" w="lg" type="triangle"/>
+            <a:tailEnd len="lg" w="lg" type="none"/>
+          </a:ln>
+        </p:spPr>
+      </p:cxnSp>
+      <p:cxnSp>
+        <p:nvCxnSpPr>
+          <p:cNvPr id="109" name="Shape 109"/>
+          <p:cNvCxnSpPr>
+            <a:endCxn id="110" idx="3"/>
+          </p:cNvCxnSpPr>
+          <p:nvPr/>
+        </p:nvCxnSpPr>
+        <p:spPr>
+          <a:xfrm>
+            <a:off x="1912675" y="3201200"/>
+            <a:ext cx="4696500" cy="0"/>
+          </a:xfrm>
+          <a:prstGeom prst="straightConnector1">
+            <a:avLst/>
+          </a:prstGeom>
+          <a:noFill/>
+          <a:ln cap="flat" cmpd="sng" w="38100">
+            <a:solidFill>
+              <a:schemeClr val="dk2"/>
+            </a:solidFill>
+            <a:prstDash val="solid"/>
+            <a:round/>
+            <a:headEnd len="lg" w="lg" type="triangle"/>
+            <a:tailEnd len="lg" w="lg" type="triangle"/>
+          </a:ln>
+        </p:spPr>
+      </p:cxnSp>
+      <p:sp>
+        <p:nvSpPr>
+          <p:cNvPr id="110" name="Shape 110"/>
           <p:cNvSpPr/>
           <p:nvPr/>
         </p:nvSpPr>
@@ -11251,20 +11046,20 @@
           </a:bodyPr>
           <a:lstStyle/>
           <a:p>
-            <a:pPr lvl="0" rtl="0" algn="ctr">
-              <a:spcBef>
-                <a:spcPts val="0"/>
-              </a:spcBef>
-              <a:buNone/>
-            </a:pPr>
-            <a:r>
-              <a:rPr lang="en" sz="2400">
+            <a:pPr lvl="0">
+              <a:spcBef>
+                <a:spcPts val="0"/>
+              </a:spcBef>
+              <a:buNone/>
+            </a:pPr>
+            <a:r>
+              <a:rPr lang="en" sz="1800">
                 <a:latin typeface="Bree Serif"/>
                 <a:ea typeface="Bree Serif"/>
                 <a:cs typeface="Bree Serif"/>
                 <a:sym typeface="Bree Serif"/>
               </a:rPr>
-              <a:t>Update</a:t>
+              <a:t>Controller</a:t>
             </a:r>
           </a:p>
         </p:txBody>
@@ -11282,7 +11077,7 @@
   <p:cSld>
     <p:spTree>
       <p:nvGrpSpPr>
-        <p:cNvPr id="119" name="Shape 119"/>
+        <p:cNvPr id="114" name="Shape 114"/>
         <p:cNvGrpSpPr/>
         <p:nvPr/>
       </p:nvGrpSpPr>
@@ -11296,7 +11091,7 @@
       </p:grpSpPr>
       <p:sp>
         <p:nvSpPr>
-          <p:cNvPr id="120" name="Shape 120"/>
+          <p:cNvPr id="115" name="Shape 115"/>
           <p:cNvSpPr/>
           <p:nvPr/>
         </p:nvSpPr>
@@ -11327,7 +11122,7 @@
           </a:bodyPr>
           <a:lstStyle/>
           <a:p>
-            <a:pPr lvl="0" rtl="0" algn="ctr">
+            <a:pPr lvl="0" algn="ctr">
               <a:spcBef>
                 <a:spcPts val="0"/>
               </a:spcBef>
@@ -11347,7 +11142,7 @@
       </p:sp>
       <p:sp>
         <p:nvSpPr>
-          <p:cNvPr id="121" name="Shape 121"/>
+          <p:cNvPr id="116" name="Shape 116"/>
           <p:cNvSpPr/>
           <p:nvPr/>
         </p:nvSpPr>
@@ -11378,7 +11173,7 @@
           </a:bodyPr>
           <a:lstStyle/>
           <a:p>
-            <a:pPr lvl="0" rtl="0" algn="ctr">
+            <a:pPr lvl="0" algn="ctr">
               <a:spcBef>
                 <a:spcPts val="0"/>
               </a:spcBef>
@@ -11398,7 +11193,7 @@
       </p:sp>
       <p:sp>
         <p:nvSpPr>
-          <p:cNvPr id="122" name="Shape 122"/>
+          <p:cNvPr id="117" name="Shape 117"/>
           <p:cNvSpPr/>
           <p:nvPr/>
         </p:nvSpPr>
@@ -11431,7 +11226,7 @@
           </a:bodyPr>
           <a:lstStyle/>
           <a:p>
-            <a:pPr lvl="0" rtl="0" algn="ctr">
+            <a:pPr lvl="0" algn="ctr">
               <a:spcBef>
                 <a:spcPts val="0"/>
               </a:spcBef>
@@ -11451,7 +11246,7 @@
       </p:sp>
       <p:sp>
         <p:nvSpPr>
-          <p:cNvPr id="123" name="Shape 123"/>
+          <p:cNvPr id="118" name="Shape 118"/>
           <p:cNvSpPr txBox="1"/>
           <p:nvPr/>
         </p:nvSpPr>
@@ -11474,7 +11269,7 @@
           </a:bodyPr>
           <a:lstStyle/>
           <a:p>
-            <a:pPr lvl="0" rtl="0">
+            <a:pPr lvl="0">
               <a:spcBef>
                 <a:spcPts val="0"/>
               </a:spcBef>
@@ -11494,7 +11289,7 @@
       </p:sp>
       <p:sp>
         <p:nvSpPr>
-          <p:cNvPr id="124" name="Shape 124"/>
+          <p:cNvPr id="119" name="Shape 119"/>
           <p:cNvSpPr/>
           <p:nvPr/>
         </p:nvSpPr>
@@ -11543,84 +11338,9 @@
           </a:p>
         </p:txBody>
       </p:sp>
-      <p:cxnSp>
-        <p:nvCxnSpPr>
-          <p:cNvPr id="125" name="Shape 125"/>
-          <p:cNvCxnSpPr>
-            <a:stCxn id="121" idx="2"/>
-            <a:endCxn id="122" idx="5"/>
-          </p:cNvCxnSpPr>
-          <p:nvPr/>
-        </p:nvCxnSpPr>
-        <p:spPr>
-          <a:xfrm flipH="1">
-            <a:off x="1912712" y="2194375"/>
-            <a:ext cx="3009900" cy="1006800"/>
-          </a:xfrm>
-          <a:prstGeom prst="straightConnector1">
-            <a:avLst/>
-          </a:prstGeom>
-          <a:noFill/>
-          <a:ln cap="flat" cmpd="sng" w="38100">
-            <a:solidFill>
-              <a:schemeClr val="dk2"/>
-            </a:solidFill>
-            <a:prstDash val="solid"/>
-            <a:round/>
-            <a:headEnd len="lg" w="lg" type="none"/>
-            <a:tailEnd len="lg" w="lg" type="triangle"/>
-          </a:ln>
-        </p:spPr>
-      </p:cxnSp>
-      <p:sp>
-        <p:nvSpPr>
-          <p:cNvPr id="126" name="Shape 126"/>
-          <p:cNvSpPr txBox="1"/>
-          <p:nvPr/>
-        </p:nvSpPr>
-        <p:spPr>
-          <a:xfrm>
-            <a:off x="2662550" y="2895250"/>
-            <a:ext cx="876600" cy="460200"/>
-          </a:xfrm>
-          <a:prstGeom prst="rect">
-            <a:avLst/>
-          </a:prstGeom>
-          <a:noFill/>
-          <a:ln>
-            <a:noFill/>
-          </a:ln>
-        </p:spPr>
-        <p:txBody>
-          <a:bodyPr anchorCtr="0" anchor="t" bIns="91425" lIns="91425" rIns="91425" tIns="91425">
-            <a:noAutofit/>
-          </a:bodyPr>
-          <a:lstStyle/>
-          <a:p>
-            <a:pPr lvl="0" rtl="0">
-              <a:spcBef>
-                <a:spcPts val="0"/>
-              </a:spcBef>
-              <a:buNone/>
-            </a:pPr>
-            <a:r>
-              <a:rPr lang="en" sz="1800">
-                <a:solidFill>
-                  <a:srgbClr val="FFFFFF"/>
-                </a:solidFill>
-                <a:latin typeface="Bree Serif"/>
-                <a:ea typeface="Bree Serif"/>
-                <a:cs typeface="Bree Serif"/>
-                <a:sym typeface="Bree Serif"/>
-              </a:rPr>
-              <a:t>Model</a:t>
-            </a:r>
-          </a:p>
-        </p:txBody>
-      </p:sp>
-      <p:sp>
-        <p:nvSpPr>
-          <p:cNvPr id="127" name="Shape 127"/>
+      <p:sp>
+        <p:nvSpPr>
+          <p:cNvPr id="120" name="Shape 120"/>
           <p:cNvSpPr/>
           <p:nvPr/>
         </p:nvSpPr>
@@ -11685,7 +11405,7 @@
   <p:cSld>
     <p:spTree>
       <p:nvGrpSpPr>
-        <p:cNvPr id="131" name="Shape 131"/>
+        <p:cNvPr id="124" name="Shape 124"/>
         <p:cNvGrpSpPr/>
         <p:nvPr/>
       </p:nvGrpSpPr>
@@ -11699,7 +11419,7 @@
       </p:grpSpPr>
       <p:sp>
         <p:nvSpPr>
-          <p:cNvPr id="132" name="Shape 132"/>
+          <p:cNvPr id="125" name="Shape 125"/>
           <p:cNvSpPr/>
           <p:nvPr/>
         </p:nvSpPr>
@@ -11750,7 +11470,7 @@
       </p:sp>
       <p:sp>
         <p:nvSpPr>
-          <p:cNvPr id="133" name="Shape 133"/>
+          <p:cNvPr id="126" name="Shape 126"/>
           <p:cNvSpPr/>
           <p:nvPr/>
         </p:nvSpPr>
@@ -11801,7 +11521,7 @@
       </p:sp>
       <p:sp>
         <p:nvSpPr>
-          <p:cNvPr id="134" name="Shape 134"/>
+          <p:cNvPr id="127" name="Shape 127"/>
           <p:cNvSpPr/>
           <p:nvPr/>
         </p:nvSpPr>
@@ -11854,7 +11574,7 @@
       </p:sp>
       <p:sp>
         <p:nvSpPr>
-          <p:cNvPr id="135" name="Shape 135"/>
+          <p:cNvPr id="128" name="Shape 128"/>
           <p:cNvSpPr txBox="1"/>
           <p:nvPr/>
         </p:nvSpPr>
@@ -11897,7 +11617,7 @@
       </p:sp>
       <p:sp>
         <p:nvSpPr>
-          <p:cNvPr id="136" name="Shape 136"/>
+          <p:cNvPr id="129" name="Shape 129"/>
           <p:cNvSpPr/>
           <p:nvPr/>
         </p:nvSpPr>
@@ -11948,17 +11668,17 @@
       </p:sp>
       <p:cxnSp>
         <p:nvCxnSpPr>
-          <p:cNvPr id="137" name="Shape 137"/>
+          <p:cNvPr id="130" name="Shape 130"/>
           <p:cNvCxnSpPr>
-            <a:stCxn id="134" idx="5"/>
-            <a:endCxn id="136" idx="2"/>
+            <a:stCxn id="126" idx="2"/>
+            <a:endCxn id="127" idx="5"/>
           </p:cNvCxnSpPr>
           <p:nvPr/>
         </p:nvCxnSpPr>
         <p:spPr>
-          <a:xfrm flipH="1" rot="10800000">
-            <a:off x="1912575" y="2194400"/>
-            <a:ext cx="1546200" cy="1006800"/>
+          <a:xfrm flipH="1">
+            <a:off x="1912712" y="2194375"/>
+            <a:ext cx="3009900" cy="1006800"/>
           </a:xfrm>
           <a:prstGeom prst="straightConnector1">
             <a:avLst/>
@@ -11977,14 +11697,14 @@
       </p:cxnSp>
       <p:sp>
         <p:nvSpPr>
-          <p:cNvPr id="138" name="Shape 138"/>
+          <p:cNvPr id="131" name="Shape 131"/>
           <p:cNvSpPr txBox="1"/>
           <p:nvPr/>
         </p:nvSpPr>
         <p:spPr>
           <a:xfrm>
-            <a:off x="1821800" y="2544225"/>
-            <a:ext cx="828600" cy="460200"/>
+            <a:off x="2662550" y="2895250"/>
+            <a:ext cx="876600" cy="460200"/>
           </a:xfrm>
           <a:prstGeom prst="rect">
             <a:avLst/>
@@ -12016,14 +11736,14 @@
                 <a:cs typeface="Bree Serif"/>
                 <a:sym typeface="Bree Serif"/>
               </a:rPr>
-              <a:t>HTML</a:t>
-            </a:r>
-          </a:p>
-        </p:txBody>
-      </p:sp>
-      <p:sp>
-        <p:nvSpPr>
-          <p:cNvPr id="139" name="Shape 139"/>
+              <a:t>Model</a:t>
+            </a:r>
+          </a:p>
+        </p:txBody>
+      </p:sp>
+      <p:sp>
+        <p:nvSpPr>
+          <p:cNvPr id="132" name="Shape 132"/>
           <p:cNvSpPr/>
           <p:nvPr/>
         </p:nvSpPr>
@@ -12088,7 +11808,7 @@
   <p:cSld>
     <p:spTree>
       <p:nvGrpSpPr>
-        <p:cNvPr id="143" name="Shape 143"/>
+        <p:cNvPr id="136" name="Shape 136"/>
         <p:cNvGrpSpPr/>
         <p:nvPr/>
       </p:nvGrpSpPr>
@@ -12102,7 +11822,7 @@
       </p:grpSpPr>
       <p:sp>
         <p:nvSpPr>
-          <p:cNvPr id="144" name="Shape 144"/>
+          <p:cNvPr id="137" name="Shape 137"/>
           <p:cNvSpPr/>
           <p:nvPr/>
         </p:nvSpPr>
@@ -12153,7 +11873,7 @@
       </p:sp>
       <p:sp>
         <p:nvSpPr>
-          <p:cNvPr id="145" name="Shape 145"/>
+          <p:cNvPr id="138" name="Shape 138"/>
           <p:cNvSpPr/>
           <p:nvPr/>
         </p:nvSpPr>
@@ -12204,7 +11924,7 @@
       </p:sp>
       <p:sp>
         <p:nvSpPr>
-          <p:cNvPr id="146" name="Shape 146"/>
+          <p:cNvPr id="139" name="Shape 139"/>
           <p:cNvSpPr/>
           <p:nvPr/>
         </p:nvSpPr>
@@ -12257,7 +11977,7 @@
       </p:sp>
       <p:sp>
         <p:nvSpPr>
-          <p:cNvPr id="147" name="Shape 147"/>
+          <p:cNvPr id="140" name="Shape 140"/>
           <p:cNvSpPr txBox="1"/>
           <p:nvPr/>
         </p:nvSpPr>
@@ -12300,7 +12020,7 @@
       </p:sp>
       <p:sp>
         <p:nvSpPr>
-          <p:cNvPr id="148" name="Shape 148"/>
+          <p:cNvPr id="141" name="Shape 141"/>
           <p:cNvSpPr/>
           <p:nvPr/>
         </p:nvSpPr>
@@ -12351,17 +12071,17 @@
       </p:sp>
       <p:cxnSp>
         <p:nvCxnSpPr>
-          <p:cNvPr id="149" name="Shape 149"/>
+          <p:cNvPr id="142" name="Shape 142"/>
           <p:cNvCxnSpPr>
-            <a:stCxn id="148" idx="2"/>
-            <a:endCxn id="150" idx="3"/>
+            <a:stCxn id="139" idx="5"/>
+            <a:endCxn id="141" idx="2"/>
           </p:cNvCxnSpPr>
           <p:nvPr/>
         </p:nvCxnSpPr>
         <p:spPr>
-          <a:xfrm>
-            <a:off x="3458687" y="2194375"/>
-            <a:ext cx="3150600" cy="1006800"/>
+          <a:xfrm flipH="1" rot="10800000">
+            <a:off x="1912575" y="2194400"/>
+            <a:ext cx="1546200" cy="1006800"/>
           </a:xfrm>
           <a:prstGeom prst="straightConnector1">
             <a:avLst/>
@@ -12378,45 +12098,16 @@
           </a:ln>
         </p:spPr>
       </p:cxnSp>
-      <p:cxnSp>
-        <p:nvCxnSpPr>
-          <p:cNvPr id="151" name="Shape 151"/>
-          <p:cNvCxnSpPr>
-            <a:stCxn id="145" idx="2"/>
-            <a:endCxn id="150" idx="3"/>
-          </p:cNvCxnSpPr>
-          <p:nvPr/>
-        </p:nvCxnSpPr>
-        <p:spPr>
-          <a:xfrm>
-            <a:off x="4922612" y="2194375"/>
-            <a:ext cx="1686600" cy="1006800"/>
-          </a:xfrm>
-          <a:prstGeom prst="straightConnector1">
-            <a:avLst/>
-          </a:prstGeom>
-          <a:noFill/>
-          <a:ln cap="flat" cmpd="sng" w="38100">
-            <a:solidFill>
-              <a:schemeClr val="dk2"/>
-            </a:solidFill>
-            <a:prstDash val="solid"/>
-            <a:round/>
-            <a:headEnd len="lg" w="lg" type="none"/>
-            <a:tailEnd len="lg" w="lg" type="triangle"/>
-          </a:ln>
-        </p:spPr>
-      </p:cxnSp>
-      <p:sp>
-        <p:nvSpPr>
-          <p:cNvPr id="152" name="Shape 152"/>
+      <p:sp>
+        <p:nvSpPr>
+          <p:cNvPr id="143" name="Shape 143"/>
           <p:cNvSpPr txBox="1"/>
           <p:nvPr/>
         </p:nvSpPr>
         <p:spPr>
           <a:xfrm>
-            <a:off x="5167450" y="2818700"/>
-            <a:ext cx="678000" cy="460200"/>
+            <a:off x="1821800" y="2544225"/>
+            <a:ext cx="828600" cy="460200"/>
           </a:xfrm>
           <a:prstGeom prst="rect">
             <a:avLst/>
@@ -12448,60 +12139,14 @@
                 <a:cs typeface="Bree Serif"/>
                 <a:sym typeface="Bree Serif"/>
               </a:rPr>
-              <a:t>Msg</a:t>
-            </a:r>
-          </a:p>
-        </p:txBody>
-      </p:sp>
-      <p:sp>
-        <p:nvSpPr>
-          <p:cNvPr id="153" name="Shape 153"/>
-          <p:cNvSpPr txBox="1"/>
-          <p:nvPr/>
-        </p:nvSpPr>
-        <p:spPr>
-          <a:xfrm>
-            <a:off x="5880627" y="2467675"/>
-            <a:ext cx="820199" cy="460200"/>
-          </a:xfrm>
-          <a:prstGeom prst="rect">
-            <a:avLst/>
-          </a:prstGeom>
-          <a:noFill/>
-          <a:ln>
-            <a:noFill/>
-          </a:ln>
-        </p:spPr>
-        <p:txBody>
-          <a:bodyPr anchorCtr="0" anchor="t" bIns="91425" lIns="91425" rIns="91425" tIns="91425">
-            <a:noAutofit/>
-          </a:bodyPr>
-          <a:lstStyle/>
-          <a:p>
-            <a:pPr lvl="0" rtl="0">
-              <a:spcBef>
-                <a:spcPts val="0"/>
-              </a:spcBef>
-              <a:buNone/>
-            </a:pPr>
-            <a:r>
-              <a:rPr lang="en" sz="1800">
-                <a:solidFill>
-                  <a:srgbClr val="FFFFFF"/>
-                </a:solidFill>
-                <a:latin typeface="Bree Serif"/>
-                <a:ea typeface="Bree Serif"/>
-                <a:cs typeface="Bree Serif"/>
-                <a:sym typeface="Bree Serif"/>
-              </a:rPr>
-              <a:t>Model</a:t>
-            </a:r>
-          </a:p>
-        </p:txBody>
-      </p:sp>
-      <p:sp>
-        <p:nvSpPr>
-          <p:cNvPr id="154" name="Shape 154"/>
+              <a:t>HTML</a:t>
+            </a:r>
+          </a:p>
+        </p:txBody>
+      </p:sp>
+      <p:sp>
+        <p:nvSpPr>
+          <p:cNvPr id="144" name="Shape 144"/>
           <p:cNvSpPr/>
           <p:nvPr/>
         </p:nvSpPr>
@@ -12566,7 +12211,7 @@
   <p:cSld>
     <p:spTree>
       <p:nvGrpSpPr>
-        <p:cNvPr id="158" name="Shape 158"/>
+        <p:cNvPr id="148" name="Shape 148"/>
         <p:cNvGrpSpPr/>
         <p:nvPr/>
       </p:nvGrpSpPr>
@@ -12580,7 +12225,7 @@
       </p:grpSpPr>
       <p:sp>
         <p:nvSpPr>
-          <p:cNvPr id="159" name="Shape 159"/>
+          <p:cNvPr id="149" name="Shape 149"/>
           <p:cNvSpPr/>
           <p:nvPr/>
         </p:nvSpPr>
@@ -12631,7 +12276,7 @@
       </p:sp>
       <p:sp>
         <p:nvSpPr>
-          <p:cNvPr id="160" name="Shape 160"/>
+          <p:cNvPr id="150" name="Shape 150"/>
           <p:cNvSpPr/>
           <p:nvPr/>
         </p:nvSpPr>
@@ -12682,7 +12327,7 @@
       </p:sp>
       <p:sp>
         <p:nvSpPr>
-          <p:cNvPr id="161" name="Shape 161"/>
+          <p:cNvPr id="151" name="Shape 151"/>
           <p:cNvSpPr/>
           <p:nvPr/>
         </p:nvSpPr>
@@ -12735,7 +12380,7 @@
       </p:sp>
       <p:sp>
         <p:nvSpPr>
-          <p:cNvPr id="162" name="Shape 162"/>
+          <p:cNvPr id="152" name="Shape 152"/>
           <p:cNvSpPr txBox="1"/>
           <p:nvPr/>
         </p:nvSpPr>
@@ -12778,7 +12423,7 @@
       </p:sp>
       <p:sp>
         <p:nvSpPr>
-          <p:cNvPr id="163" name="Shape 163"/>
+          <p:cNvPr id="153" name="Shape 153"/>
           <p:cNvSpPr/>
           <p:nvPr/>
         </p:nvSpPr>
@@ -12829,17 +12474,17 @@
       </p:sp>
       <p:cxnSp>
         <p:nvCxnSpPr>
-          <p:cNvPr id="164" name="Shape 164"/>
+          <p:cNvPr id="154" name="Shape 154"/>
           <p:cNvCxnSpPr>
-            <a:stCxn id="165" idx="3"/>
-            <a:endCxn id="160" idx="2"/>
+            <a:stCxn id="153" idx="2"/>
+            <a:endCxn id="155" idx="3"/>
           </p:cNvCxnSpPr>
           <p:nvPr/>
         </p:nvCxnSpPr>
         <p:spPr>
-          <a:xfrm rot="10800000">
-            <a:off x="4922612" y="2194375"/>
-            <a:ext cx="1686600" cy="1006800"/>
+          <a:xfrm>
+            <a:off x="3458687" y="2194375"/>
+            <a:ext cx="3150600" cy="1006800"/>
           </a:xfrm>
           <a:prstGeom prst="straightConnector1">
             <a:avLst/>
@@ -12856,16 +12501,45 @@
           </a:ln>
         </p:spPr>
       </p:cxnSp>
-      <p:sp>
-        <p:nvSpPr>
-          <p:cNvPr id="166" name="Shape 166"/>
+      <p:cxnSp>
+        <p:nvCxnSpPr>
+          <p:cNvPr id="156" name="Shape 156"/>
+          <p:cNvCxnSpPr>
+            <a:stCxn id="150" idx="2"/>
+            <a:endCxn id="155" idx="3"/>
+          </p:cNvCxnSpPr>
+          <p:nvPr/>
+        </p:nvCxnSpPr>
+        <p:spPr>
+          <a:xfrm>
+            <a:off x="4922612" y="2194375"/>
+            <a:ext cx="1686600" cy="1006800"/>
+          </a:xfrm>
+          <a:prstGeom prst="straightConnector1">
+            <a:avLst/>
+          </a:prstGeom>
+          <a:noFill/>
+          <a:ln cap="flat" cmpd="sng" w="38100">
+            <a:solidFill>
+              <a:schemeClr val="dk2"/>
+            </a:solidFill>
+            <a:prstDash val="solid"/>
+            <a:round/>
+            <a:headEnd len="lg" w="lg" type="none"/>
+            <a:tailEnd len="lg" w="lg" type="triangle"/>
+          </a:ln>
+        </p:spPr>
+      </p:cxnSp>
+      <p:sp>
+        <p:nvSpPr>
+          <p:cNvPr id="157" name="Shape 157"/>
           <p:cNvSpPr txBox="1"/>
           <p:nvPr/>
         </p:nvSpPr>
         <p:spPr>
           <a:xfrm>
-            <a:off x="5866929" y="2465575"/>
-            <a:ext cx="936600" cy="460200"/>
+            <a:off x="5167450" y="2818700"/>
+            <a:ext cx="678000" cy="460200"/>
           </a:xfrm>
           <a:prstGeom prst="rect">
             <a:avLst/>
@@ -12897,14 +12571,60 @@
                 <a:cs typeface="Bree Serif"/>
                 <a:sym typeface="Bree Serif"/>
               </a:rPr>
-              <a:t>Model’</a:t>
-            </a:r>
-          </a:p>
-        </p:txBody>
-      </p:sp>
-      <p:sp>
-        <p:nvSpPr>
-          <p:cNvPr id="167" name="Shape 167"/>
+              <a:t>Msg</a:t>
+            </a:r>
+          </a:p>
+        </p:txBody>
+      </p:sp>
+      <p:sp>
+        <p:nvSpPr>
+          <p:cNvPr id="158" name="Shape 158"/>
+          <p:cNvSpPr txBox="1"/>
+          <p:nvPr/>
+        </p:nvSpPr>
+        <p:spPr>
+          <a:xfrm>
+            <a:off x="5880627" y="2467675"/>
+            <a:ext cx="820199" cy="460200"/>
+          </a:xfrm>
+          <a:prstGeom prst="rect">
+            <a:avLst/>
+          </a:prstGeom>
+          <a:noFill/>
+          <a:ln>
+            <a:noFill/>
+          </a:ln>
+        </p:spPr>
+        <p:txBody>
+          <a:bodyPr anchorCtr="0" anchor="t" bIns="91425" lIns="91425" rIns="91425" tIns="91425">
+            <a:noAutofit/>
+          </a:bodyPr>
+          <a:lstStyle/>
+          <a:p>
+            <a:pPr lvl="0" rtl="0">
+              <a:spcBef>
+                <a:spcPts val="0"/>
+              </a:spcBef>
+              <a:buNone/>
+            </a:pPr>
+            <a:r>
+              <a:rPr lang="en" sz="1800">
+                <a:solidFill>
+                  <a:srgbClr val="FFFFFF"/>
+                </a:solidFill>
+                <a:latin typeface="Bree Serif"/>
+                <a:ea typeface="Bree Serif"/>
+                <a:cs typeface="Bree Serif"/>
+                <a:sym typeface="Bree Serif"/>
+              </a:rPr>
+              <a:t>Model</a:t>
+            </a:r>
+          </a:p>
+        </p:txBody>
+      </p:sp>
+      <p:sp>
+        <p:nvSpPr>
+          <p:cNvPr id="159" name="Shape 159"/>
           <p:cNvSpPr/>
           <p:nvPr/>
         </p:nvSpPr>
@@ -12969,7 +12689,7 @@
   <p:cSld>
     <p:spTree>
       <p:nvGrpSpPr>
-        <p:cNvPr id="171" name="Shape 171"/>
+        <p:cNvPr id="163" name="Shape 163"/>
         <p:cNvGrpSpPr/>
         <p:nvPr/>
       </p:nvGrpSpPr>
@@ -12983,73 +12703,379 @@
       </p:grpSpPr>
       <p:sp>
         <p:nvSpPr>
+          <p:cNvPr id="164" name="Shape 164"/>
+          <p:cNvSpPr/>
+          <p:nvPr/>
+        </p:nvSpPr>
+        <p:spPr>
+          <a:xfrm>
+            <a:off x="2159125" y="98450"/>
+            <a:ext cx="4342248" cy="2723328"/>
+          </a:xfrm>
+          <a:prstGeom prst="cloud">
+            <a:avLst/>
+          </a:prstGeom>
+          <a:solidFill>
+            <a:srgbClr val="F3F3F3"/>
+          </a:solidFill>
+          <a:ln cap="flat" cmpd="sng" w="9525">
+            <a:solidFill>
+              <a:schemeClr val="dk2"/>
+            </a:solidFill>
+            <a:prstDash val="solid"/>
+            <a:round/>
+            <a:headEnd len="med" w="med" type="none"/>
+            <a:tailEnd len="med" w="med" type="none"/>
+          </a:ln>
+        </p:spPr>
+        <p:txBody>
+          <a:bodyPr anchorCtr="0" anchor="ctr" bIns="91425" lIns="91425" rIns="91425" tIns="91425">
+            <a:noAutofit/>
+          </a:bodyPr>
+          <a:lstStyle/>
+          <a:p>
+            <a:pPr lvl="0" rtl="0" algn="ctr">
+              <a:spcBef>
+                <a:spcPts val="0"/>
+              </a:spcBef>
+              <a:buNone/>
+            </a:pPr>
+            <a:r>
+              <a:t/>
+            </a:r>
+            <a:endParaRPr sz="2400">
+              <a:latin typeface="Bree Serif"/>
+              <a:ea typeface="Bree Serif"/>
+              <a:cs typeface="Bree Serif"/>
+              <a:sym typeface="Bree Serif"/>
+            </a:endParaRPr>
+          </a:p>
+        </p:txBody>
+      </p:sp>
+      <p:sp>
+        <p:nvSpPr>
+          <p:cNvPr id="165" name="Shape 165"/>
+          <p:cNvSpPr/>
+          <p:nvPr/>
+        </p:nvSpPr>
+        <p:spPr>
+          <a:xfrm>
+            <a:off x="4347362" y="1318975"/>
+            <a:ext cx="1150500" cy="875400"/>
+          </a:xfrm>
+          <a:prstGeom prst="rect">
+            <a:avLst/>
+          </a:prstGeom>
+          <a:solidFill>
+            <a:srgbClr val="47748D"/>
+          </a:solidFill>
+          <a:ln cap="flat" cmpd="sng" w="9525">
+            <a:solidFill>
+              <a:schemeClr val="dk2"/>
+            </a:solidFill>
+            <a:prstDash val="solid"/>
+            <a:round/>
+            <a:headEnd len="med" w="med" type="none"/>
+            <a:tailEnd len="med" w="med" type="none"/>
+          </a:ln>
+        </p:spPr>
+        <p:txBody>
+          <a:bodyPr anchorCtr="0" anchor="ctr" bIns="91425" lIns="91425" rIns="91425" tIns="91425">
+            <a:noAutofit/>
+          </a:bodyPr>
+          <a:lstStyle/>
+          <a:p>
+            <a:pPr lvl="0" rtl="0" algn="ctr">
+              <a:spcBef>
+                <a:spcPts val="0"/>
+              </a:spcBef>
+              <a:buNone/>
+            </a:pPr>
+            <a:r>
+              <a:rPr lang="en" sz="2400">
+                <a:latin typeface="Bree Serif"/>
+                <a:ea typeface="Bree Serif"/>
+                <a:cs typeface="Bree Serif"/>
+                <a:sym typeface="Bree Serif"/>
+              </a:rPr>
+              <a:t>Model</a:t>
+            </a:r>
+          </a:p>
+        </p:txBody>
+      </p:sp>
+      <p:sp>
+        <p:nvSpPr>
+          <p:cNvPr id="166" name="Shape 166"/>
+          <p:cNvSpPr/>
+          <p:nvPr/>
+        </p:nvSpPr>
+        <p:spPr>
+          <a:xfrm>
+            <a:off x="520500" y="2325050"/>
+            <a:ext cx="1856100" cy="1752300"/>
+          </a:xfrm>
+          <a:prstGeom prst="triangle">
+            <a:avLst>
+              <a:gd fmla="val 50000" name="adj"/>
+            </a:avLst>
+          </a:prstGeom>
+          <a:solidFill>
+            <a:srgbClr val="BB4614"/>
+          </a:solidFill>
+          <a:ln cap="flat" cmpd="sng" w="9525">
+            <a:solidFill>
+              <a:schemeClr val="dk2"/>
+            </a:solidFill>
+            <a:prstDash val="solid"/>
+            <a:round/>
+            <a:headEnd len="med" w="med" type="none"/>
+            <a:tailEnd len="med" w="med" type="none"/>
+          </a:ln>
+        </p:spPr>
+        <p:txBody>
+          <a:bodyPr anchorCtr="0" anchor="ctr" bIns="91425" lIns="91425" rIns="91425" tIns="91425">
+            <a:noAutofit/>
+          </a:bodyPr>
+          <a:lstStyle/>
+          <a:p>
+            <a:pPr lvl="0" rtl="0" algn="ctr">
+              <a:spcBef>
+                <a:spcPts val="0"/>
+              </a:spcBef>
+              <a:buNone/>
+            </a:pPr>
+            <a:r>
+              <a:rPr lang="en" sz="2400">
+                <a:latin typeface="Bree Serif"/>
+                <a:ea typeface="Bree Serif"/>
+                <a:cs typeface="Bree Serif"/>
+                <a:sym typeface="Bree Serif"/>
+              </a:rPr>
+              <a:t>View</a:t>
+            </a:r>
+          </a:p>
+        </p:txBody>
+      </p:sp>
+      <p:sp>
+        <p:nvSpPr>
+          <p:cNvPr id="167" name="Shape 167"/>
+          <p:cNvSpPr txBox="1"/>
+          <p:nvPr/>
+        </p:nvSpPr>
+        <p:spPr>
+          <a:xfrm>
+            <a:off x="3840512" y="623250"/>
+            <a:ext cx="876600" cy="460200"/>
+          </a:xfrm>
+          <a:prstGeom prst="rect">
+            <a:avLst/>
+          </a:prstGeom>
+          <a:noFill/>
+          <a:ln>
+            <a:noFill/>
+          </a:ln>
+        </p:spPr>
+        <p:txBody>
+          <a:bodyPr anchorCtr="0" anchor="t" bIns="91425" lIns="91425" rIns="91425" tIns="91425">
+            <a:noAutofit/>
+          </a:bodyPr>
+          <a:lstStyle/>
+          <a:p>
+            <a:pPr lvl="0" rtl="0">
+              <a:spcBef>
+                <a:spcPts val="0"/>
+              </a:spcBef>
+              <a:buNone/>
+            </a:pPr>
+            <a:r>
+              <a:rPr lang="en" sz="2400">
+                <a:latin typeface="Bree Serif"/>
+                <a:ea typeface="Bree Serif"/>
+                <a:cs typeface="Bree Serif"/>
+                <a:sym typeface="Bree Serif"/>
+              </a:rPr>
+              <a:t>Elm</a:t>
+            </a:r>
+          </a:p>
+        </p:txBody>
+      </p:sp>
+      <p:sp>
+        <p:nvSpPr>
+          <p:cNvPr id="168" name="Shape 168"/>
+          <p:cNvSpPr/>
+          <p:nvPr/>
+        </p:nvSpPr>
+        <p:spPr>
+          <a:xfrm>
+            <a:off x="2883437" y="1318975"/>
+            <a:ext cx="1150500" cy="875400"/>
+          </a:xfrm>
+          <a:prstGeom prst="rect">
+            <a:avLst/>
+          </a:prstGeom>
+          <a:solidFill>
+            <a:srgbClr val="47748D"/>
+          </a:solidFill>
+          <a:ln cap="flat" cmpd="sng" w="9525">
+            <a:solidFill>
+              <a:schemeClr val="dk2"/>
+            </a:solidFill>
+            <a:prstDash val="solid"/>
+            <a:round/>
+            <a:headEnd len="med" w="med" type="none"/>
+            <a:tailEnd len="med" w="med" type="none"/>
+          </a:ln>
+        </p:spPr>
+        <p:txBody>
+          <a:bodyPr anchorCtr="0" anchor="ctr" bIns="91425" lIns="91425" rIns="91425" tIns="91425">
+            <a:noAutofit/>
+          </a:bodyPr>
+          <a:lstStyle/>
+          <a:p>
+            <a:pPr lvl="0" rtl="0" algn="ctr">
+              <a:spcBef>
+                <a:spcPts val="0"/>
+              </a:spcBef>
+              <a:buNone/>
+            </a:pPr>
+            <a:r>
+              <a:rPr lang="en" sz="2400">
+                <a:latin typeface="Bree Serif"/>
+                <a:ea typeface="Bree Serif"/>
+                <a:cs typeface="Bree Serif"/>
+                <a:sym typeface="Bree Serif"/>
+              </a:rPr>
+              <a:t>DOM</a:t>
+            </a:r>
+          </a:p>
+        </p:txBody>
+      </p:sp>
+      <p:cxnSp>
+        <p:nvCxnSpPr>
+          <p:cNvPr id="169" name="Shape 169"/>
+          <p:cNvCxnSpPr>
+            <a:stCxn id="170" idx="3"/>
+            <a:endCxn id="165" idx="2"/>
+          </p:cNvCxnSpPr>
+          <p:nvPr/>
+        </p:nvCxnSpPr>
+        <p:spPr>
+          <a:xfrm rot="10800000">
+            <a:off x="4922612" y="2194375"/>
+            <a:ext cx="1686600" cy="1006800"/>
+          </a:xfrm>
+          <a:prstGeom prst="straightConnector1">
+            <a:avLst/>
+          </a:prstGeom>
+          <a:noFill/>
+          <a:ln cap="flat" cmpd="sng" w="38100">
+            <a:solidFill>
+              <a:schemeClr val="dk2"/>
+            </a:solidFill>
+            <a:prstDash val="solid"/>
+            <a:round/>
+            <a:headEnd len="lg" w="lg" type="none"/>
+            <a:tailEnd len="lg" w="lg" type="triangle"/>
+          </a:ln>
+        </p:spPr>
+      </p:cxnSp>
+      <p:sp>
+        <p:nvSpPr>
+          <p:cNvPr id="171" name="Shape 171"/>
+          <p:cNvSpPr txBox="1"/>
+          <p:nvPr/>
+        </p:nvSpPr>
+        <p:spPr>
+          <a:xfrm>
+            <a:off x="5866929" y="2465575"/>
+            <a:ext cx="936600" cy="460200"/>
+          </a:xfrm>
+          <a:prstGeom prst="rect">
+            <a:avLst/>
+          </a:prstGeom>
+          <a:noFill/>
+          <a:ln>
+            <a:noFill/>
+          </a:ln>
+        </p:spPr>
+        <p:txBody>
+          <a:bodyPr anchorCtr="0" anchor="t" bIns="91425" lIns="91425" rIns="91425" tIns="91425">
+            <a:noAutofit/>
+          </a:bodyPr>
+          <a:lstStyle/>
+          <a:p>
+            <a:pPr lvl="0" rtl="0">
+              <a:spcBef>
+                <a:spcPts val="0"/>
+              </a:spcBef>
+              <a:buNone/>
+            </a:pPr>
+            <a:r>
+              <a:rPr lang="en" sz="1800">
+                <a:solidFill>
+                  <a:srgbClr val="FFFFFF"/>
+                </a:solidFill>
+                <a:latin typeface="Bree Serif"/>
+                <a:ea typeface="Bree Serif"/>
+                <a:cs typeface="Bree Serif"/>
+                <a:sym typeface="Bree Serif"/>
+              </a:rPr>
+              <a:t>Model’</a:t>
+            </a:r>
+          </a:p>
+        </p:txBody>
+      </p:sp>
+      <p:sp>
+        <p:nvSpPr>
           <p:cNvPr id="172" name="Shape 172"/>
-          <p:cNvSpPr txBox="1"/>
-          <p:nvPr>
-            <p:ph type="ctrTitle"/>
-          </p:nvPr>
-        </p:nvSpPr>
-        <p:spPr>
-          <a:xfrm>
-            <a:off x="685800" y="1583342"/>
-            <a:ext cx="7772400" cy="1159800"/>
-          </a:xfrm>
-          <a:prstGeom prst="rect">
-            <a:avLst/>
-          </a:prstGeom>
-        </p:spPr>
-        <p:txBody>
-          <a:bodyPr anchorCtr="0" anchor="b" bIns="91425" lIns="91425" rIns="91425" tIns="91425">
-            <a:noAutofit/>
-          </a:bodyPr>
-          <a:lstStyle/>
-          <a:p>
-            <a:pPr lvl="0">
-              <a:spcBef>
-                <a:spcPts val="0"/>
-              </a:spcBef>
-              <a:buNone/>
-            </a:pPr>
-            <a:r>
-              <a:rPr lang="en"/>
-              <a:t>… let’s watch it live ...</a:t>
-            </a:r>
-          </a:p>
-        </p:txBody>
-      </p:sp>
-      <p:sp>
-        <p:nvSpPr>
-          <p:cNvPr id="173" name="Shape 173"/>
-          <p:cNvSpPr txBox="1"/>
-          <p:nvPr>
-            <p:ph idx="1" type="subTitle"/>
-          </p:nvPr>
-        </p:nvSpPr>
-        <p:spPr>
-          <a:xfrm>
-            <a:off x="685800" y="2840053"/>
-            <a:ext cx="7772400" cy="784799"/>
-          </a:xfrm>
-          <a:prstGeom prst="rect">
-            <a:avLst/>
-          </a:prstGeom>
-        </p:spPr>
-        <p:txBody>
-          <a:bodyPr anchorCtr="0" anchor="t" bIns="91425" lIns="91425" rIns="91425" tIns="91425">
-            <a:noAutofit/>
-          </a:bodyPr>
-          <a:lstStyle/>
-          <a:p>
-            <a:pPr lvl="0">
-              <a:spcBef>
-                <a:spcPts val="0"/>
-              </a:spcBef>
-              <a:buNone/>
-            </a:pPr>
-            <a:r>
-              <a:t/>
-            </a:r>
-            <a:endParaRPr/>
+          <p:cNvSpPr/>
+          <p:nvPr/>
+        </p:nvSpPr>
+        <p:spPr>
+          <a:xfrm>
+            <a:off x="6609175" y="2365700"/>
+            <a:ext cx="1929000" cy="1671000"/>
+          </a:xfrm>
+          <a:prstGeom prst="hexagon">
+            <a:avLst>
+              <a:gd fmla="val 25000" name="adj"/>
+              <a:gd fmla="val 115470" name="vf"/>
+            </a:avLst>
+          </a:prstGeom>
+          <a:solidFill>
+            <a:srgbClr val="B58900"/>
+          </a:solidFill>
+          <a:ln cap="flat" cmpd="sng" w="9525">
+            <a:solidFill>
+              <a:schemeClr val="dk2"/>
+            </a:solidFill>
+            <a:prstDash val="solid"/>
+            <a:round/>
+            <a:headEnd len="med" w="med" type="none"/>
+            <a:tailEnd len="med" w="med" type="none"/>
+          </a:ln>
+        </p:spPr>
+        <p:txBody>
+          <a:bodyPr anchorCtr="0" anchor="ctr" bIns="91425" lIns="91425" rIns="91425" tIns="91425">
+            <a:noAutofit/>
+          </a:bodyPr>
+          <a:lstStyle/>
+          <a:p>
+            <a:pPr lvl="0" rtl="0" algn="ctr">
+              <a:spcBef>
+                <a:spcPts val="0"/>
+              </a:spcBef>
+              <a:buNone/>
+            </a:pPr>
+            <a:r>
+              <a:rPr lang="en" sz="2400">
+                <a:latin typeface="Bree Serif"/>
+                <a:ea typeface="Bree Serif"/>
+                <a:cs typeface="Bree Serif"/>
+                <a:sym typeface="Bree Serif"/>
+              </a:rPr>
+              <a:t>Update</a:t>
+            </a:r>
           </a:p>
         </p:txBody>
       </p:sp>
@@ -13066,7 +13092,7 @@
   <p:cSld>
     <p:spTree>
       <p:nvGrpSpPr>
-        <p:cNvPr id="177" name="Shape 177"/>
+        <p:cNvPr id="176" name="Shape 176"/>
         <p:cNvGrpSpPr/>
         <p:nvPr/>
       </p:nvGrpSpPr>
@@ -13080,7 +13106,7 @@
       </p:grpSpPr>
       <p:sp>
         <p:nvSpPr>
-          <p:cNvPr id="178" name="Shape 178"/>
+          <p:cNvPr id="177" name="Shape 177"/>
           <p:cNvSpPr txBox="1"/>
           <p:nvPr>
             <p:ph type="ctrTitle"/>
@@ -13101,7 +13127,7 @@
           </a:bodyPr>
           <a:lstStyle/>
           <a:p>
-            <a:pPr lvl="0" rtl="0">
+            <a:pPr lvl="0">
               <a:spcBef>
                 <a:spcPts val="0"/>
               </a:spcBef>
@@ -13109,14 +13135,14 @@
             </a:pPr>
             <a:r>
               <a:rPr lang="en"/>
-              <a:t>Characteristics</a:t>
-            </a:r>
-          </a:p>
-        </p:txBody>
-      </p:sp>
-      <p:sp>
-        <p:nvSpPr>
-          <p:cNvPr id="179" name="Shape 179"/>
+              <a:t>… let’s watch it live ...</a:t>
+            </a:r>
+          </a:p>
+        </p:txBody>
+      </p:sp>
+      <p:sp>
+        <p:nvSpPr>
+          <p:cNvPr id="178" name="Shape 178"/>
           <p:cNvSpPr txBox="1"/>
           <p:nvPr>
             <p:ph idx="1" type="subTitle"/>
@@ -13137,7 +13163,7 @@
           </a:bodyPr>
           <a:lstStyle/>
           <a:p>
-            <a:pPr lvl="0" rtl="0">
+            <a:pPr lvl="0">
               <a:spcBef>
                 <a:spcPts val="0"/>
               </a:spcBef>
@@ -13163,7 +13189,7 @@
   <p:cSld>
     <p:spTree>
       <p:nvGrpSpPr>
-        <p:cNvPr id="183" name="Shape 183"/>
+        <p:cNvPr id="182" name="Shape 182"/>
         <p:cNvGrpSpPr/>
         <p:nvPr/>
       </p:nvGrpSpPr>
@@ -13177,22 +13203,56 @@
       </p:grpSpPr>
       <p:sp>
         <p:nvSpPr>
+          <p:cNvPr id="183" name="Shape 183"/>
+          <p:cNvSpPr txBox="1"/>
+          <p:nvPr>
+            <p:ph type="ctrTitle"/>
+          </p:nvPr>
+        </p:nvSpPr>
+        <p:spPr>
+          <a:xfrm>
+            <a:off x="685800" y="1583342"/>
+            <a:ext cx="7772400" cy="1159800"/>
+          </a:xfrm>
+          <a:prstGeom prst="rect">
+            <a:avLst/>
+          </a:prstGeom>
+        </p:spPr>
+        <p:txBody>
+          <a:bodyPr anchorCtr="0" anchor="b" bIns="91425" lIns="91425" rIns="91425" tIns="91425">
+            <a:noAutofit/>
+          </a:bodyPr>
+          <a:lstStyle/>
+          <a:p>
+            <a:pPr lvl="0" rtl="0">
+              <a:spcBef>
+                <a:spcPts val="0"/>
+              </a:spcBef>
+              <a:buNone/>
+            </a:pPr>
+            <a:r>
+              <a:rPr lang="en"/>
+              <a:t>Characteristics</a:t>
+            </a:r>
+          </a:p>
+        </p:txBody>
+      </p:sp>
+      <p:sp>
+        <p:nvSpPr>
           <p:cNvPr id="184" name="Shape 184"/>
           <p:cNvSpPr txBox="1"/>
-          <p:nvPr/>
-        </p:nvSpPr>
-        <p:spPr>
-          <a:xfrm>
-            <a:off x="349300" y="383525"/>
-            <a:ext cx="8506200" cy="4499700"/>
+          <p:nvPr>
+            <p:ph idx="1" type="subTitle"/>
+          </p:nvPr>
+        </p:nvSpPr>
+        <p:spPr>
+          <a:xfrm>
+            <a:off x="685800" y="2840053"/>
+            <a:ext cx="7772400" cy="784799"/>
           </a:xfrm>
           <a:prstGeom prst="rect">
             <a:avLst/>
           </a:prstGeom>
-          <a:noFill/>
-          <a:ln>
-            <a:noFill/>
-          </a:ln>
         </p:spPr>
         <p:txBody>
           <a:bodyPr anchorCtr="0" anchor="t" bIns="91425" lIns="91425" rIns="91425" tIns="91425">
@@ -13207,152 +13267,9 @@
               <a:buNone/>
             </a:pPr>
             <a:r>
-              <a:rPr lang="en" sz="3600">
-                <a:solidFill>
-                  <a:srgbClr val="FFFFFF"/>
-                </a:solidFill>
-                <a:latin typeface="Bree Serif"/>
-                <a:ea typeface="Bree Serif"/>
-                <a:cs typeface="Bree Serif"/>
-                <a:sym typeface="Bree Serif"/>
-              </a:rPr>
-              <a:t>An Elm program always consists of</a:t>
-            </a:r>
-          </a:p>
-          <a:p>
-            <a:pPr lvl="0" rtl="0">
-              <a:spcBef>
-                <a:spcPts val="0"/>
-              </a:spcBef>
-              <a:buNone/>
-            </a:pPr>
-            <a:r>
               <a:t/>
             </a:r>
-            <a:endParaRPr sz="3600">
-              <a:solidFill>
-                <a:srgbClr val="FFFFFF"/>
-              </a:solidFill>
-              <a:latin typeface="Bree Serif"/>
-              <a:ea typeface="Bree Serif"/>
-              <a:cs typeface="Bree Serif"/>
-              <a:sym typeface="Bree Serif"/>
-            </a:endParaRPr>
-          </a:p>
-          <a:p>
-            <a:pPr indent="-457200" lvl="0" marL="457200" rtl="0">
-              <a:spcBef>
-                <a:spcPts val="0"/>
-              </a:spcBef>
-              <a:buClr>
-                <a:srgbClr val="FFFFFF"/>
-              </a:buClr>
-              <a:buSzPct val="100000"/>
-              <a:buFont typeface="Bree Serif"/>
-              <a:buChar char="-"/>
-            </a:pPr>
-            <a:r>
-              <a:rPr lang="en" sz="3600">
-                <a:solidFill>
-                  <a:srgbClr val="FFFFFF"/>
-                </a:solidFill>
-                <a:latin typeface="Bree Serif"/>
-                <a:ea typeface="Bree Serif"/>
-                <a:cs typeface="Bree Serif"/>
-                <a:sym typeface="Bree Serif"/>
-              </a:rPr>
-              <a:t>Model</a:t>
-            </a:r>
-          </a:p>
-          <a:p>
-            <a:pPr indent="-457200" lvl="0" marL="457200" rtl="0">
-              <a:spcBef>
-                <a:spcPts val="0"/>
-              </a:spcBef>
-              <a:buClr>
-                <a:srgbClr val="FFFFFF"/>
-              </a:buClr>
-              <a:buSzPct val="100000"/>
-              <a:buFont typeface="Bree Serif"/>
-              <a:buChar char="-"/>
-            </a:pPr>
-            <a:r>
-              <a:rPr lang="en" sz="3600">
-                <a:solidFill>
-                  <a:srgbClr val="FFFFFF"/>
-                </a:solidFill>
-                <a:latin typeface="Bree Serif"/>
-                <a:ea typeface="Bree Serif"/>
-                <a:cs typeface="Bree Serif"/>
-                <a:sym typeface="Bree Serif"/>
-              </a:rPr>
-              <a:t>View</a:t>
-            </a:r>
-          </a:p>
-          <a:p>
-            <a:pPr indent="-457200" lvl="0" marL="457200" rtl="0">
-              <a:spcBef>
-                <a:spcPts val="0"/>
-              </a:spcBef>
-              <a:buClr>
-                <a:srgbClr val="FFFFFF"/>
-              </a:buClr>
-              <a:buSzPct val="100000"/>
-              <a:buFont typeface="Bree Serif"/>
-              <a:buChar char="-"/>
-            </a:pPr>
-            <a:r>
-              <a:rPr lang="en" sz="3600">
-                <a:solidFill>
-                  <a:srgbClr val="FFFFFF"/>
-                </a:solidFill>
-                <a:latin typeface="Bree Serif"/>
-                <a:ea typeface="Bree Serif"/>
-                <a:cs typeface="Bree Serif"/>
-                <a:sym typeface="Bree Serif"/>
-              </a:rPr>
-              <a:t>Update</a:t>
-            </a:r>
-          </a:p>
-          <a:p>
-            <a:pPr lvl="0" rtl="0">
-              <a:spcBef>
-                <a:spcPts val="0"/>
-              </a:spcBef>
-              <a:buNone/>
-            </a:pPr>
-            <a:r>
-              <a:t/>
-            </a:r>
-            <a:endParaRPr sz="3600">
-              <a:solidFill>
-                <a:srgbClr val="FFFFFF"/>
-              </a:solidFill>
-              <a:latin typeface="Bree Serif"/>
-              <a:ea typeface="Bree Serif"/>
-              <a:cs typeface="Bree Serif"/>
-              <a:sym typeface="Bree Serif"/>
-            </a:endParaRPr>
-          </a:p>
-          <a:p>
-            <a:pPr lvl="0" rtl="0">
-              <a:spcBef>
-                <a:spcPts val="0"/>
-              </a:spcBef>
-              <a:buNone/>
-            </a:pPr>
-            <a:r>
-              <a:t/>
-            </a:r>
-            <a:endParaRPr sz="3600">
-              <a:solidFill>
-                <a:srgbClr val="FFFFFF"/>
-              </a:solidFill>
-              <a:latin typeface="Bree Serif"/>
-              <a:ea typeface="Bree Serif"/>
-              <a:cs typeface="Bree Serif"/>
-              <a:sym typeface="Bree Serif"/>
-            </a:endParaRPr>
+            <a:endParaRPr/>
           </a:p>
         </p:txBody>
       </p:sp>
@@ -13381,180 +13298,34 @@
           <a:chExt cx="0" cy="0"/>
         </a:xfrm>
       </p:grpSpPr>
-      <p:sp>
-        <p:nvSpPr>
-          <p:cNvPr id="48" name="Shape 48"/>
-          <p:cNvSpPr txBox="1"/>
-          <p:nvPr>
-            <p:ph type="title"/>
-          </p:nvPr>
-        </p:nvSpPr>
-        <p:spPr>
-          <a:xfrm>
-            <a:off x="457200" y="129778"/>
-            <a:ext cx="8229600" cy="857400"/>
+      <p:pic>
+        <p:nvPicPr>
+          <p:cNvPr descr="Lindenbaum.png" id="48" name="Shape 48"/>
+          <p:cNvPicPr preferRelativeResize="0"/>
+          <p:nvPr/>
+        </p:nvPicPr>
+        <p:blipFill>
+          <a:blip r:embed="rId3">
+            <a:alphaModFix/>
+          </a:blip>
+          <a:stretch>
+            <a:fillRect/>
+          </a:stretch>
+        </p:blipFill>
+        <p:spPr>
+          <a:xfrm>
+            <a:off x="375894" y="0"/>
+            <a:ext cx="8229606" cy="5143498"/>
           </a:xfrm>
           <a:prstGeom prst="rect">
             <a:avLst/>
           </a:prstGeom>
-        </p:spPr>
-        <p:txBody>
-          <a:bodyPr anchorCtr="0" anchor="b" bIns="91425" lIns="91425" rIns="91425" tIns="91425">
-            <a:noAutofit/>
-          </a:bodyPr>
-          <a:lstStyle/>
-          <a:p>
-            <a:pPr lvl="0">
-              <a:spcBef>
-                <a:spcPts val="0"/>
-              </a:spcBef>
-              <a:buNone/>
-            </a:pPr>
-            <a:r>
-              <a:rPr lang="en"/>
-              <a:t>Agenda</a:t>
-            </a:r>
-          </a:p>
-        </p:txBody>
-      </p:sp>
-      <p:sp>
-        <p:nvSpPr>
-          <p:cNvPr id="49" name="Shape 49"/>
-          <p:cNvSpPr txBox="1"/>
-          <p:nvPr>
-            <p:ph idx="1" type="body"/>
-          </p:nvPr>
-        </p:nvSpPr>
-        <p:spPr>
-          <a:xfrm>
-            <a:off x="457200" y="1123950"/>
-            <a:ext cx="8229600" cy="3857700"/>
-          </a:xfrm>
-          <a:prstGeom prst="rect">
-            <a:avLst/>
-          </a:prstGeom>
-        </p:spPr>
-        <p:txBody>
-          <a:bodyPr anchorCtr="0" anchor="t" bIns="91425" lIns="91425" rIns="91425" tIns="91425">
-            <a:noAutofit/>
-          </a:bodyPr>
-          <a:lstStyle/>
-          <a:p>
-            <a:pPr indent="-457200" lvl="0" marL="457200" rtl="0">
-              <a:spcBef>
-                <a:spcPts val="0"/>
-              </a:spcBef>
-              <a:buClr>
-                <a:srgbClr val="FFFFFF"/>
-              </a:buClr>
-              <a:buSzPct val="100000"/>
-              <a:buFont typeface="Bree Serif"/>
-            </a:pPr>
-            <a:r>
-              <a:rPr lang="en">
-                <a:solidFill>
-                  <a:srgbClr val="FFFFFF"/>
-                </a:solidFill>
-                <a:latin typeface="Bree Serif"/>
-                <a:ea typeface="Bree Serif"/>
-                <a:cs typeface="Bree Serif"/>
-                <a:sym typeface="Bree Serif"/>
-              </a:rPr>
-              <a:t>Elm by example</a:t>
-            </a:r>
-          </a:p>
-          <a:p>
-            <a:pPr indent="-317500" lvl="0" marL="457200">
-              <a:spcBef>
-                <a:spcPts val="0"/>
-              </a:spcBef>
-              <a:buClr>
-                <a:schemeClr val="dk1"/>
-              </a:buClr>
-              <a:buSzPct val="38888"/>
-              <a:buFont typeface="Bree Serif"/>
-            </a:pPr>
-            <a:r>
-              <a:t/>
-            </a:r>
-            <a:endParaRPr>
-              <a:latin typeface="Bree Serif"/>
-              <a:ea typeface="Bree Serif"/>
-              <a:cs typeface="Bree Serif"/>
-              <a:sym typeface="Bree Serif"/>
-            </a:endParaRPr>
-          </a:p>
-          <a:p>
-            <a:pPr indent="-457200" lvl="0" marL="457200" rtl="0">
-              <a:spcBef>
-                <a:spcPts val="0"/>
-              </a:spcBef>
-              <a:buClr>
-                <a:srgbClr val="FFFFFF"/>
-              </a:buClr>
-              <a:buSzPct val="100000"/>
-              <a:buFont typeface="Bree Serif"/>
-            </a:pPr>
-            <a:r>
-              <a:rPr lang="en">
-                <a:solidFill>
-                  <a:srgbClr val="FFFFFF"/>
-                </a:solidFill>
-                <a:latin typeface="Bree Serif"/>
-                <a:ea typeface="Bree Serif"/>
-                <a:cs typeface="Bree Serif"/>
-                <a:sym typeface="Bree Serif"/>
-              </a:rPr>
-              <a:t>Why Elm?</a:t>
-            </a:r>
-          </a:p>
-          <a:p>
-            <a:pPr indent="-317500" lvl="0" marL="457200">
-              <a:spcBef>
-                <a:spcPts val="0"/>
-              </a:spcBef>
-              <a:buClr>
-                <a:schemeClr val="dk1"/>
-              </a:buClr>
-              <a:buSzPct val="38888"/>
-              <a:buFont typeface="Bree Serif"/>
-            </a:pPr>
-            <a:r>
-              <a:t/>
-            </a:r>
-            <a:endParaRPr>
-              <a:latin typeface="Bree Serif"/>
-              <a:ea typeface="Bree Serif"/>
-              <a:cs typeface="Bree Serif"/>
-              <a:sym typeface="Bree Serif"/>
-            </a:endParaRPr>
-          </a:p>
-          <a:p>
-            <a:pPr indent="-457200" lvl="0" marL="457200" rtl="0">
-              <a:spcBef>
-                <a:spcPts val="0"/>
-              </a:spcBef>
-              <a:buClr>
-                <a:srgbClr val="FFFFFF"/>
-              </a:buClr>
-              <a:buSzPct val="100000"/>
-              <a:buFont typeface="Bree Serif"/>
-            </a:pPr>
-            <a:r>
-              <a:rPr lang="en">
-                <a:solidFill>
-                  <a:srgbClr val="FFFFFF"/>
-                </a:solidFill>
-                <a:latin typeface="Bree Serif"/>
-                <a:ea typeface="Bree Serif"/>
-                <a:cs typeface="Bree Serif"/>
-                <a:sym typeface="Bree Serif"/>
-              </a:rPr>
-              <a:t>Is it production ready?</a:t>
-            </a:r>
-          </a:p>
-        </p:txBody>
-      </p:sp>
+          <a:noFill/>
+          <a:ln>
+            <a:noFill/>
+          </a:ln>
+        </p:spPr>
+      </p:pic>
     </p:spTree>
   </p:cSld>
   <p:clrMapOvr>
@@ -13621,7 +13392,7 @@
                 <a:cs typeface="Bree Serif"/>
                 <a:sym typeface="Bree Serif"/>
               </a:rPr>
-              <a:t>An Elm program has / is</a:t>
+              <a:t>An Elm program always consists of</a:t>
             </a:r>
           </a:p>
           <a:p>
@@ -13659,14 +13430,14 @@
             <a:r>
               <a:rPr lang="en" sz="3600">
                 <a:solidFill>
-                  <a:schemeClr val="lt1"/>
+                  <a:srgbClr val="FFFFFF"/>
                 </a:solidFill>
                 <a:latin typeface="Bree Serif"/>
                 <a:ea typeface="Bree Serif"/>
                 <a:cs typeface="Bree Serif"/>
                 <a:sym typeface="Bree Serif"/>
               </a:rPr>
-              <a:t>static+strongly typed</a:t>
+              <a:t>Model</a:t>
             </a:r>
           </a:p>
           <a:p>
@@ -13691,19 +13462,7 @@
                 <a:cs typeface="Bree Serif"/>
                 <a:sym typeface="Bree Serif"/>
               </a:rPr>
-              <a:t>only true (pure) functions </a:t>
-            </a:r>
-            <a:r>
-              <a:rPr lang="en" sz="1800">
-                <a:solidFill>
-                  <a:srgbClr val="FFFFFF"/>
-                </a:solidFill>
-                <a:latin typeface="Bree Serif"/>
-                <a:ea typeface="Bree Serif"/>
-                <a:cs typeface="Bree Serif"/>
-                <a:sym typeface="Bree Serif"/>
-              </a:rPr>
-              <a:t>(no side effects)</a:t>
+              <a:t>View</a:t>
             </a:r>
           </a:p>
           <a:p>
@@ -13728,8 +13487,48 @@
                 <a:cs typeface="Bree Serif"/>
                 <a:sym typeface="Bree Serif"/>
               </a:rPr>
-              <a:t>immutable data</a:t>
-            </a:r>
+              <a:t>Update</a:t>
+            </a:r>
+          </a:p>
+          <a:p>
+            <a:pPr lvl="0" rtl="0">
+              <a:spcBef>
+                <a:spcPts val="0"/>
+              </a:spcBef>
+              <a:buNone/>
+            </a:pPr>
+            <a:r>
+              <a:t/>
+            </a:r>
+            <a:endParaRPr sz="3600">
+              <a:solidFill>
+                <a:srgbClr val="FFFFFF"/>
+              </a:solidFill>
+              <a:latin typeface="Bree Serif"/>
+              <a:ea typeface="Bree Serif"/>
+              <a:cs typeface="Bree Serif"/>
+              <a:sym typeface="Bree Serif"/>
+            </a:endParaRPr>
+          </a:p>
+          <a:p>
+            <a:pPr lvl="0" rtl="0">
+              <a:spcBef>
+                <a:spcPts val="0"/>
+              </a:spcBef>
+              <a:buNone/>
+            </a:pPr>
+            <a:r>
+              <a:t/>
+            </a:r>
+            <a:endParaRPr sz="3600">
+              <a:solidFill>
+                <a:srgbClr val="FFFFFF"/>
+              </a:solidFill>
+              <a:latin typeface="Bree Serif"/>
+              <a:ea typeface="Bree Serif"/>
+              <a:cs typeface="Bree Serif"/>
+              <a:sym typeface="Bree Serif"/>
+            </a:endParaRPr>
           </a:p>
         </p:txBody>
       </p:sp>
@@ -13762,21 +13561,23 @@
         <p:nvSpPr>
           <p:cNvPr id="194" name="Shape 194"/>
           <p:cNvSpPr txBox="1"/>
-          <p:nvPr>
-            <p:ph type="ctrTitle"/>
-          </p:nvPr>
-        </p:nvSpPr>
-        <p:spPr>
-          <a:xfrm>
-            <a:off x="685800" y="1583342"/>
-            <a:ext cx="7772400" cy="1159800"/>
+          <p:nvPr/>
+        </p:nvSpPr>
+        <p:spPr>
+          <a:xfrm>
+            <a:off x="349300" y="383525"/>
+            <a:ext cx="8506200" cy="4499700"/>
           </a:xfrm>
           <a:prstGeom prst="rect">
             <a:avLst/>
           </a:prstGeom>
-        </p:spPr>
-        <p:txBody>
-          <a:bodyPr anchorCtr="0" anchor="b" bIns="91425" lIns="91425" rIns="91425" tIns="91425">
+          <a:noFill/>
+          <a:ln>
+            <a:noFill/>
+          </a:ln>
+        </p:spPr>
+        <p:txBody>
+          <a:bodyPr anchorCtr="0" anchor="t" bIns="91425" lIns="91425" rIns="91425" tIns="91425">
             <a:noAutofit/>
           </a:bodyPr>
           <a:lstStyle/>
@@ -13788,34 +13589,18 @@
               <a:buNone/>
             </a:pPr>
             <a:r>
-              <a:rPr lang="en"/>
-              <a:t>Benefits</a:t>
-            </a:r>
-          </a:p>
-        </p:txBody>
-      </p:sp>
-      <p:sp>
-        <p:nvSpPr>
-          <p:cNvPr id="195" name="Shape 195"/>
-          <p:cNvSpPr txBox="1"/>
-          <p:nvPr>
-            <p:ph idx="1" type="subTitle"/>
-          </p:nvPr>
-        </p:nvSpPr>
-        <p:spPr>
-          <a:xfrm>
-            <a:off x="685800" y="2840053"/>
-            <a:ext cx="7772400" cy="784799"/>
-          </a:xfrm>
-          <a:prstGeom prst="rect">
-            <a:avLst/>
-          </a:prstGeom>
-        </p:spPr>
-        <p:txBody>
-          <a:bodyPr anchorCtr="0" anchor="t" bIns="91425" lIns="91425" rIns="91425" tIns="91425">
-            <a:noAutofit/>
-          </a:bodyPr>
-          <a:lstStyle/>
+              <a:rPr lang="en" sz="3600">
+                <a:solidFill>
+                  <a:srgbClr val="FFFFFF"/>
+                </a:solidFill>
+                <a:latin typeface="Bree Serif"/>
+                <a:ea typeface="Bree Serif"/>
+                <a:cs typeface="Bree Serif"/>
+                <a:sym typeface="Bree Serif"/>
+              </a:rPr>
+              <a:t>An Elm program has / is</a:t>
+            </a:r>
+          </a:p>
           <a:p>
             <a:pPr lvl="0" rtl="0">
               <a:spcBef>
@@ -13826,7 +13611,102 @@
             <a:r>
               <a:t/>
             </a:r>
-            <a:endParaRPr/>
+            <a:endParaRPr sz="3600">
+              <a:solidFill>
+                <a:srgbClr val="FFFFFF"/>
+              </a:solidFill>
+              <a:latin typeface="Bree Serif"/>
+              <a:ea typeface="Bree Serif"/>
+              <a:cs typeface="Bree Serif"/>
+              <a:sym typeface="Bree Serif"/>
+            </a:endParaRPr>
+          </a:p>
+          <a:p>
+            <a:pPr indent="-457200" lvl="0" marL="457200" rtl="0">
+              <a:spcBef>
+                <a:spcPts val="0"/>
+              </a:spcBef>
+              <a:buClr>
+                <a:srgbClr val="FFFFFF"/>
+              </a:buClr>
+              <a:buSzPct val="100000"/>
+              <a:buFont typeface="Bree Serif"/>
+              <a:buChar char="-"/>
+            </a:pPr>
+            <a:r>
+              <a:rPr lang="en" sz="3600">
+                <a:solidFill>
+                  <a:schemeClr val="lt1"/>
+                </a:solidFill>
+                <a:latin typeface="Bree Serif"/>
+                <a:ea typeface="Bree Serif"/>
+                <a:cs typeface="Bree Serif"/>
+                <a:sym typeface="Bree Serif"/>
+              </a:rPr>
+              <a:t>static+strongly typed</a:t>
+            </a:r>
+          </a:p>
+          <a:p>
+            <a:pPr indent="-457200" lvl="0" marL="457200" rtl="0">
+              <a:spcBef>
+                <a:spcPts val="0"/>
+              </a:spcBef>
+              <a:buClr>
+                <a:srgbClr val="FFFFFF"/>
+              </a:buClr>
+              <a:buSzPct val="100000"/>
+              <a:buFont typeface="Bree Serif"/>
+              <a:buChar char="-"/>
+            </a:pPr>
+            <a:r>
+              <a:rPr lang="en" sz="3600">
+                <a:solidFill>
+                  <a:srgbClr val="FFFFFF"/>
+                </a:solidFill>
+                <a:latin typeface="Bree Serif"/>
+                <a:ea typeface="Bree Serif"/>
+                <a:cs typeface="Bree Serif"/>
+                <a:sym typeface="Bree Serif"/>
+              </a:rPr>
+              <a:t>only true (pure) functions </a:t>
+            </a:r>
+            <a:r>
+              <a:rPr lang="en" sz="1800">
+                <a:solidFill>
+                  <a:srgbClr val="FFFFFF"/>
+                </a:solidFill>
+                <a:latin typeface="Bree Serif"/>
+                <a:ea typeface="Bree Serif"/>
+                <a:cs typeface="Bree Serif"/>
+                <a:sym typeface="Bree Serif"/>
+              </a:rPr>
+              <a:t>(no side effects)</a:t>
+            </a:r>
+          </a:p>
+          <a:p>
+            <a:pPr indent="-457200" lvl="0" marL="457200" rtl="0">
+              <a:spcBef>
+                <a:spcPts val="0"/>
+              </a:spcBef>
+              <a:buClr>
+                <a:srgbClr val="FFFFFF"/>
+              </a:buClr>
+              <a:buSzPct val="100000"/>
+              <a:buFont typeface="Bree Serif"/>
+              <a:buChar char="-"/>
+            </a:pPr>
+            <a:r>
+              <a:rPr lang="en" sz="3600">
+                <a:solidFill>
+                  <a:srgbClr val="FFFFFF"/>
+                </a:solidFill>
+                <a:latin typeface="Bree Serif"/>
+                <a:ea typeface="Bree Serif"/>
+                <a:cs typeface="Bree Serif"/>
+                <a:sym typeface="Bree Serif"/>
+              </a:rPr>
+              <a:t>immutable data</a:t>
+            </a:r>
           </a:p>
         </p:txBody>
       </p:sp>
@@ -13843,7 +13723,7 @@
   <p:cSld>
     <p:spTree>
       <p:nvGrpSpPr>
-        <p:cNvPr id="199" name="Shape 199"/>
+        <p:cNvPr id="198" name="Shape 198"/>
         <p:cNvGrpSpPr/>
         <p:nvPr/>
       </p:nvGrpSpPr>
@@ -13857,50 +13737,64 @@
       </p:grpSpPr>
       <p:sp>
         <p:nvSpPr>
+          <p:cNvPr id="199" name="Shape 199"/>
+          <p:cNvSpPr txBox="1"/>
+          <p:nvPr>
+            <p:ph type="ctrTitle"/>
+          </p:nvPr>
+        </p:nvSpPr>
+        <p:spPr>
+          <a:xfrm>
+            <a:off x="685800" y="1583342"/>
+            <a:ext cx="7772400" cy="1159800"/>
+          </a:xfrm>
+          <a:prstGeom prst="rect">
+            <a:avLst/>
+          </a:prstGeom>
+        </p:spPr>
+        <p:txBody>
+          <a:bodyPr anchorCtr="0" anchor="b" bIns="91425" lIns="91425" rIns="91425" tIns="91425">
+            <a:noAutofit/>
+          </a:bodyPr>
+          <a:lstStyle/>
+          <a:p>
+            <a:pPr lvl="0" rtl="0">
+              <a:spcBef>
+                <a:spcPts val="0"/>
+              </a:spcBef>
+              <a:buNone/>
+            </a:pPr>
+            <a:r>
+              <a:rPr lang="en"/>
+              <a:t>Benefits</a:t>
+            </a:r>
+          </a:p>
+        </p:txBody>
+      </p:sp>
+      <p:sp>
+        <p:nvSpPr>
           <p:cNvPr id="200" name="Shape 200"/>
           <p:cNvSpPr txBox="1"/>
-          <p:nvPr/>
-        </p:nvSpPr>
-        <p:spPr>
-          <a:xfrm>
-            <a:off x="349300" y="383525"/>
-            <a:ext cx="8506200" cy="4499700"/>
+          <p:nvPr>
+            <p:ph idx="1" type="subTitle"/>
+          </p:nvPr>
+        </p:nvSpPr>
+        <p:spPr>
+          <a:xfrm>
+            <a:off x="685800" y="2840053"/>
+            <a:ext cx="7772400" cy="784799"/>
           </a:xfrm>
           <a:prstGeom prst="rect">
             <a:avLst/>
           </a:prstGeom>
-          <a:noFill/>
-          <a:ln>
-            <a:noFill/>
-          </a:ln>
-        </p:spPr>
-        <p:txBody>
-          <a:bodyPr anchorCtr="0" anchor="ctr" bIns="91425" lIns="91425" rIns="91425" tIns="91425">
-            <a:noAutofit/>
-          </a:bodyPr>
-          <a:lstStyle/>
-          <a:p>
-            <a:pPr lvl="0" rtl="0" algn="ctr">
-              <a:spcBef>
-                <a:spcPts val="0"/>
-              </a:spcBef>
-              <a:buNone/>
-            </a:pPr>
-            <a:r>
-              <a:rPr lang="en" sz="4000">
-                <a:solidFill>
-                  <a:srgbClr val="FFFFFF"/>
-                </a:solidFill>
-                <a:latin typeface="Bree Serif"/>
-                <a:ea typeface="Bree Serif"/>
-                <a:cs typeface="Bree Serif"/>
-                <a:sym typeface="Bree Serif"/>
-              </a:rPr>
-              <a:t>Better understandability</a:t>
-            </a:r>
-          </a:p>
-          <a:p>
-            <a:pPr lvl="0" rtl="0" algn="ctr">
+        </p:spPr>
+        <p:txBody>
+          <a:bodyPr anchorCtr="0" anchor="t" bIns="91425" lIns="91425" rIns="91425" tIns="91425">
+            <a:noAutofit/>
+          </a:bodyPr>
+          <a:lstStyle/>
+          <a:p>
+            <a:pPr lvl="0" rtl="0">
               <a:spcBef>
                 <a:spcPts val="0"/>
               </a:spcBef>
@@ -13909,15 +13803,7 @@
             <a:r>
               <a:t/>
             </a:r>
-            <a:endParaRPr sz="4000">
-              <a:solidFill>
-                <a:srgbClr val="FFFFFF"/>
-              </a:solidFill>
-              <a:latin typeface="Bree Serif"/>
-              <a:ea typeface="Bree Serif"/>
-              <a:cs typeface="Bree Serif"/>
-              <a:sym typeface="Bree Serif"/>
-            </a:endParaRPr>
+            <a:endParaRPr/>
           </a:p>
         </p:txBody>
       </p:sp>
@@ -13987,7 +13873,7 @@
                 <a:cs typeface="Bree Serif"/>
                 <a:sym typeface="Bree Serif"/>
               </a:rPr>
-              <a:t>Testing of pure functions is easy</a:t>
+              <a:t>Better understandability</a:t>
             </a:r>
           </a:p>
           <a:p>
@@ -14078,19 +13964,7 @@
                 <a:cs typeface="Bree Serif"/>
                 <a:sym typeface="Bree Serif"/>
               </a:rPr>
-              <a:t>B</a:t>
-            </a:r>
-            <a:r>
-              <a:rPr lang="en" sz="4000">
-                <a:solidFill>
-                  <a:srgbClr val="FFFFFF"/>
-                </a:solidFill>
-                <a:latin typeface="Bree Serif"/>
-                <a:ea typeface="Bree Serif"/>
-                <a:cs typeface="Bree Serif"/>
-                <a:sym typeface="Bree Serif"/>
-              </a:rPr>
-              <a:t>etter maintainability</a:t>
+              <a:t>Testing of pure functions is easy</a:t>
             </a:r>
           </a:p>
           <a:p>
@@ -14689,7 +14563,7 @@
   <p:cSld>
     <p:spTree>
       <p:nvGrpSpPr>
-        <p:cNvPr id="53" name="Shape 53"/>
+        <p:cNvPr id="52" name="Shape 52"/>
         <p:cNvGrpSpPr/>
         <p:nvPr/>
       </p:nvGrpSpPr>
@@ -14703,73 +14577,175 @@
       </p:grpSpPr>
       <p:sp>
         <p:nvSpPr>
+          <p:cNvPr id="53" name="Shape 53"/>
+          <p:cNvSpPr txBox="1"/>
+          <p:nvPr>
+            <p:ph type="title"/>
+          </p:nvPr>
+        </p:nvSpPr>
+        <p:spPr>
+          <a:xfrm>
+            <a:off x="457200" y="129778"/>
+            <a:ext cx="8229600" cy="857400"/>
+          </a:xfrm>
+          <a:prstGeom prst="rect">
+            <a:avLst/>
+          </a:prstGeom>
+        </p:spPr>
+        <p:txBody>
+          <a:bodyPr anchorCtr="0" anchor="b" bIns="91425" lIns="91425" rIns="91425" tIns="91425">
+            <a:noAutofit/>
+          </a:bodyPr>
+          <a:lstStyle/>
+          <a:p>
+            <a:pPr lvl="0">
+              <a:spcBef>
+                <a:spcPts val="0"/>
+              </a:spcBef>
+              <a:buNone/>
+            </a:pPr>
+            <a:r>
+              <a:rPr lang="en"/>
+              <a:t>Agenda</a:t>
+            </a:r>
+          </a:p>
+        </p:txBody>
+      </p:sp>
+      <p:sp>
+        <p:nvSpPr>
           <p:cNvPr id="54" name="Shape 54"/>
           <p:cNvSpPr txBox="1"/>
           <p:nvPr>
-            <p:ph type="ctrTitle"/>
+            <p:ph idx="1" type="body"/>
           </p:nvPr>
         </p:nvSpPr>
         <p:spPr>
           <a:xfrm>
-            <a:off x="685800" y="1583342"/>
-            <a:ext cx="7772400" cy="1159800"/>
+            <a:off x="457200" y="1123950"/>
+            <a:ext cx="8229600" cy="3857700"/>
           </a:xfrm>
           <a:prstGeom prst="rect">
             <a:avLst/>
           </a:prstGeom>
         </p:spPr>
         <p:txBody>
-          <a:bodyPr anchorCtr="0" anchor="b" bIns="91425" lIns="91425" rIns="91425" tIns="91425">
-            <a:noAutofit/>
-          </a:bodyPr>
-          <a:lstStyle/>
-          <a:p>
-            <a:pPr lvl="0">
-              <a:spcBef>
-                <a:spcPts val="0"/>
-              </a:spcBef>
-              <a:buNone/>
-            </a:pPr>
-            <a:r>
-              <a:rPr lang="en"/>
-              <a:t>An Elm Program</a:t>
-            </a:r>
-          </a:p>
-        </p:txBody>
-      </p:sp>
-      <p:sp>
-        <p:nvSpPr>
-          <p:cNvPr id="55" name="Shape 55"/>
-          <p:cNvSpPr txBox="1"/>
-          <p:nvPr>
-            <p:ph idx="1" type="subTitle"/>
-          </p:nvPr>
-        </p:nvSpPr>
-        <p:spPr>
-          <a:xfrm>
-            <a:off x="685800" y="2840053"/>
-            <a:ext cx="7772400" cy="784799"/>
-          </a:xfrm>
-          <a:prstGeom prst="rect">
-            <a:avLst/>
-          </a:prstGeom>
-        </p:spPr>
-        <p:txBody>
           <a:bodyPr anchorCtr="0" anchor="t" bIns="91425" lIns="91425" rIns="91425" tIns="91425">
             <a:noAutofit/>
           </a:bodyPr>
           <a:lstStyle/>
           <a:p>
-            <a:pPr lvl="0">
-              <a:spcBef>
-                <a:spcPts val="0"/>
-              </a:spcBef>
-              <a:buNone/>
+            <a:pPr indent="-457200" lvl="0" marL="457200" rtl="0">
+              <a:spcBef>
+                <a:spcPts val="0"/>
+              </a:spcBef>
+              <a:buClr>
+                <a:srgbClr val="FFFFFF"/>
+              </a:buClr>
+              <a:buSzPct val="100000"/>
+              <a:buFont typeface="Bree Serif"/>
+            </a:pPr>
+            <a:r>
+              <a:rPr lang="en">
+                <a:solidFill>
+                  <a:srgbClr val="FFFFFF"/>
+                </a:solidFill>
+                <a:latin typeface="Bree Serif"/>
+                <a:ea typeface="Bree Serif"/>
+                <a:cs typeface="Bree Serif"/>
+                <a:sym typeface="Bree Serif"/>
+              </a:rPr>
+              <a:t>Elm by example</a:t>
+            </a:r>
+          </a:p>
+          <a:p>
+            <a:pPr indent="-317500" lvl="0" marL="457200">
+              <a:spcBef>
+                <a:spcPts val="0"/>
+              </a:spcBef>
+              <a:buClr>
+                <a:schemeClr val="dk1"/>
+              </a:buClr>
+              <a:buSzPct val="38888"/>
+              <a:buFont typeface="Bree Serif"/>
             </a:pPr>
             <a:r>
               <a:t/>
             </a:r>
-            <a:endParaRPr/>
+            <a:endParaRPr>
+              <a:latin typeface="Bree Serif"/>
+              <a:ea typeface="Bree Serif"/>
+              <a:cs typeface="Bree Serif"/>
+              <a:sym typeface="Bree Serif"/>
+            </a:endParaRPr>
+          </a:p>
+          <a:p>
+            <a:pPr indent="-457200" lvl="0" marL="457200" rtl="0">
+              <a:spcBef>
+                <a:spcPts val="0"/>
+              </a:spcBef>
+              <a:buClr>
+                <a:srgbClr val="FFFFFF"/>
+              </a:buClr>
+              <a:buSzPct val="100000"/>
+              <a:buFont typeface="Bree Serif"/>
+            </a:pPr>
+            <a:r>
+              <a:rPr lang="en">
+                <a:solidFill>
+                  <a:srgbClr val="FFFFFF"/>
+                </a:solidFill>
+                <a:latin typeface="Bree Serif"/>
+                <a:ea typeface="Bree Serif"/>
+                <a:cs typeface="Bree Serif"/>
+                <a:sym typeface="Bree Serif"/>
+              </a:rPr>
+              <a:t>Why Elm?</a:t>
+            </a:r>
+          </a:p>
+          <a:p>
+            <a:pPr indent="-317500" lvl="0" marL="457200">
+              <a:spcBef>
+                <a:spcPts val="0"/>
+              </a:spcBef>
+              <a:buClr>
+                <a:schemeClr val="dk1"/>
+              </a:buClr>
+              <a:buSzPct val="38888"/>
+              <a:buFont typeface="Bree Serif"/>
+            </a:pPr>
+            <a:r>
+              <a:t/>
+            </a:r>
+            <a:endParaRPr>
+              <a:latin typeface="Bree Serif"/>
+              <a:ea typeface="Bree Serif"/>
+              <a:cs typeface="Bree Serif"/>
+              <a:sym typeface="Bree Serif"/>
+            </a:endParaRPr>
+          </a:p>
+          <a:p>
+            <a:pPr indent="-457200" lvl="0" marL="457200" rtl="0">
+              <a:spcBef>
+                <a:spcPts val="0"/>
+              </a:spcBef>
+              <a:buClr>
+                <a:srgbClr val="FFFFFF"/>
+              </a:buClr>
+              <a:buSzPct val="100000"/>
+              <a:buFont typeface="Bree Serif"/>
+            </a:pPr>
+            <a:r>
+              <a:rPr lang="en">
+                <a:solidFill>
+                  <a:srgbClr val="FFFFFF"/>
+                </a:solidFill>
+                <a:latin typeface="Bree Serif"/>
+                <a:ea typeface="Bree Serif"/>
+                <a:cs typeface="Bree Serif"/>
+                <a:sym typeface="Bree Serif"/>
+              </a:rPr>
+              <a:t>Is it production ready?</a:t>
+            </a:r>
           </a:p>
         </p:txBody>
       </p:sp>
@@ -18419,7 +18395,7 @@
   <p:cSld>
     <p:spTree>
       <p:nvGrpSpPr>
-        <p:cNvPr id="59" name="Shape 59"/>
+        <p:cNvPr id="58" name="Shape 58"/>
         <p:cNvGrpSpPr/>
         <p:nvPr/>
       </p:nvGrpSpPr>
@@ -18433,22 +18409,56 @@
       </p:grpSpPr>
       <p:sp>
         <p:nvSpPr>
+          <p:cNvPr id="59" name="Shape 59"/>
+          <p:cNvSpPr txBox="1"/>
+          <p:nvPr>
+            <p:ph type="ctrTitle"/>
+          </p:nvPr>
+        </p:nvSpPr>
+        <p:spPr>
+          <a:xfrm>
+            <a:off x="685800" y="1583342"/>
+            <a:ext cx="7772400" cy="1159800"/>
+          </a:xfrm>
+          <a:prstGeom prst="rect">
+            <a:avLst/>
+          </a:prstGeom>
+        </p:spPr>
+        <p:txBody>
+          <a:bodyPr anchorCtr="0" anchor="b" bIns="91425" lIns="91425" rIns="91425" tIns="91425">
+            <a:noAutofit/>
+          </a:bodyPr>
+          <a:lstStyle/>
+          <a:p>
+            <a:pPr lvl="0">
+              <a:spcBef>
+                <a:spcPts val="0"/>
+              </a:spcBef>
+              <a:buNone/>
+            </a:pPr>
+            <a:r>
+              <a:rPr lang="en"/>
+              <a:t>An Elm Program</a:t>
+            </a:r>
+          </a:p>
+        </p:txBody>
+      </p:sp>
+      <p:sp>
+        <p:nvSpPr>
           <p:cNvPr id="60" name="Shape 60"/>
           <p:cNvSpPr txBox="1"/>
-          <p:nvPr/>
-        </p:nvSpPr>
-        <p:spPr>
-          <a:xfrm>
-            <a:off x="349300" y="383525"/>
-            <a:ext cx="4075200" cy="4499700"/>
+          <p:nvPr>
+            <p:ph idx="1" type="subTitle"/>
+          </p:nvPr>
+        </p:nvSpPr>
+        <p:spPr>
+          <a:xfrm>
+            <a:off x="685800" y="2840053"/>
+            <a:ext cx="7772400" cy="784799"/>
           </a:xfrm>
           <a:prstGeom prst="rect">
             <a:avLst/>
           </a:prstGeom>
-          <a:noFill/>
-          <a:ln>
-            <a:noFill/>
-          </a:ln>
         </p:spPr>
         <p:txBody>
           <a:bodyPr anchorCtr="0" anchor="t" bIns="91425" lIns="91425" rIns="91425" tIns="91425">
@@ -18456,47 +18466,7 @@
           </a:bodyPr>
           <a:lstStyle/>
           <a:p>
-            <a:pPr lvl="0" rtl="0">
-              <a:spcBef>
-                <a:spcPts val="0"/>
-              </a:spcBef>
-              <a:buNone/>
-            </a:pPr>
-            <a:r>
-              <a:rPr lang="en">
-                <a:solidFill>
-                  <a:srgbClr val="E6B400"/>
-                </a:solidFill>
-              </a:rPr>
-              <a:t>type alias </a:t>
-            </a:r>
-            <a:r>
-              <a:rPr b="1" lang="en">
-                <a:solidFill>
-                  <a:srgbClr val="E64B14"/>
-                </a:solidFill>
-              </a:rPr>
-              <a:t>Model </a:t>
-            </a:r>
-            <a:r>
-              <a:rPr lang="en">
-                <a:solidFill>
-                  <a:srgbClr val="79BFE6"/>
-                </a:solidFill>
-              </a:rPr>
-              <a:t>= </a:t>
-            </a:r>
-            <a:r>
-              <a:rPr b="1" lang="en">
-                <a:solidFill>
-                  <a:srgbClr val="E64B14"/>
-                </a:solidFill>
-              </a:rPr>
-              <a:t>Int</a:t>
-            </a:r>
-          </a:p>
-          <a:p>
-            <a:pPr lvl="0" rtl="0">
+            <a:pPr lvl="0">
               <a:spcBef>
                 <a:spcPts val="0"/>
               </a:spcBef>
@@ -18505,949 +18475,7 @@
             <a:r>
               <a:t/>
             </a:r>
-            <a:endParaRPr b="1">
-              <a:solidFill>
-                <a:srgbClr val="E64B14"/>
-              </a:solidFill>
-            </a:endParaRPr>
-          </a:p>
-          <a:p>
-            <a:pPr lvl="0" rtl="0">
-              <a:spcBef>
-                <a:spcPts val="0"/>
-              </a:spcBef>
-              <a:buNone/>
-            </a:pPr>
-            <a:r>
-              <a:t/>
-            </a:r>
-            <a:endParaRPr b="1">
-              <a:solidFill>
-                <a:srgbClr val="E64B14"/>
-              </a:solidFill>
-            </a:endParaRPr>
-          </a:p>
-          <a:p>
-            <a:pPr lvl="0" rtl="0">
-              <a:spcBef>
-                <a:spcPts val="0"/>
-              </a:spcBef>
-              <a:buNone/>
-            </a:pPr>
-            <a:r>
-              <a:rPr lang="en">
-                <a:solidFill>
-                  <a:srgbClr val="E6B400"/>
-                </a:solidFill>
-              </a:rPr>
-              <a:t>type </a:t>
-            </a:r>
-            <a:r>
-              <a:rPr b="1" lang="en">
-                <a:solidFill>
-                  <a:srgbClr val="E64B14"/>
-                </a:solidFill>
-              </a:rPr>
-              <a:t>Msg</a:t>
-            </a:r>
-          </a:p>
-          <a:p>
-            <a:pPr lvl="0" rtl="0">
-              <a:spcBef>
-                <a:spcPts val="0"/>
-              </a:spcBef>
-              <a:buNone/>
-            </a:pPr>
-            <a:r>
-              <a:rPr b="1" lang="en">
-                <a:solidFill>
-                  <a:srgbClr val="E64B14"/>
-                </a:solidFill>
-              </a:rPr>
-              <a:t>   </a:t>
-            </a:r>
-            <a:r>
-              <a:rPr lang="en">
-                <a:solidFill>
-                  <a:srgbClr val="79BFE6"/>
-                </a:solidFill>
-              </a:rPr>
-              <a:t>= </a:t>
-            </a:r>
-            <a:r>
-              <a:rPr b="1" lang="en">
-                <a:solidFill>
-                  <a:srgbClr val="E64B14"/>
-                </a:solidFill>
-              </a:rPr>
-              <a:t>Add</a:t>
-            </a:r>
-          </a:p>
-          <a:p>
-            <a:pPr lvl="0" rtl="0">
-              <a:spcBef>
-                <a:spcPts val="0"/>
-              </a:spcBef>
-              <a:buNone/>
-            </a:pPr>
-            <a:r>
-              <a:rPr b="1" lang="en">
-                <a:solidFill>
-                  <a:srgbClr val="E64B14"/>
-                </a:solidFill>
-              </a:rPr>
-              <a:t>   </a:t>
-            </a:r>
-            <a:r>
-              <a:rPr lang="en">
-                <a:solidFill>
-                  <a:srgbClr val="73BDE6"/>
-                </a:solidFill>
-              </a:rPr>
-              <a:t>| </a:t>
-            </a:r>
-            <a:r>
-              <a:rPr b="1" lang="en">
-                <a:solidFill>
-                  <a:srgbClr val="E64B14"/>
-                </a:solidFill>
-              </a:rPr>
-              <a:t>Sub</a:t>
-            </a:r>
-          </a:p>
-          <a:p>
-            <a:pPr lvl="0" rtl="0">
-              <a:spcBef>
-                <a:spcPts val="0"/>
-              </a:spcBef>
-              <a:buNone/>
-            </a:pPr>
-            <a:r>
-              <a:t/>
-            </a:r>
-            <a:endParaRPr b="1">
-              <a:solidFill>
-                <a:srgbClr val="E64B14"/>
-              </a:solidFill>
-            </a:endParaRPr>
-          </a:p>
-          <a:p>
-            <a:pPr lvl="0" rtl="0">
-              <a:spcBef>
-                <a:spcPts val="0"/>
-              </a:spcBef>
-              <a:buNone/>
-            </a:pPr>
-            <a:r>
-              <a:t/>
-            </a:r>
-            <a:endParaRPr b="1">
-              <a:solidFill>
-                <a:srgbClr val="E64B14"/>
-              </a:solidFill>
-            </a:endParaRPr>
-          </a:p>
-          <a:p>
-            <a:pPr lvl="0" rtl="0">
-              <a:spcBef>
-                <a:spcPts val="0"/>
-              </a:spcBef>
-              <a:buNone/>
-            </a:pPr>
-            <a:r>
-              <a:rPr b="1" lang="en">
-                <a:solidFill>
-                  <a:srgbClr val="11A0E6"/>
-                </a:solidFill>
-              </a:rPr>
-              <a:t>init </a:t>
-            </a:r>
-            <a:r>
-              <a:rPr lang="en">
-                <a:solidFill>
-                  <a:srgbClr val="CAE4E6"/>
-                </a:solidFill>
-              </a:rPr>
-              <a:t>: </a:t>
-            </a:r>
-            <a:r>
-              <a:rPr b="1" lang="en">
-                <a:solidFill>
-                  <a:srgbClr val="E6DE0E"/>
-                </a:solidFill>
-              </a:rPr>
-              <a:t>Model</a:t>
-            </a:r>
-          </a:p>
-          <a:p>
-            <a:pPr lvl="0" rtl="0">
-              <a:spcBef>
-                <a:spcPts val="0"/>
-              </a:spcBef>
-              <a:buNone/>
-            </a:pPr>
-            <a:r>
-              <a:rPr b="1" lang="en">
-                <a:solidFill>
-                  <a:srgbClr val="149CE6"/>
-                </a:solidFill>
-              </a:rPr>
-              <a:t>init </a:t>
-            </a:r>
-            <a:r>
-              <a:rPr lang="en">
-                <a:solidFill>
-                  <a:srgbClr val="79BFE6"/>
-                </a:solidFill>
-              </a:rPr>
-              <a:t>= </a:t>
-            </a:r>
-            <a:r>
-              <a:rPr lang="en">
-                <a:solidFill>
-                  <a:srgbClr val="3DE6D9"/>
-                </a:solidFill>
-              </a:rPr>
-              <a:t>0</a:t>
-            </a:r>
-          </a:p>
-          <a:p>
-            <a:pPr lvl="0" rtl="0">
-              <a:spcBef>
-                <a:spcPts val="0"/>
-              </a:spcBef>
-              <a:buNone/>
-            </a:pPr>
-            <a:r>
-              <a:t/>
-            </a:r>
-            <a:endParaRPr>
-              <a:solidFill>
-                <a:srgbClr val="3DE6D9"/>
-              </a:solidFill>
-            </a:endParaRPr>
-          </a:p>
-          <a:p>
-            <a:pPr lvl="0" rtl="0">
-              <a:spcBef>
-                <a:spcPts val="0"/>
-              </a:spcBef>
-              <a:buNone/>
-            </a:pPr>
-            <a:r>
-              <a:t/>
-            </a:r>
-            <a:endParaRPr>
-              <a:solidFill>
-                <a:srgbClr val="3DE6D9"/>
-              </a:solidFill>
-            </a:endParaRPr>
-          </a:p>
-          <a:p>
-            <a:pPr lvl="0" rtl="0">
-              <a:spcBef>
-                <a:spcPts val="0"/>
-              </a:spcBef>
-              <a:buNone/>
-            </a:pPr>
-            <a:r>
-              <a:rPr b="1" lang="en">
-                <a:solidFill>
-                  <a:srgbClr val="11A0E6"/>
-                </a:solidFill>
-              </a:rPr>
-              <a:t>update </a:t>
-            </a:r>
-            <a:r>
-              <a:rPr lang="en">
-                <a:solidFill>
-                  <a:srgbClr val="CAE4E6"/>
-                </a:solidFill>
-              </a:rPr>
-              <a:t>: </a:t>
-            </a:r>
-            <a:r>
-              <a:rPr b="1" lang="en">
-                <a:solidFill>
-                  <a:srgbClr val="E6DE0E"/>
-                </a:solidFill>
-              </a:rPr>
-              <a:t>Msg </a:t>
-            </a:r>
-            <a:r>
-              <a:rPr lang="en">
-                <a:solidFill>
-                  <a:srgbClr val="E68AA2"/>
-                </a:solidFill>
-              </a:rPr>
-              <a:t>-&gt; </a:t>
-            </a:r>
-            <a:r>
-              <a:rPr b="1" lang="en">
-                <a:solidFill>
-                  <a:srgbClr val="E6DE0E"/>
-                </a:solidFill>
-              </a:rPr>
-              <a:t>Model </a:t>
-            </a:r>
-            <a:r>
-              <a:rPr lang="en">
-                <a:solidFill>
-                  <a:srgbClr val="E68AA2"/>
-                </a:solidFill>
-              </a:rPr>
-              <a:t>-&gt; </a:t>
-            </a:r>
-            <a:r>
-              <a:rPr b="1" lang="en">
-                <a:solidFill>
-                  <a:srgbClr val="E6DE0E"/>
-                </a:solidFill>
-              </a:rPr>
-              <a:t>Model</a:t>
-            </a:r>
-          </a:p>
-          <a:p>
-            <a:pPr lvl="0" rtl="0">
-              <a:spcBef>
-                <a:spcPts val="0"/>
-              </a:spcBef>
-              <a:buNone/>
-            </a:pPr>
-            <a:r>
-              <a:rPr b="1" lang="en">
-                <a:solidFill>
-                  <a:srgbClr val="149CE6"/>
-                </a:solidFill>
-              </a:rPr>
-              <a:t>update </a:t>
-            </a:r>
-            <a:r>
-              <a:rPr lang="en">
-                <a:solidFill>
-                  <a:srgbClr val="CAE4E6"/>
-                </a:solidFill>
-              </a:rPr>
-              <a:t>msg model </a:t>
-            </a:r>
-            <a:r>
-              <a:rPr lang="en">
-                <a:solidFill>
-                  <a:srgbClr val="79BFE6"/>
-                </a:solidFill>
-              </a:rPr>
-              <a:t>=</a:t>
-            </a:r>
-          </a:p>
-          <a:p>
-            <a:pPr lvl="0" rtl="0">
-              <a:spcBef>
-                <a:spcPts val="0"/>
-              </a:spcBef>
-              <a:buNone/>
-            </a:pPr>
-            <a:r>
-              <a:rPr lang="en">
-                <a:solidFill>
-                  <a:srgbClr val="79BFE6"/>
-                </a:solidFill>
-              </a:rPr>
-              <a:t>   </a:t>
-            </a:r>
-            <a:r>
-              <a:rPr lang="en">
-                <a:solidFill>
-                  <a:srgbClr val="E6B400"/>
-                </a:solidFill>
-              </a:rPr>
-              <a:t>case </a:t>
-            </a:r>
-            <a:r>
-              <a:rPr lang="en">
-                <a:solidFill>
-                  <a:srgbClr val="CAE4E6"/>
-                </a:solidFill>
-              </a:rPr>
-              <a:t>msg </a:t>
-            </a:r>
-            <a:r>
-              <a:rPr lang="en">
-                <a:solidFill>
-                  <a:srgbClr val="E6B400"/>
-                </a:solidFill>
-              </a:rPr>
-              <a:t>of</a:t>
-            </a:r>
-          </a:p>
-          <a:p>
-            <a:pPr lvl="0" rtl="0">
-              <a:spcBef>
-                <a:spcPts val="0"/>
-              </a:spcBef>
-              <a:buNone/>
-            </a:pPr>
-            <a:r>
-              <a:rPr lang="en">
-                <a:solidFill>
-                  <a:srgbClr val="E6B400"/>
-                </a:solidFill>
-              </a:rPr>
-              <a:t>       </a:t>
-            </a:r>
-            <a:r>
-              <a:rPr b="1" lang="en">
-                <a:solidFill>
-                  <a:srgbClr val="E64B14"/>
-                </a:solidFill>
-              </a:rPr>
-              <a:t>Add </a:t>
-            </a:r>
-            <a:r>
-              <a:rPr lang="en">
-                <a:solidFill>
-                  <a:srgbClr val="E68AA2"/>
-                </a:solidFill>
-              </a:rPr>
-              <a:t>-&gt;</a:t>
-            </a:r>
-          </a:p>
-          <a:p>
-            <a:pPr lvl="0" rtl="0">
-              <a:spcBef>
-                <a:spcPts val="0"/>
-              </a:spcBef>
-              <a:buNone/>
-            </a:pPr>
-            <a:r>
-              <a:rPr lang="en">
-                <a:solidFill>
-                  <a:srgbClr val="E68AA2"/>
-                </a:solidFill>
-              </a:rPr>
-              <a:t>           </a:t>
-            </a:r>
-            <a:r>
-              <a:rPr lang="en">
-                <a:solidFill>
-                  <a:srgbClr val="CAE4E6"/>
-                </a:solidFill>
-              </a:rPr>
-              <a:t>model </a:t>
-            </a:r>
-            <a:r>
-              <a:rPr lang="en">
-                <a:solidFill>
-                  <a:srgbClr val="E68AA4"/>
-                </a:solidFill>
-              </a:rPr>
-              <a:t>+ </a:t>
-            </a:r>
-            <a:r>
-              <a:rPr lang="en">
-                <a:solidFill>
-                  <a:srgbClr val="3DE6D9"/>
-                </a:solidFill>
-              </a:rPr>
-              <a:t>1</a:t>
-            </a:r>
-          </a:p>
-          <a:p>
-            <a:pPr lvl="0" rtl="0">
-              <a:spcBef>
-                <a:spcPts val="0"/>
-              </a:spcBef>
-              <a:buNone/>
-            </a:pPr>
-            <a:r>
-              <a:t/>
-            </a:r>
-            <a:endParaRPr>
-              <a:solidFill>
-                <a:srgbClr val="3DE6D9"/>
-              </a:solidFill>
-            </a:endParaRPr>
-          </a:p>
-          <a:p>
-            <a:pPr lvl="0" rtl="0">
-              <a:spcBef>
-                <a:spcPts val="0"/>
-              </a:spcBef>
-              <a:buNone/>
-            </a:pPr>
-            <a:r>
-              <a:rPr lang="en">
-                <a:solidFill>
-                  <a:srgbClr val="3DE6D9"/>
-                </a:solidFill>
-              </a:rPr>
-              <a:t>       </a:t>
-            </a:r>
-            <a:r>
-              <a:rPr b="1" lang="en">
-                <a:solidFill>
-                  <a:srgbClr val="E64B14"/>
-                </a:solidFill>
-              </a:rPr>
-              <a:t>Sub </a:t>
-            </a:r>
-            <a:r>
-              <a:rPr lang="en">
-                <a:solidFill>
-                  <a:srgbClr val="E68AA2"/>
-                </a:solidFill>
-              </a:rPr>
-              <a:t>-&gt;</a:t>
-            </a:r>
-          </a:p>
-          <a:p>
-            <a:pPr lvl="0" rtl="0">
-              <a:spcBef>
-                <a:spcPts val="0"/>
-              </a:spcBef>
-              <a:buNone/>
-            </a:pPr>
-            <a:r>
-              <a:rPr lang="en">
-                <a:solidFill>
-                  <a:srgbClr val="E68AA2"/>
-                </a:solidFill>
-              </a:rPr>
-              <a:t>           </a:t>
-            </a:r>
-            <a:r>
-              <a:rPr lang="en">
-                <a:solidFill>
-                  <a:srgbClr val="CAE4E6"/>
-                </a:solidFill>
-              </a:rPr>
-              <a:t>model - </a:t>
-            </a:r>
-            <a:r>
-              <a:rPr lang="en">
-                <a:solidFill>
-                  <a:srgbClr val="3DE6D9"/>
-                </a:solidFill>
-              </a:rPr>
-              <a:t>1</a:t>
-            </a:r>
-          </a:p>
-        </p:txBody>
-      </p:sp>
-      <p:sp>
-        <p:nvSpPr>
-          <p:cNvPr id="61" name="Shape 61"/>
-          <p:cNvSpPr txBox="1"/>
-          <p:nvPr/>
-        </p:nvSpPr>
-        <p:spPr>
-          <a:xfrm>
-            <a:off x="4789100" y="383525"/>
-            <a:ext cx="4075200" cy="4499700"/>
-          </a:xfrm>
-          <a:prstGeom prst="rect">
-            <a:avLst/>
-          </a:prstGeom>
-          <a:noFill/>
-          <a:ln>
-            <a:noFill/>
-          </a:ln>
-        </p:spPr>
-        <p:txBody>
-          <a:bodyPr anchorCtr="0" anchor="t" bIns="91425" lIns="91425" rIns="91425" tIns="91425">
-            <a:noAutofit/>
-          </a:bodyPr>
-          <a:lstStyle/>
-          <a:p>
-            <a:pPr lvl="0" rtl="0">
-              <a:spcBef>
-                <a:spcPts val="0"/>
-              </a:spcBef>
-              <a:buNone/>
-            </a:pPr>
-            <a:r>
-              <a:rPr b="1" lang="en">
-                <a:solidFill>
-                  <a:srgbClr val="11A0E6"/>
-                </a:solidFill>
-              </a:rPr>
-              <a:t>view </a:t>
-            </a:r>
-            <a:r>
-              <a:rPr lang="en">
-                <a:solidFill>
-                  <a:srgbClr val="CAE4E6"/>
-                </a:solidFill>
-              </a:rPr>
-              <a:t>: </a:t>
-            </a:r>
-            <a:r>
-              <a:rPr b="1" lang="en">
-                <a:solidFill>
-                  <a:srgbClr val="E6DE0E"/>
-                </a:solidFill>
-              </a:rPr>
-              <a:t>Model </a:t>
-            </a:r>
-            <a:r>
-              <a:rPr lang="en">
-                <a:solidFill>
-                  <a:srgbClr val="E68AA2"/>
-                </a:solidFill>
-              </a:rPr>
-              <a:t>-&gt; </a:t>
-            </a:r>
-            <a:r>
-              <a:rPr b="1" lang="en">
-                <a:solidFill>
-                  <a:srgbClr val="E6DE0E"/>
-                </a:solidFill>
-              </a:rPr>
-              <a:t>Html Msg</a:t>
-            </a:r>
-          </a:p>
-          <a:p>
-            <a:pPr lvl="0" rtl="0">
-              <a:spcBef>
-                <a:spcPts val="0"/>
-              </a:spcBef>
-              <a:buNone/>
-            </a:pPr>
-            <a:r>
-              <a:rPr b="1" lang="en">
-                <a:solidFill>
-                  <a:srgbClr val="149CE6"/>
-                </a:solidFill>
-              </a:rPr>
-              <a:t>view </a:t>
-            </a:r>
-            <a:r>
-              <a:rPr lang="en">
-                <a:solidFill>
-                  <a:srgbClr val="CAE4E6"/>
-                </a:solidFill>
-              </a:rPr>
-              <a:t>model </a:t>
-            </a:r>
-            <a:r>
-              <a:rPr lang="en">
-                <a:solidFill>
-                  <a:srgbClr val="79BFE6"/>
-                </a:solidFill>
-              </a:rPr>
-              <a:t>=</a:t>
-            </a:r>
-          </a:p>
-          <a:p>
-            <a:pPr lvl="0" rtl="0">
-              <a:spcBef>
-                <a:spcPts val="0"/>
-              </a:spcBef>
-              <a:buNone/>
-            </a:pPr>
-            <a:r>
-              <a:rPr lang="en">
-                <a:solidFill>
-                  <a:srgbClr val="79BFE6"/>
-                </a:solidFill>
-              </a:rPr>
-              <a:t>   </a:t>
-            </a:r>
-            <a:r>
-              <a:rPr lang="en">
-                <a:solidFill>
-                  <a:srgbClr val="CAE4E6"/>
-                </a:solidFill>
-              </a:rPr>
-              <a:t>div </a:t>
-            </a:r>
-            <a:r>
-              <a:rPr lang="en">
-                <a:solidFill>
-                  <a:srgbClr val="80C1E6"/>
-                </a:solidFill>
-              </a:rPr>
-              <a:t>[]</a:t>
-            </a:r>
-          </a:p>
-          <a:p>
-            <a:pPr lvl="0" rtl="0">
-              <a:spcBef>
-                <a:spcPts val="0"/>
-              </a:spcBef>
-              <a:buNone/>
-            </a:pPr>
-            <a:r>
-              <a:rPr lang="en">
-                <a:solidFill>
-                  <a:srgbClr val="80C1E6"/>
-                </a:solidFill>
-              </a:rPr>
-              <a:t>       [ </a:t>
-            </a:r>
-            <a:r>
-              <a:rPr lang="en">
-                <a:solidFill>
-                  <a:srgbClr val="CAE4E6"/>
-                </a:solidFill>
-              </a:rPr>
-              <a:t>span </a:t>
-            </a:r>
-            <a:r>
-              <a:rPr lang="en">
-                <a:solidFill>
-                  <a:srgbClr val="80C1E6"/>
-                </a:solidFill>
-              </a:rPr>
-              <a:t>[] [</a:t>
-            </a:r>
-            <a:r>
-              <a:rPr lang="en">
-                <a:solidFill>
-                  <a:srgbClr val="CAE4E6"/>
-                </a:solidFill>
-              </a:rPr>
-              <a:t>text </a:t>
-            </a:r>
-            <a:r>
-              <a:rPr lang="en">
-                <a:solidFill>
-                  <a:srgbClr val="87C2E6"/>
-                </a:solidFill>
-              </a:rPr>
-              <a:t>(</a:t>
-            </a:r>
-            <a:r>
-              <a:rPr lang="en">
-                <a:solidFill>
-                  <a:srgbClr val="CAE4E6"/>
-                </a:solidFill>
-              </a:rPr>
-              <a:t>toString model</a:t>
-            </a:r>
-            <a:r>
-              <a:rPr lang="en">
-                <a:solidFill>
-                  <a:srgbClr val="87C2E6"/>
-                </a:solidFill>
-              </a:rPr>
-              <a:t>)</a:t>
-            </a:r>
-            <a:r>
-              <a:rPr lang="en">
-                <a:solidFill>
-                  <a:srgbClr val="80C1E6"/>
-                </a:solidFill>
-              </a:rPr>
-              <a:t>]</a:t>
-            </a:r>
-          </a:p>
-          <a:p>
-            <a:pPr lvl="0" rtl="0">
-              <a:spcBef>
-                <a:spcPts val="0"/>
-              </a:spcBef>
-              <a:buNone/>
-            </a:pPr>
-            <a:r>
-              <a:rPr lang="en">
-                <a:solidFill>
-                  <a:srgbClr val="80C1E6"/>
-                </a:solidFill>
-              </a:rPr>
-              <a:t>       </a:t>
-            </a:r>
-            <a:r>
-              <a:rPr lang="en">
-                <a:solidFill>
-                  <a:srgbClr val="7FC2E6"/>
-                </a:solidFill>
-              </a:rPr>
-              <a:t>, </a:t>
-            </a:r>
-            <a:r>
-              <a:rPr lang="en">
-                <a:solidFill>
-                  <a:srgbClr val="CAE4E6"/>
-                </a:solidFill>
-              </a:rPr>
-              <a:t>button </a:t>
-            </a:r>
-            <a:r>
-              <a:rPr lang="en">
-                <a:solidFill>
-                  <a:srgbClr val="80C1E6"/>
-                </a:solidFill>
-              </a:rPr>
-              <a:t>[ </a:t>
-            </a:r>
-            <a:r>
-              <a:rPr lang="en">
-                <a:solidFill>
-                  <a:srgbClr val="CAE4E6"/>
-                </a:solidFill>
-              </a:rPr>
-              <a:t>onClick </a:t>
-            </a:r>
-            <a:r>
-              <a:rPr b="1" lang="en">
-                <a:solidFill>
-                  <a:srgbClr val="E64B14"/>
-                </a:solidFill>
-              </a:rPr>
-              <a:t>Add </a:t>
-            </a:r>
-            <a:r>
-              <a:rPr lang="en">
-                <a:solidFill>
-                  <a:srgbClr val="80C1E6"/>
-                </a:solidFill>
-              </a:rPr>
-              <a:t>] [ </a:t>
-            </a:r>
-            <a:r>
-              <a:rPr lang="en">
-                <a:solidFill>
-                  <a:srgbClr val="CAE4E6"/>
-                </a:solidFill>
-              </a:rPr>
-              <a:t>text </a:t>
-            </a:r>
-            <a:r>
-              <a:rPr lang="en">
-                <a:solidFill>
-                  <a:srgbClr val="39E6DD"/>
-                </a:solidFill>
-              </a:rPr>
-              <a:t>"+" </a:t>
-            </a:r>
-            <a:r>
-              <a:rPr lang="en">
-                <a:solidFill>
-                  <a:srgbClr val="80C1E6"/>
-                </a:solidFill>
-              </a:rPr>
-              <a:t>]</a:t>
-            </a:r>
-          </a:p>
-          <a:p>
-            <a:pPr lvl="0" rtl="0">
-              <a:spcBef>
-                <a:spcPts val="0"/>
-              </a:spcBef>
-              <a:buNone/>
-            </a:pPr>
-            <a:r>
-              <a:rPr lang="en">
-                <a:solidFill>
-                  <a:srgbClr val="80C1E6"/>
-                </a:solidFill>
-              </a:rPr>
-              <a:t>       </a:t>
-            </a:r>
-            <a:r>
-              <a:rPr lang="en">
-                <a:solidFill>
-                  <a:srgbClr val="7FC2E6"/>
-                </a:solidFill>
-              </a:rPr>
-              <a:t>, </a:t>
-            </a:r>
-            <a:r>
-              <a:rPr lang="en">
-                <a:solidFill>
-                  <a:srgbClr val="CAE4E6"/>
-                </a:solidFill>
-              </a:rPr>
-              <a:t>button </a:t>
-            </a:r>
-            <a:r>
-              <a:rPr lang="en">
-                <a:solidFill>
-                  <a:srgbClr val="80C1E6"/>
-                </a:solidFill>
-              </a:rPr>
-              <a:t>[ </a:t>
-            </a:r>
-            <a:r>
-              <a:rPr lang="en">
-                <a:solidFill>
-                  <a:srgbClr val="CAE4E6"/>
-                </a:solidFill>
-              </a:rPr>
-              <a:t>onClick </a:t>
-            </a:r>
-            <a:r>
-              <a:rPr b="1" lang="en">
-                <a:solidFill>
-                  <a:srgbClr val="E64B14"/>
-                </a:solidFill>
-              </a:rPr>
-              <a:t>Sub </a:t>
-            </a:r>
-            <a:r>
-              <a:rPr lang="en">
-                <a:solidFill>
-                  <a:srgbClr val="80C1E6"/>
-                </a:solidFill>
-              </a:rPr>
-              <a:t>] [ </a:t>
-            </a:r>
-            <a:r>
-              <a:rPr lang="en">
-                <a:solidFill>
-                  <a:srgbClr val="CAE4E6"/>
-                </a:solidFill>
-              </a:rPr>
-              <a:t>text </a:t>
-            </a:r>
-            <a:r>
-              <a:rPr lang="en">
-                <a:solidFill>
-                  <a:srgbClr val="39E6DD"/>
-                </a:solidFill>
-              </a:rPr>
-              <a:t>"-" </a:t>
-            </a:r>
-            <a:r>
-              <a:rPr lang="en">
-                <a:solidFill>
-                  <a:srgbClr val="80C1E6"/>
-                </a:solidFill>
-              </a:rPr>
-              <a:t>]</a:t>
-            </a:r>
-          </a:p>
-          <a:p>
-            <a:pPr lvl="0" rtl="0">
-              <a:spcBef>
-                <a:spcPts val="0"/>
-              </a:spcBef>
-              <a:buNone/>
-            </a:pPr>
-            <a:r>
-              <a:rPr lang="en">
-                <a:solidFill>
-                  <a:srgbClr val="80C1E6"/>
-                </a:solidFill>
-              </a:rPr>
-              <a:t>       ]</a:t>
-            </a:r>
-          </a:p>
-          <a:p>
-            <a:pPr lvl="0" rtl="0">
-              <a:spcBef>
-                <a:spcPts val="0"/>
-              </a:spcBef>
-              <a:buNone/>
-            </a:pPr>
-            <a:r>
-              <a:t/>
-            </a:r>
-            <a:endParaRPr b="1">
-              <a:solidFill>
-                <a:srgbClr val="116AA3"/>
-              </a:solidFill>
-            </a:endParaRPr>
+            <a:endParaRPr/>
           </a:p>
         </p:txBody>
       </p:sp>
@@ -24714,7 +23742,7 @@
   <p:cSld>
     <p:spTree>
       <p:nvGrpSpPr>
-        <p:cNvPr id="65" name="Shape 65"/>
+        <p:cNvPr id="64" name="Shape 64"/>
         <p:cNvGrpSpPr/>
         <p:nvPr/>
       </p:nvGrpSpPr>
@@ -24728,23 +23756,627 @@
       </p:grpSpPr>
       <p:sp>
         <p:nvSpPr>
+          <p:cNvPr id="65" name="Shape 65"/>
+          <p:cNvSpPr txBox="1"/>
+          <p:nvPr/>
+        </p:nvSpPr>
+        <p:spPr>
+          <a:xfrm>
+            <a:off x="349300" y="383525"/>
+            <a:ext cx="4075200" cy="4499700"/>
+          </a:xfrm>
+          <a:prstGeom prst="rect">
+            <a:avLst/>
+          </a:prstGeom>
+          <a:noFill/>
+          <a:ln>
+            <a:noFill/>
+          </a:ln>
+        </p:spPr>
+        <p:txBody>
+          <a:bodyPr anchorCtr="0" anchor="t" bIns="91425" lIns="91425" rIns="91425" tIns="91425">
+            <a:noAutofit/>
+          </a:bodyPr>
+          <a:lstStyle/>
+          <a:p>
+            <a:pPr lvl="0" rtl="0">
+              <a:spcBef>
+                <a:spcPts val="0"/>
+              </a:spcBef>
+              <a:buNone/>
+            </a:pPr>
+            <a:r>
+              <a:rPr lang="en">
+                <a:solidFill>
+                  <a:srgbClr val="E6B400"/>
+                </a:solidFill>
+              </a:rPr>
+              <a:t>type alias </a:t>
+            </a:r>
+            <a:r>
+              <a:rPr b="1" lang="en">
+                <a:solidFill>
+                  <a:srgbClr val="E64B14"/>
+                </a:solidFill>
+              </a:rPr>
+              <a:t>Model </a:t>
+            </a:r>
+            <a:r>
+              <a:rPr lang="en">
+                <a:solidFill>
+                  <a:srgbClr val="79BFE6"/>
+                </a:solidFill>
+              </a:rPr>
+              <a:t>= </a:t>
+            </a:r>
+            <a:r>
+              <a:rPr b="1" lang="en">
+                <a:solidFill>
+                  <a:srgbClr val="E64B14"/>
+                </a:solidFill>
+              </a:rPr>
+              <a:t>Int</a:t>
+            </a:r>
+          </a:p>
+          <a:p>
+            <a:pPr lvl="0" rtl="0">
+              <a:spcBef>
+                <a:spcPts val="0"/>
+              </a:spcBef>
+              <a:buNone/>
+            </a:pPr>
+            <a:r>
+              <a:t/>
+            </a:r>
+            <a:endParaRPr b="1">
+              <a:solidFill>
+                <a:srgbClr val="E64B14"/>
+              </a:solidFill>
+            </a:endParaRPr>
+          </a:p>
+          <a:p>
+            <a:pPr lvl="0" rtl="0">
+              <a:spcBef>
+                <a:spcPts val="0"/>
+              </a:spcBef>
+              <a:buNone/>
+            </a:pPr>
+            <a:r>
+              <a:t/>
+            </a:r>
+            <a:endParaRPr b="1">
+              <a:solidFill>
+                <a:srgbClr val="E64B14"/>
+              </a:solidFill>
+            </a:endParaRPr>
+          </a:p>
+          <a:p>
+            <a:pPr lvl="0" rtl="0">
+              <a:spcBef>
+                <a:spcPts val="0"/>
+              </a:spcBef>
+              <a:buNone/>
+            </a:pPr>
+            <a:r>
+              <a:rPr lang="en">
+                <a:solidFill>
+                  <a:srgbClr val="E6B400"/>
+                </a:solidFill>
+              </a:rPr>
+              <a:t>type </a:t>
+            </a:r>
+            <a:r>
+              <a:rPr b="1" lang="en">
+                <a:solidFill>
+                  <a:srgbClr val="E64B14"/>
+                </a:solidFill>
+              </a:rPr>
+              <a:t>Msg</a:t>
+            </a:r>
+          </a:p>
+          <a:p>
+            <a:pPr lvl="0" rtl="0">
+              <a:spcBef>
+                <a:spcPts val="0"/>
+              </a:spcBef>
+              <a:buNone/>
+            </a:pPr>
+            <a:r>
+              <a:rPr b="1" lang="en">
+                <a:solidFill>
+                  <a:srgbClr val="E64B14"/>
+                </a:solidFill>
+              </a:rPr>
+              <a:t>   </a:t>
+            </a:r>
+            <a:r>
+              <a:rPr lang="en">
+                <a:solidFill>
+                  <a:srgbClr val="79BFE6"/>
+                </a:solidFill>
+              </a:rPr>
+              <a:t>= </a:t>
+            </a:r>
+            <a:r>
+              <a:rPr b="1" lang="en">
+                <a:solidFill>
+                  <a:srgbClr val="E64B14"/>
+                </a:solidFill>
+              </a:rPr>
+              <a:t>Add</a:t>
+            </a:r>
+          </a:p>
+          <a:p>
+            <a:pPr lvl="0" rtl="0">
+              <a:spcBef>
+                <a:spcPts val="0"/>
+              </a:spcBef>
+              <a:buNone/>
+            </a:pPr>
+            <a:r>
+              <a:rPr b="1" lang="en">
+                <a:solidFill>
+                  <a:srgbClr val="E64B14"/>
+                </a:solidFill>
+              </a:rPr>
+              <a:t>   </a:t>
+            </a:r>
+            <a:r>
+              <a:rPr lang="en">
+                <a:solidFill>
+                  <a:srgbClr val="73BDE6"/>
+                </a:solidFill>
+              </a:rPr>
+              <a:t>| </a:t>
+            </a:r>
+            <a:r>
+              <a:rPr b="1" lang="en">
+                <a:solidFill>
+                  <a:srgbClr val="E64B14"/>
+                </a:solidFill>
+              </a:rPr>
+              <a:t>Sub</a:t>
+            </a:r>
+          </a:p>
+          <a:p>
+            <a:pPr lvl="0" rtl="0">
+              <a:spcBef>
+                <a:spcPts val="0"/>
+              </a:spcBef>
+              <a:buNone/>
+            </a:pPr>
+            <a:r>
+              <a:t/>
+            </a:r>
+            <a:endParaRPr b="1">
+              <a:solidFill>
+                <a:srgbClr val="E64B14"/>
+              </a:solidFill>
+            </a:endParaRPr>
+          </a:p>
+          <a:p>
+            <a:pPr lvl="0" rtl="0">
+              <a:spcBef>
+                <a:spcPts val="0"/>
+              </a:spcBef>
+              <a:buNone/>
+            </a:pPr>
+            <a:r>
+              <a:t/>
+            </a:r>
+            <a:endParaRPr b="1">
+              <a:solidFill>
+                <a:srgbClr val="E64B14"/>
+              </a:solidFill>
+            </a:endParaRPr>
+          </a:p>
+          <a:p>
+            <a:pPr lvl="0" rtl="0">
+              <a:spcBef>
+                <a:spcPts val="0"/>
+              </a:spcBef>
+              <a:buNone/>
+            </a:pPr>
+            <a:r>
+              <a:rPr b="1" lang="en">
+                <a:solidFill>
+                  <a:srgbClr val="11A0E6"/>
+                </a:solidFill>
+              </a:rPr>
+              <a:t>init </a:t>
+            </a:r>
+            <a:r>
+              <a:rPr lang="en">
+                <a:solidFill>
+                  <a:srgbClr val="CAE4E6"/>
+                </a:solidFill>
+              </a:rPr>
+              <a:t>: </a:t>
+            </a:r>
+            <a:r>
+              <a:rPr b="1" lang="en">
+                <a:solidFill>
+                  <a:srgbClr val="E6DE0E"/>
+                </a:solidFill>
+              </a:rPr>
+              <a:t>Model</a:t>
+            </a:r>
+          </a:p>
+          <a:p>
+            <a:pPr lvl="0" rtl="0">
+              <a:spcBef>
+                <a:spcPts val="0"/>
+              </a:spcBef>
+              <a:buNone/>
+            </a:pPr>
+            <a:r>
+              <a:rPr b="1" lang="en">
+                <a:solidFill>
+                  <a:srgbClr val="149CE6"/>
+                </a:solidFill>
+              </a:rPr>
+              <a:t>init </a:t>
+            </a:r>
+            <a:r>
+              <a:rPr lang="en">
+                <a:solidFill>
+                  <a:srgbClr val="79BFE6"/>
+                </a:solidFill>
+              </a:rPr>
+              <a:t>= </a:t>
+            </a:r>
+            <a:r>
+              <a:rPr lang="en">
+                <a:solidFill>
+                  <a:srgbClr val="3DE6D9"/>
+                </a:solidFill>
+              </a:rPr>
+              <a:t>0</a:t>
+            </a:r>
+          </a:p>
+          <a:p>
+            <a:pPr lvl="0" rtl="0">
+              <a:spcBef>
+                <a:spcPts val="0"/>
+              </a:spcBef>
+              <a:buNone/>
+            </a:pPr>
+            <a:r>
+              <a:t/>
+            </a:r>
+            <a:endParaRPr>
+              <a:solidFill>
+                <a:srgbClr val="3DE6D9"/>
+              </a:solidFill>
+            </a:endParaRPr>
+          </a:p>
+          <a:p>
+            <a:pPr lvl="0" rtl="0">
+              <a:spcBef>
+                <a:spcPts val="0"/>
+              </a:spcBef>
+              <a:buNone/>
+            </a:pPr>
+            <a:r>
+              <a:t/>
+            </a:r>
+            <a:endParaRPr>
+              <a:solidFill>
+                <a:srgbClr val="3DE6D9"/>
+              </a:solidFill>
+            </a:endParaRPr>
+          </a:p>
+          <a:p>
+            <a:pPr lvl="0" rtl="0">
+              <a:spcBef>
+                <a:spcPts val="0"/>
+              </a:spcBef>
+              <a:buNone/>
+            </a:pPr>
+            <a:r>
+              <a:rPr b="1" lang="en">
+                <a:solidFill>
+                  <a:srgbClr val="11A0E6"/>
+                </a:solidFill>
+              </a:rPr>
+              <a:t>update </a:t>
+            </a:r>
+            <a:r>
+              <a:rPr lang="en">
+                <a:solidFill>
+                  <a:srgbClr val="CAE4E6"/>
+                </a:solidFill>
+              </a:rPr>
+              <a:t>: </a:t>
+            </a:r>
+            <a:r>
+              <a:rPr b="1" lang="en">
+                <a:solidFill>
+                  <a:srgbClr val="E6DE0E"/>
+                </a:solidFill>
+              </a:rPr>
+              <a:t>Msg </a:t>
+            </a:r>
+            <a:r>
+              <a:rPr lang="en">
+                <a:solidFill>
+                  <a:srgbClr val="E68AA2"/>
+                </a:solidFill>
+              </a:rPr>
+              <a:t>-&gt; </a:t>
+            </a:r>
+            <a:r>
+              <a:rPr b="1" lang="en">
+                <a:solidFill>
+                  <a:srgbClr val="E6DE0E"/>
+                </a:solidFill>
+              </a:rPr>
+              <a:t>Model </a:t>
+            </a:r>
+            <a:r>
+              <a:rPr lang="en">
+                <a:solidFill>
+                  <a:srgbClr val="E68AA2"/>
+                </a:solidFill>
+              </a:rPr>
+              <a:t>-&gt; </a:t>
+            </a:r>
+            <a:r>
+              <a:rPr b="1" lang="en">
+                <a:solidFill>
+                  <a:srgbClr val="E6DE0E"/>
+                </a:solidFill>
+              </a:rPr>
+              <a:t>Model</a:t>
+            </a:r>
+          </a:p>
+          <a:p>
+            <a:pPr lvl="0" rtl="0">
+              <a:spcBef>
+                <a:spcPts val="0"/>
+              </a:spcBef>
+              <a:buNone/>
+            </a:pPr>
+            <a:r>
+              <a:rPr b="1" lang="en">
+                <a:solidFill>
+                  <a:srgbClr val="149CE6"/>
+                </a:solidFill>
+              </a:rPr>
+              <a:t>update </a:t>
+            </a:r>
+            <a:r>
+              <a:rPr lang="en">
+                <a:solidFill>
+                  <a:srgbClr val="CAE4E6"/>
+                </a:solidFill>
+              </a:rPr>
+              <a:t>msg model </a:t>
+            </a:r>
+            <a:r>
+              <a:rPr lang="en">
+                <a:solidFill>
+                  <a:srgbClr val="79BFE6"/>
+                </a:solidFill>
+              </a:rPr>
+              <a:t>=</a:t>
+            </a:r>
+          </a:p>
+          <a:p>
+            <a:pPr lvl="0" rtl="0">
+              <a:spcBef>
+                <a:spcPts val="0"/>
+              </a:spcBef>
+              <a:buNone/>
+            </a:pPr>
+            <a:r>
+              <a:rPr lang="en">
+                <a:solidFill>
+                  <a:srgbClr val="79BFE6"/>
+                </a:solidFill>
+              </a:rPr>
+              <a:t>   </a:t>
+            </a:r>
+            <a:r>
+              <a:rPr lang="en">
+                <a:solidFill>
+                  <a:srgbClr val="E6B400"/>
+                </a:solidFill>
+              </a:rPr>
+              <a:t>case </a:t>
+            </a:r>
+            <a:r>
+              <a:rPr lang="en">
+                <a:solidFill>
+                  <a:srgbClr val="CAE4E6"/>
+                </a:solidFill>
+              </a:rPr>
+              <a:t>msg </a:t>
+            </a:r>
+            <a:r>
+              <a:rPr lang="en">
+                <a:solidFill>
+                  <a:srgbClr val="E6B400"/>
+                </a:solidFill>
+              </a:rPr>
+              <a:t>of</a:t>
+            </a:r>
+          </a:p>
+          <a:p>
+            <a:pPr lvl="0" rtl="0">
+              <a:spcBef>
+                <a:spcPts val="0"/>
+              </a:spcBef>
+              <a:buNone/>
+            </a:pPr>
+            <a:r>
+              <a:rPr lang="en">
+                <a:solidFill>
+                  <a:srgbClr val="E6B400"/>
+                </a:solidFill>
+              </a:rPr>
+              <a:t>       </a:t>
+            </a:r>
+            <a:r>
+              <a:rPr b="1" lang="en">
+                <a:solidFill>
+                  <a:srgbClr val="E64B14"/>
+                </a:solidFill>
+              </a:rPr>
+              <a:t>Add </a:t>
+            </a:r>
+            <a:r>
+              <a:rPr lang="en">
+                <a:solidFill>
+                  <a:srgbClr val="E68AA2"/>
+                </a:solidFill>
+              </a:rPr>
+              <a:t>-&gt;</a:t>
+            </a:r>
+          </a:p>
+          <a:p>
+            <a:pPr lvl="0" rtl="0">
+              <a:spcBef>
+                <a:spcPts val="0"/>
+              </a:spcBef>
+              <a:buNone/>
+            </a:pPr>
+            <a:r>
+              <a:rPr lang="en">
+                <a:solidFill>
+                  <a:srgbClr val="E68AA2"/>
+                </a:solidFill>
+              </a:rPr>
+              <a:t>           </a:t>
+            </a:r>
+            <a:r>
+              <a:rPr lang="en">
+                <a:solidFill>
+                  <a:srgbClr val="CAE4E6"/>
+                </a:solidFill>
+              </a:rPr>
+              <a:t>model </a:t>
+            </a:r>
+            <a:r>
+              <a:rPr lang="en">
+                <a:solidFill>
+                  <a:srgbClr val="E68AA4"/>
+                </a:solidFill>
+              </a:rPr>
+              <a:t>+ </a:t>
+            </a:r>
+            <a:r>
+              <a:rPr lang="en">
+                <a:solidFill>
+                  <a:srgbClr val="3DE6D9"/>
+                </a:solidFill>
+              </a:rPr>
+              <a:t>1</a:t>
+            </a:r>
+          </a:p>
+          <a:p>
+            <a:pPr lvl="0" rtl="0">
+              <a:spcBef>
+                <a:spcPts val="0"/>
+              </a:spcBef>
+              <a:buNone/>
+            </a:pPr>
+            <a:r>
+              <a:t/>
+            </a:r>
+            <a:endParaRPr>
+              <a:solidFill>
+                <a:srgbClr val="3DE6D9"/>
+              </a:solidFill>
+            </a:endParaRPr>
+          </a:p>
+          <a:p>
+            <a:pPr lvl="0" rtl="0">
+              <a:spcBef>
+                <a:spcPts val="0"/>
+              </a:spcBef>
+              <a:buNone/>
+            </a:pPr>
+            <a:r>
+              <a:rPr lang="en">
+                <a:solidFill>
+                  <a:srgbClr val="3DE6D9"/>
+                </a:solidFill>
+              </a:rPr>
+              <a:t>       </a:t>
+            </a:r>
+            <a:r>
+              <a:rPr b="1" lang="en">
+                <a:solidFill>
+                  <a:srgbClr val="E64B14"/>
+                </a:solidFill>
+              </a:rPr>
+              <a:t>Sub </a:t>
+            </a:r>
+            <a:r>
+              <a:rPr lang="en">
+                <a:solidFill>
+                  <a:srgbClr val="E68AA2"/>
+                </a:solidFill>
+              </a:rPr>
+              <a:t>-&gt;</a:t>
+            </a:r>
+          </a:p>
+          <a:p>
+            <a:pPr lvl="0" rtl="0">
+              <a:spcBef>
+                <a:spcPts val="0"/>
+              </a:spcBef>
+              <a:buNone/>
+            </a:pPr>
+            <a:r>
+              <a:rPr lang="en">
+                <a:solidFill>
+                  <a:srgbClr val="E68AA2"/>
+                </a:solidFill>
+              </a:rPr>
+              <a:t>           </a:t>
+            </a:r>
+            <a:r>
+              <a:rPr lang="en">
+                <a:solidFill>
+                  <a:srgbClr val="CAE4E6"/>
+                </a:solidFill>
+              </a:rPr>
+              <a:t>model - </a:t>
+            </a:r>
+            <a:r>
+              <a:rPr lang="en">
+                <a:solidFill>
+                  <a:srgbClr val="3DE6D9"/>
+                </a:solidFill>
+              </a:rPr>
+              <a:t>1</a:t>
+            </a:r>
+          </a:p>
+        </p:txBody>
+      </p:sp>
+      <p:sp>
+        <p:nvSpPr>
           <p:cNvPr id="66" name="Shape 66"/>
           <p:cNvSpPr txBox="1"/>
-          <p:nvPr>
-            <p:ph type="ctrTitle"/>
-          </p:nvPr>
-        </p:nvSpPr>
-        <p:spPr>
-          <a:xfrm>
-            <a:off x="685800" y="1583342"/>
-            <a:ext cx="7772400" cy="1159800"/>
+          <p:nvPr/>
+        </p:nvSpPr>
+        <p:spPr>
+          <a:xfrm>
+            <a:off x="4789100" y="383525"/>
+            <a:ext cx="4075200" cy="4499700"/>
           </a:xfrm>
           <a:prstGeom prst="rect">
             <a:avLst/>
           </a:prstGeom>
-        </p:spPr>
-        <p:txBody>
-          <a:bodyPr anchorCtr="0" anchor="b" bIns="91425" lIns="91425" rIns="91425" tIns="91425">
+          <a:noFill/>
+          <a:ln>
+            <a:noFill/>
+          </a:ln>
+        </p:spPr>
+        <p:txBody>
+          <a:bodyPr anchorCtr="0" anchor="t" bIns="91425" lIns="91425" rIns="91425" tIns="91425">
             <a:noAutofit/>
           </a:bodyPr>
           <a:lstStyle/>
@@ -24756,34 +24388,46 @@
               <a:buNone/>
             </a:pPr>
             <a:r>
-              <a:rPr lang="en"/>
-              <a:t>The Model</a:t>
-            </a:r>
-          </a:p>
-        </p:txBody>
-      </p:sp>
-      <p:sp>
-        <p:nvSpPr>
-          <p:cNvPr id="67" name="Shape 67"/>
-          <p:cNvSpPr txBox="1"/>
-          <p:nvPr>
-            <p:ph idx="1" type="subTitle"/>
-          </p:nvPr>
-        </p:nvSpPr>
-        <p:spPr>
-          <a:xfrm>
-            <a:off x="685800" y="2840053"/>
-            <a:ext cx="7772400" cy="784799"/>
-          </a:xfrm>
-          <a:prstGeom prst="rect">
-            <a:avLst/>
-          </a:prstGeom>
-        </p:spPr>
-        <p:txBody>
-          <a:bodyPr anchorCtr="0" anchor="t" bIns="91425" lIns="91425" rIns="91425" tIns="91425">
-            <a:noAutofit/>
-          </a:bodyPr>
-          <a:lstStyle/>
+              <a:rPr b="1" lang="en">
+                <a:solidFill>
+                  <a:srgbClr val="11A0E6"/>
+                </a:solidFill>
+              </a:rPr>
+              <a:t>view </a:t>
+            </a:r>
+            <a:r>
+              <a:rPr lang="en">
+                <a:solidFill>
+                  <a:srgbClr val="CAE4E6"/>
+                </a:solidFill>
+              </a:rPr>
+              <a:t>: </a:t>
+            </a:r>
+            <a:r>
+              <a:rPr b="1" lang="en">
+                <a:solidFill>
+                  <a:srgbClr val="E6DE0E"/>
+                </a:solidFill>
+              </a:rPr>
+              <a:t>Model </a:t>
+            </a:r>
+            <a:r>
+              <a:rPr lang="en">
+                <a:solidFill>
+                  <a:srgbClr val="E68AA2"/>
+                </a:solidFill>
+              </a:rPr>
+              <a:t>-&gt; </a:t>
+            </a:r>
+            <a:r>
+              <a:rPr b="1" lang="en">
+                <a:solidFill>
+                  <a:srgbClr val="E6DE0E"/>
+                </a:solidFill>
+              </a:rPr>
+              <a:t>Html Msg</a:t>
+            </a:r>
+          </a:p>
           <a:p>
             <a:pPr lvl="0" rtl="0">
               <a:spcBef>
@@ -24792,9 +24436,341 @@
               <a:buNone/>
             </a:pPr>
             <a:r>
+              <a:rPr b="1" lang="en">
+                <a:solidFill>
+                  <a:srgbClr val="149CE6"/>
+                </a:solidFill>
+              </a:rPr>
+              <a:t>view </a:t>
+            </a:r>
+            <a:r>
+              <a:rPr lang="en">
+                <a:solidFill>
+                  <a:srgbClr val="CAE4E6"/>
+                </a:solidFill>
+              </a:rPr>
+              <a:t>model </a:t>
+            </a:r>
+            <a:r>
+              <a:rPr lang="en">
+                <a:solidFill>
+                  <a:srgbClr val="79BFE6"/>
+                </a:solidFill>
+              </a:rPr>
+              <a:t>=</a:t>
+            </a:r>
+          </a:p>
+          <a:p>
+            <a:pPr lvl="0" rtl="0">
+              <a:spcBef>
+                <a:spcPts val="0"/>
+              </a:spcBef>
+              <a:buNone/>
+            </a:pPr>
+            <a:r>
+              <a:rPr lang="en">
+                <a:solidFill>
+                  <a:srgbClr val="79BFE6"/>
+                </a:solidFill>
+              </a:rPr>
+              <a:t>   </a:t>
+            </a:r>
+            <a:r>
+              <a:rPr lang="en">
+                <a:solidFill>
+                  <a:srgbClr val="CAE4E6"/>
+                </a:solidFill>
+              </a:rPr>
+              <a:t>div </a:t>
+            </a:r>
+            <a:r>
+              <a:rPr lang="en">
+                <a:solidFill>
+                  <a:srgbClr val="80C1E6"/>
+                </a:solidFill>
+              </a:rPr>
+              <a:t>[]</a:t>
+            </a:r>
+          </a:p>
+          <a:p>
+            <a:pPr lvl="0" rtl="0">
+              <a:spcBef>
+                <a:spcPts val="0"/>
+              </a:spcBef>
+              <a:buNone/>
+            </a:pPr>
+            <a:r>
+              <a:rPr lang="en">
+                <a:solidFill>
+                  <a:srgbClr val="80C1E6"/>
+                </a:solidFill>
+              </a:rPr>
+              <a:t>       [ </a:t>
+            </a:r>
+            <a:r>
+              <a:rPr lang="en">
+                <a:solidFill>
+                  <a:srgbClr val="CAE4E6"/>
+                </a:solidFill>
+              </a:rPr>
+              <a:t>span </a:t>
+            </a:r>
+            <a:r>
+              <a:rPr lang="en">
+                <a:solidFill>
+                  <a:srgbClr val="80C1E6"/>
+                </a:solidFill>
+              </a:rPr>
+              <a:t>[] [</a:t>
+            </a:r>
+            <a:r>
+              <a:rPr lang="en">
+                <a:solidFill>
+                  <a:srgbClr val="CAE4E6"/>
+                </a:solidFill>
+              </a:rPr>
+              <a:t>text </a:t>
+            </a:r>
+            <a:r>
+              <a:rPr lang="en">
+                <a:solidFill>
+                  <a:srgbClr val="87C2E6"/>
+                </a:solidFill>
+              </a:rPr>
+              <a:t>(</a:t>
+            </a:r>
+            <a:r>
+              <a:rPr lang="en">
+                <a:solidFill>
+                  <a:srgbClr val="CAE4E6"/>
+                </a:solidFill>
+              </a:rPr>
+              <a:t>toString model</a:t>
+            </a:r>
+            <a:r>
+              <a:rPr lang="en">
+                <a:solidFill>
+                  <a:srgbClr val="87C2E6"/>
+                </a:solidFill>
+              </a:rPr>
+              <a:t>)</a:t>
+            </a:r>
+            <a:r>
+              <a:rPr lang="en">
+                <a:solidFill>
+                  <a:srgbClr val="80C1E6"/>
+                </a:solidFill>
+              </a:rPr>
+              <a:t>]</a:t>
+            </a:r>
+          </a:p>
+          <a:p>
+            <a:pPr lvl="0" rtl="0">
+              <a:spcBef>
+                <a:spcPts val="0"/>
+              </a:spcBef>
+              <a:buNone/>
+            </a:pPr>
+            <a:r>
+              <a:rPr lang="en">
+                <a:solidFill>
+                  <a:srgbClr val="80C1E6"/>
+                </a:solidFill>
+              </a:rPr>
+              <a:t>       </a:t>
+            </a:r>
+            <a:r>
+              <a:rPr lang="en">
+                <a:solidFill>
+                  <a:srgbClr val="7FC2E6"/>
+                </a:solidFill>
+              </a:rPr>
+              <a:t>, </a:t>
+            </a:r>
+            <a:r>
+              <a:rPr lang="en">
+                <a:solidFill>
+                  <a:srgbClr val="CAE4E6"/>
+                </a:solidFill>
+              </a:rPr>
+              <a:t>button </a:t>
+            </a:r>
+            <a:r>
+              <a:rPr lang="en">
+                <a:solidFill>
+                  <a:srgbClr val="80C1E6"/>
+                </a:solidFill>
+              </a:rPr>
+              <a:t>[ </a:t>
+            </a:r>
+            <a:r>
+              <a:rPr lang="en">
+                <a:solidFill>
+                  <a:srgbClr val="CAE4E6"/>
+                </a:solidFill>
+              </a:rPr>
+              <a:t>onClick </a:t>
+            </a:r>
+            <a:r>
+              <a:rPr b="1" lang="en">
+                <a:solidFill>
+                  <a:srgbClr val="E64B14"/>
+                </a:solidFill>
+              </a:rPr>
+              <a:t>Add </a:t>
+            </a:r>
+            <a:r>
+              <a:rPr lang="en">
+                <a:solidFill>
+                  <a:srgbClr val="80C1E6"/>
+                </a:solidFill>
+              </a:rPr>
+              <a:t>] [ </a:t>
+            </a:r>
+            <a:r>
+              <a:rPr lang="en">
+                <a:solidFill>
+                  <a:srgbClr val="CAE4E6"/>
+                </a:solidFill>
+              </a:rPr>
+              <a:t>text </a:t>
+            </a:r>
+            <a:r>
+              <a:rPr lang="en">
+                <a:solidFill>
+                  <a:srgbClr val="39E6DD"/>
+                </a:solidFill>
+              </a:rPr>
+              <a:t>"+" </a:t>
+            </a:r>
+            <a:r>
+              <a:rPr lang="en">
+                <a:solidFill>
+                  <a:srgbClr val="80C1E6"/>
+                </a:solidFill>
+              </a:rPr>
+              <a:t>]</a:t>
+            </a:r>
+          </a:p>
+          <a:p>
+            <a:pPr lvl="0" rtl="0">
+              <a:spcBef>
+                <a:spcPts val="0"/>
+              </a:spcBef>
+              <a:buNone/>
+            </a:pPr>
+            <a:r>
+              <a:rPr lang="en">
+                <a:solidFill>
+                  <a:srgbClr val="80C1E6"/>
+                </a:solidFill>
+              </a:rPr>
+              <a:t>       </a:t>
+            </a:r>
+            <a:r>
+              <a:rPr lang="en">
+                <a:solidFill>
+                  <a:srgbClr val="7FC2E6"/>
+                </a:solidFill>
+              </a:rPr>
+              <a:t>, </a:t>
+            </a:r>
+            <a:r>
+              <a:rPr lang="en">
+                <a:solidFill>
+                  <a:srgbClr val="CAE4E6"/>
+                </a:solidFill>
+              </a:rPr>
+              <a:t>button </a:t>
+            </a:r>
+            <a:r>
+              <a:rPr lang="en">
+                <a:solidFill>
+                  <a:srgbClr val="80C1E6"/>
+                </a:solidFill>
+              </a:rPr>
+              <a:t>[ </a:t>
+            </a:r>
+            <a:r>
+              <a:rPr lang="en">
+                <a:solidFill>
+                  <a:srgbClr val="CAE4E6"/>
+                </a:solidFill>
+              </a:rPr>
+              <a:t>onClick </a:t>
+            </a:r>
+            <a:r>
+              <a:rPr b="1" lang="en">
+                <a:solidFill>
+                  <a:srgbClr val="E64B14"/>
+                </a:solidFill>
+              </a:rPr>
+              <a:t>Sub </a:t>
+            </a:r>
+            <a:r>
+              <a:rPr lang="en">
+                <a:solidFill>
+                  <a:srgbClr val="80C1E6"/>
+                </a:solidFill>
+              </a:rPr>
+              <a:t>] [ </a:t>
+            </a:r>
+            <a:r>
+              <a:rPr lang="en">
+                <a:solidFill>
+                  <a:srgbClr val="CAE4E6"/>
+                </a:solidFill>
+              </a:rPr>
+              <a:t>text </a:t>
+            </a:r>
+            <a:r>
+              <a:rPr lang="en">
+                <a:solidFill>
+                  <a:srgbClr val="39E6DD"/>
+                </a:solidFill>
+              </a:rPr>
+              <a:t>"-" </a:t>
+            </a:r>
+            <a:r>
+              <a:rPr lang="en">
+                <a:solidFill>
+                  <a:srgbClr val="80C1E6"/>
+                </a:solidFill>
+              </a:rPr>
+              <a:t>]</a:t>
+            </a:r>
+          </a:p>
+          <a:p>
+            <a:pPr lvl="0" rtl="0">
+              <a:spcBef>
+                <a:spcPts val="0"/>
+              </a:spcBef>
+              <a:buNone/>
+            </a:pPr>
+            <a:r>
+              <a:rPr lang="en">
+                <a:solidFill>
+                  <a:srgbClr val="80C1E6"/>
+                </a:solidFill>
+              </a:rPr>
+              <a:t>       ]</a:t>
+            </a:r>
+          </a:p>
+          <a:p>
+            <a:pPr lvl="0" rtl="0">
+              <a:spcBef>
+                <a:spcPts val="0"/>
+              </a:spcBef>
+              <a:buNone/>
+            </a:pPr>
+            <a:r>
               <a:t/>
             </a:r>
-            <a:endParaRPr/>
+            <a:endParaRPr b="1">
+              <a:solidFill>
+                <a:srgbClr val="116AA3"/>
+              </a:solidFill>
+            </a:endParaRPr>
           </a:p>
         </p:txBody>
       </p:sp>
@@ -28685,7 +28661,7 @@
   <p:cSld>
     <p:spTree>
       <p:nvGrpSpPr>
-        <p:cNvPr id="71" name="Shape 71"/>
+        <p:cNvPr id="70" name="Shape 70"/>
         <p:cNvGrpSpPr/>
         <p:nvPr/>
       </p:nvGrpSpPr>
@@ -28699,22 +28675,56 @@
       </p:grpSpPr>
       <p:sp>
         <p:nvSpPr>
+          <p:cNvPr id="71" name="Shape 71"/>
+          <p:cNvSpPr txBox="1"/>
+          <p:nvPr>
+            <p:ph type="ctrTitle"/>
+          </p:nvPr>
+        </p:nvSpPr>
+        <p:spPr>
+          <a:xfrm>
+            <a:off x="685800" y="1583342"/>
+            <a:ext cx="7772400" cy="1159800"/>
+          </a:xfrm>
+          <a:prstGeom prst="rect">
+            <a:avLst/>
+          </a:prstGeom>
+        </p:spPr>
+        <p:txBody>
+          <a:bodyPr anchorCtr="0" anchor="b" bIns="91425" lIns="91425" rIns="91425" tIns="91425">
+            <a:noAutofit/>
+          </a:bodyPr>
+          <a:lstStyle/>
+          <a:p>
+            <a:pPr lvl="0" rtl="0">
+              <a:spcBef>
+                <a:spcPts val="0"/>
+              </a:spcBef>
+              <a:buNone/>
+            </a:pPr>
+            <a:r>
+              <a:rPr lang="en"/>
+              <a:t>The Model</a:t>
+            </a:r>
+          </a:p>
+        </p:txBody>
+      </p:sp>
+      <p:sp>
+        <p:nvSpPr>
           <p:cNvPr id="72" name="Shape 72"/>
           <p:cNvSpPr txBox="1"/>
-          <p:nvPr/>
-        </p:nvSpPr>
-        <p:spPr>
-          <a:xfrm>
-            <a:off x="3246900" y="321900"/>
-            <a:ext cx="2650200" cy="4499700"/>
+          <p:nvPr>
+            <p:ph idx="1" type="subTitle"/>
+          </p:nvPr>
+        </p:nvSpPr>
+        <p:spPr>
+          <a:xfrm>
+            <a:off x="685800" y="2840053"/>
+            <a:ext cx="7772400" cy="784799"/>
           </a:xfrm>
           <a:prstGeom prst="rect">
             <a:avLst/>
           </a:prstGeom>
-          <a:noFill/>
-          <a:ln>
-            <a:noFill/>
-          </a:ln>
         </p:spPr>
         <p:txBody>
           <a:bodyPr anchorCtr="0" anchor="t" bIns="91425" lIns="91425" rIns="91425" tIns="91425">
@@ -28722,7 +28732,7 @@
           </a:bodyPr>
           <a:lstStyle/>
           <a:p>
-            <a:pPr lvl="0">
+            <a:pPr lvl="0" rtl="0">
               <a:spcBef>
                 <a:spcPts val="0"/>
               </a:spcBef>
@@ -28731,163 +28741,7 @@
             <a:r>
               <a:t/>
             </a:r>
-            <a:endParaRPr sz="3000">
-              <a:solidFill>
-                <a:srgbClr val="E6B400"/>
-              </a:solidFill>
-            </a:endParaRPr>
-          </a:p>
-          <a:p>
-            <a:pPr lvl="0">
-              <a:spcBef>
-                <a:spcPts val="0"/>
-              </a:spcBef>
-              <a:buNone/>
-            </a:pPr>
-            <a:r>
-              <a:t/>
-            </a:r>
-            <a:endParaRPr sz="3000">
-              <a:solidFill>
-                <a:srgbClr val="E6B400"/>
-              </a:solidFill>
-            </a:endParaRPr>
-          </a:p>
-          <a:p>
-            <a:pPr lvl="0" rtl="0">
-              <a:spcBef>
-                <a:spcPts val="0"/>
-              </a:spcBef>
-              <a:buNone/>
-            </a:pPr>
-            <a:r>
-              <a:rPr lang="en" sz="3000">
-                <a:solidFill>
-                  <a:srgbClr val="E6B400"/>
-                </a:solidFill>
-              </a:rPr>
-              <a:t>type alias </a:t>
-            </a:r>
-            <a:r>
-              <a:rPr b="1" lang="en" sz="3000">
-                <a:solidFill>
-                  <a:srgbClr val="E64B14"/>
-                </a:solidFill>
-              </a:rPr>
-              <a:t>Model </a:t>
-            </a:r>
-            <a:r>
-              <a:rPr lang="en" sz="3000">
-                <a:solidFill>
-                  <a:srgbClr val="79BFE6"/>
-                </a:solidFill>
-              </a:rPr>
-              <a:t>= </a:t>
-            </a:r>
-            <a:r>
-              <a:rPr b="1" lang="en" sz="3000">
-                <a:solidFill>
-                  <a:srgbClr val="E64B14"/>
-                </a:solidFill>
-              </a:rPr>
-              <a:t>Int</a:t>
-            </a:r>
-          </a:p>
-          <a:p>
-            <a:pPr lvl="0" rtl="0">
-              <a:spcBef>
-                <a:spcPts val="0"/>
-              </a:spcBef>
-              <a:buNone/>
-            </a:pPr>
-            <a:r>
-              <a:t/>
-            </a:r>
-            <a:endParaRPr b="1" sz="3000">
-              <a:solidFill>
-                <a:srgbClr val="E64B14"/>
-              </a:solidFill>
-            </a:endParaRPr>
-          </a:p>
-          <a:p>
-            <a:pPr lvl="0" rtl="0">
-              <a:spcBef>
-                <a:spcPts val="0"/>
-              </a:spcBef>
-              <a:buNone/>
-            </a:pPr>
-            <a:r>
-              <a:rPr b="1" lang="en" sz="3000">
-                <a:solidFill>
-                  <a:srgbClr val="11A0E6"/>
-                </a:solidFill>
-              </a:rPr>
-              <a:t>init </a:t>
-            </a:r>
-            <a:r>
-              <a:rPr lang="en" sz="3000">
-                <a:solidFill>
-                  <a:srgbClr val="CAE4E6"/>
-                </a:solidFill>
-              </a:rPr>
-              <a:t>: </a:t>
-            </a:r>
-            <a:r>
-              <a:rPr b="1" lang="en" sz="3000">
-                <a:solidFill>
-                  <a:srgbClr val="E6DE0E"/>
-                </a:solidFill>
-              </a:rPr>
-              <a:t>Model</a:t>
-            </a:r>
-          </a:p>
-          <a:p>
-            <a:pPr lvl="0" rtl="0">
-              <a:spcBef>
-                <a:spcPts val="0"/>
-              </a:spcBef>
-              <a:buNone/>
-            </a:pPr>
-            <a:r>
-              <a:rPr b="1" lang="en" sz="3000">
-                <a:solidFill>
-                  <a:srgbClr val="149CE6"/>
-                </a:solidFill>
-              </a:rPr>
-              <a:t>init </a:t>
-            </a:r>
-            <a:r>
-              <a:rPr lang="en" sz="3000">
-                <a:solidFill>
-                  <a:srgbClr val="79BFE6"/>
-                </a:solidFill>
-              </a:rPr>
-              <a:t>= </a:t>
-            </a:r>
-            <a:r>
-              <a:rPr lang="en" sz="3000">
-                <a:solidFill>
-                  <a:srgbClr val="3DE6D9"/>
-                </a:solidFill>
-              </a:rPr>
-              <a:t>0</a:t>
-            </a:r>
-          </a:p>
-          <a:p>
-            <a:pPr lvl="0" rtl="0">
-              <a:spcBef>
-                <a:spcPts val="0"/>
-              </a:spcBef>
-              <a:buNone/>
-            </a:pPr>
-            <a:r>
-              <a:t/>
-            </a:r>
-            <a:endParaRPr sz="3000">
-              <a:solidFill>
-                <a:srgbClr val="B58900"/>
-              </a:solidFill>
-            </a:endParaRPr>
+            <a:endParaRPr/>
           </a:p>
         </p:txBody>
       </p:sp>
@@ -32500,24 +32354,58 @@
         <p:nvSpPr>
           <p:cNvPr id="77" name="Shape 77"/>
           <p:cNvSpPr txBox="1"/>
-          <p:nvPr>
-            <p:ph type="ctrTitle"/>
-          </p:nvPr>
-        </p:nvSpPr>
-        <p:spPr>
-          <a:xfrm>
-            <a:off x="685800" y="1583342"/>
-            <a:ext cx="7772400" cy="1159800"/>
+          <p:nvPr/>
+        </p:nvSpPr>
+        <p:spPr>
+          <a:xfrm>
+            <a:off x="3246900" y="321900"/>
+            <a:ext cx="2650200" cy="4499700"/>
           </a:xfrm>
           <a:prstGeom prst="rect">
             <a:avLst/>
           </a:prstGeom>
-        </p:spPr>
-        <p:txBody>
-          <a:bodyPr anchorCtr="0" anchor="b" bIns="91425" lIns="91425" rIns="91425" tIns="91425">
-            <a:noAutofit/>
-          </a:bodyPr>
-          <a:lstStyle/>
+          <a:noFill/>
+          <a:ln>
+            <a:noFill/>
+          </a:ln>
+        </p:spPr>
+        <p:txBody>
+          <a:bodyPr anchorCtr="0" anchor="t" bIns="91425" lIns="91425" rIns="91425" tIns="91425">
+            <a:noAutofit/>
+          </a:bodyPr>
+          <a:lstStyle/>
+          <a:p>
+            <a:pPr lvl="0">
+              <a:spcBef>
+                <a:spcPts val="0"/>
+              </a:spcBef>
+              <a:buNone/>
+            </a:pPr>
+            <a:r>
+              <a:t/>
+            </a:r>
+            <a:endParaRPr sz="3000">
+              <a:solidFill>
+                <a:srgbClr val="E6B400"/>
+              </a:solidFill>
+            </a:endParaRPr>
+          </a:p>
+          <a:p>
+            <a:pPr lvl="0">
+              <a:spcBef>
+                <a:spcPts val="0"/>
+              </a:spcBef>
+              <a:buNone/>
+            </a:pPr>
+            <a:r>
+              <a:t/>
+            </a:r>
+            <a:endParaRPr sz="3000">
+              <a:solidFill>
+                <a:srgbClr val="E6B400"/>
+              </a:solidFill>
+            </a:endParaRPr>
+          </a:p>
           <a:p>
             <a:pPr lvl="0" rtl="0">
               <a:spcBef>
@@ -32526,34 +32414,38 @@
               <a:buNone/>
             </a:pPr>
             <a:r>
-              <a:rPr lang="en"/>
-              <a:t>The View</a:t>
-            </a:r>
-          </a:p>
-        </p:txBody>
-      </p:sp>
-      <p:sp>
-        <p:nvSpPr>
-          <p:cNvPr id="78" name="Shape 78"/>
-          <p:cNvSpPr txBox="1"/>
-          <p:nvPr>
-            <p:ph idx="1" type="subTitle"/>
-          </p:nvPr>
-        </p:nvSpPr>
-        <p:spPr>
-          <a:xfrm>
-            <a:off x="685800" y="2840053"/>
-            <a:ext cx="7772400" cy="784799"/>
-          </a:xfrm>
-          <a:prstGeom prst="rect">
-            <a:avLst/>
-          </a:prstGeom>
-        </p:spPr>
-        <p:txBody>
-          <a:bodyPr anchorCtr="0" anchor="t" bIns="91425" lIns="91425" rIns="91425" tIns="91425">
-            <a:noAutofit/>
-          </a:bodyPr>
-          <a:lstStyle/>
+              <a:rPr lang="en" sz="3000">
+                <a:solidFill>
+                  <a:srgbClr val="E6B400"/>
+                </a:solidFill>
+              </a:rPr>
+              <a:t>type alias </a:t>
+            </a:r>
+            <a:r>
+              <a:rPr b="1" lang="en" sz="3000">
+                <a:solidFill>
+                  <a:srgbClr val="E64B14"/>
+                </a:solidFill>
+              </a:rPr>
+              <a:t>Model </a:t>
+            </a:r>
+            <a:r>
+              <a:rPr lang="en" sz="3000">
+                <a:solidFill>
+                  <a:srgbClr val="79BFE6"/>
+                </a:solidFill>
+              </a:rPr>
+              <a:t>= </a:t>
+            </a:r>
+            <a:r>
+              <a:rPr b="1" lang="en" sz="3000">
+                <a:solidFill>
+                  <a:srgbClr val="E64B14"/>
+                </a:solidFill>
+              </a:rPr>
+              <a:t>Int</a:t>
+            </a:r>
+          </a:p>
           <a:p>
             <a:pPr lvl="0" rtl="0">
               <a:spcBef>
@@ -32564,7 +32456,91 @@
             <a:r>
               <a:t/>
             </a:r>
-            <a:endParaRPr/>
+            <a:endParaRPr b="1" sz="3000">
+              <a:solidFill>
+                <a:srgbClr val="E64B14"/>
+              </a:solidFill>
+            </a:endParaRPr>
+          </a:p>
+          <a:p>
+            <a:pPr lvl="0" rtl="0">
+              <a:spcBef>
+                <a:spcPts val="0"/>
+              </a:spcBef>
+              <a:buNone/>
+            </a:pPr>
+            <a:r>
+              <a:rPr b="1" lang="en" sz="3000">
+                <a:solidFill>
+                  <a:srgbClr val="11A0E6"/>
+                </a:solidFill>
+              </a:rPr>
+              <a:t>init </a:t>
+            </a:r>
+            <a:r>
+              <a:rPr lang="en" sz="3000">
+                <a:solidFill>
+                  <a:srgbClr val="CAE4E6"/>
+                </a:solidFill>
+              </a:rPr>
+              <a:t>: </a:t>
+            </a:r>
+            <a:r>
+              <a:rPr b="1" lang="en" sz="3000">
+                <a:solidFill>
+                  <a:srgbClr val="E6DE0E"/>
+                </a:solidFill>
+              </a:rPr>
+              <a:t>Model</a:t>
+            </a:r>
+          </a:p>
+          <a:p>
+            <a:pPr lvl="0" rtl="0">
+              <a:spcBef>
+                <a:spcPts val="0"/>
+              </a:spcBef>
+              <a:buNone/>
+            </a:pPr>
+            <a:r>
+              <a:rPr b="1" lang="en" sz="3000">
+                <a:solidFill>
+                  <a:srgbClr val="149CE6"/>
+                </a:solidFill>
+              </a:rPr>
+              <a:t>init </a:t>
+            </a:r>
+            <a:r>
+              <a:rPr lang="en" sz="3000">
+                <a:solidFill>
+                  <a:srgbClr val="79BFE6"/>
+                </a:solidFill>
+              </a:rPr>
+              <a:t>= </a:t>
+            </a:r>
+            <a:r>
+              <a:rPr lang="en" sz="3000">
+                <a:solidFill>
+                  <a:srgbClr val="3DE6D9"/>
+                </a:solidFill>
+              </a:rPr>
+              <a:t>0</a:t>
+            </a:r>
+          </a:p>
+          <a:p>
+            <a:pPr lvl="0" rtl="0">
+              <a:spcBef>
+                <a:spcPts val="0"/>
+              </a:spcBef>
+              <a:buNone/>
+            </a:pPr>
+            <a:r>
+              <a:t/>
+            </a:r>
+            <a:endParaRPr sz="3000">
+              <a:solidFill>
+                <a:srgbClr val="B58900"/>
+              </a:solidFill>
+            </a:endParaRPr>
           </a:p>
         </p:txBody>
       </p:sp>
@@ -33723,7 +33699,7 @@
   <p:cSld>
     <p:spTree>
       <p:nvGrpSpPr>
-        <p:cNvPr id="82" name="Shape 82"/>
+        <p:cNvPr id="81" name="Shape 81"/>
         <p:cNvGrpSpPr/>
         <p:nvPr/>
       </p:nvGrpSpPr>
@@ -33737,22 +33713,56 @@
       </p:grpSpPr>
       <p:sp>
         <p:nvSpPr>
+          <p:cNvPr id="82" name="Shape 82"/>
+          <p:cNvSpPr txBox="1"/>
+          <p:nvPr>
+            <p:ph type="ctrTitle"/>
+          </p:nvPr>
+        </p:nvSpPr>
+        <p:spPr>
+          <a:xfrm>
+            <a:off x="685800" y="1583342"/>
+            <a:ext cx="7772400" cy="1159800"/>
+          </a:xfrm>
+          <a:prstGeom prst="rect">
+            <a:avLst/>
+          </a:prstGeom>
+        </p:spPr>
+        <p:txBody>
+          <a:bodyPr anchorCtr="0" anchor="b" bIns="91425" lIns="91425" rIns="91425" tIns="91425">
+            <a:noAutofit/>
+          </a:bodyPr>
+          <a:lstStyle/>
+          <a:p>
+            <a:pPr lvl="0" rtl="0">
+              <a:spcBef>
+                <a:spcPts val="0"/>
+              </a:spcBef>
+              <a:buNone/>
+            </a:pPr>
+            <a:r>
+              <a:rPr lang="en"/>
+              <a:t>The View</a:t>
+            </a:r>
+          </a:p>
+        </p:txBody>
+      </p:sp>
+      <p:sp>
+        <p:nvSpPr>
           <p:cNvPr id="83" name="Shape 83"/>
           <p:cNvSpPr txBox="1"/>
-          <p:nvPr/>
-        </p:nvSpPr>
-        <p:spPr>
-          <a:xfrm>
-            <a:off x="1561950" y="321900"/>
-            <a:ext cx="6020100" cy="4499700"/>
+          <p:nvPr>
+            <p:ph idx="1" type="subTitle"/>
+          </p:nvPr>
+        </p:nvSpPr>
+        <p:spPr>
+          <a:xfrm>
+            <a:off x="685800" y="2840053"/>
+            <a:ext cx="7772400" cy="784799"/>
           </a:xfrm>
           <a:prstGeom prst="rect">
             <a:avLst/>
           </a:prstGeom>
-          <a:noFill/>
-          <a:ln>
-            <a:noFill/>
-          </a:ln>
         </p:spPr>
         <p:txBody>
           <a:bodyPr anchorCtr="0" anchor="t" bIns="91425" lIns="91425" rIns="91425" tIns="91425">
@@ -33760,471 +33770,16 @@
           </a:bodyPr>
           <a:lstStyle/>
           <a:p>
-            <a:pPr lvl="0">
-              <a:spcBef>
-                <a:spcPts val="0"/>
-              </a:spcBef>
-              <a:buClr>
-                <a:schemeClr val="dk1"/>
-              </a:buClr>
-              <a:buFont typeface="Arial"/>
+            <a:pPr lvl="0" rtl="0">
+              <a:spcBef>
+                <a:spcPts val="0"/>
+              </a:spcBef>
               <a:buNone/>
             </a:pPr>
             <a:r>
               <a:t/>
             </a:r>
-            <a:endParaRPr b="1" sz="2600">
-              <a:solidFill>
-                <a:srgbClr val="11A0E6"/>
-              </a:solidFill>
-            </a:endParaRPr>
-          </a:p>
-          <a:p>
-            <a:pPr lvl="0">
-              <a:spcBef>
-                <a:spcPts val="0"/>
-              </a:spcBef>
-              <a:buClr>
-                <a:schemeClr val="dk1"/>
-              </a:buClr>
-              <a:buFont typeface="Arial"/>
-              <a:buNone/>
-            </a:pPr>
-            <a:r>
-              <a:t/>
-            </a:r>
-            <a:endParaRPr b="1" sz="2600">
-              <a:solidFill>
-                <a:srgbClr val="11A0E6"/>
-              </a:solidFill>
-            </a:endParaRPr>
-          </a:p>
-          <a:p>
-            <a:pPr lvl="0">
-              <a:spcBef>
-                <a:spcPts val="0"/>
-              </a:spcBef>
-              <a:buClr>
-                <a:schemeClr val="dk1"/>
-              </a:buClr>
-              <a:buSzPct val="42307"/>
-              <a:buFont typeface="Arial"/>
-              <a:buNone/>
-            </a:pPr>
-            <a:r>
-              <a:rPr b="1" lang="en" sz="2600">
-                <a:solidFill>
-                  <a:srgbClr val="11A0E6"/>
-                </a:solidFill>
-              </a:rPr>
-              <a:t>view </a:t>
-            </a:r>
-            <a:r>
-              <a:rPr lang="en" sz="2600">
-                <a:solidFill>
-                  <a:srgbClr val="CAE4E6"/>
-                </a:solidFill>
-              </a:rPr>
-              <a:t>: </a:t>
-            </a:r>
-            <a:r>
-              <a:rPr b="1" lang="en" sz="2600">
-                <a:solidFill>
-                  <a:srgbClr val="E6DE0E"/>
-                </a:solidFill>
-              </a:rPr>
-              <a:t>Model </a:t>
-            </a:r>
-            <a:r>
-              <a:rPr lang="en" sz="2600">
-                <a:solidFill>
-                  <a:srgbClr val="E68AA2"/>
-                </a:solidFill>
-              </a:rPr>
-              <a:t>-&gt; </a:t>
-            </a:r>
-            <a:r>
-              <a:rPr b="1" lang="en" sz="2600">
-                <a:solidFill>
-                  <a:srgbClr val="E6DE0E"/>
-                </a:solidFill>
-              </a:rPr>
-              <a:t>Html Msg</a:t>
-            </a:r>
-          </a:p>
-          <a:p>
-            <a:pPr lvl="0">
-              <a:spcBef>
-                <a:spcPts val="0"/>
-              </a:spcBef>
-              <a:buClr>
-                <a:schemeClr val="dk1"/>
-              </a:buClr>
-              <a:buSzPct val="42307"/>
-              <a:buFont typeface="Arial"/>
-              <a:buNone/>
-            </a:pPr>
-            <a:r>
-              <a:rPr b="1" lang="en" sz="2600">
-                <a:solidFill>
-                  <a:srgbClr val="149CE6"/>
-                </a:solidFill>
-              </a:rPr>
-              <a:t>view </a:t>
-            </a:r>
-            <a:r>
-              <a:rPr lang="en" sz="2600">
-                <a:solidFill>
-                  <a:srgbClr val="CAE4E6"/>
-                </a:solidFill>
-              </a:rPr>
-              <a:t>model </a:t>
-            </a:r>
-            <a:r>
-              <a:rPr lang="en" sz="2600">
-                <a:solidFill>
-                  <a:srgbClr val="79BFE6"/>
-                </a:solidFill>
-              </a:rPr>
-              <a:t>=</a:t>
-            </a:r>
-          </a:p>
-          <a:p>
-            <a:pPr lvl="0">
-              <a:spcBef>
-                <a:spcPts val="0"/>
-              </a:spcBef>
-              <a:buClr>
-                <a:schemeClr val="dk1"/>
-              </a:buClr>
-              <a:buSzPct val="42307"/>
-              <a:buFont typeface="Arial"/>
-              <a:buNone/>
-            </a:pPr>
-            <a:r>
-              <a:rPr lang="en" sz="2600">
-                <a:solidFill>
-                  <a:srgbClr val="79BFE6"/>
-                </a:solidFill>
-              </a:rPr>
-              <a:t>   </a:t>
-            </a:r>
-            <a:r>
-              <a:rPr lang="en" sz="2600">
-                <a:solidFill>
-                  <a:srgbClr val="CAE4E6"/>
-                </a:solidFill>
-              </a:rPr>
-              <a:t>div </a:t>
-            </a:r>
-            <a:r>
-              <a:rPr lang="en" sz="2600">
-                <a:solidFill>
-                  <a:srgbClr val="80C1E6"/>
-                </a:solidFill>
-              </a:rPr>
-              <a:t>[]</a:t>
-            </a:r>
-          </a:p>
-          <a:p>
-            <a:pPr lvl="0">
-              <a:spcBef>
-                <a:spcPts val="0"/>
-              </a:spcBef>
-              <a:buClr>
-                <a:schemeClr val="dk1"/>
-              </a:buClr>
-              <a:buSzPct val="42307"/>
-              <a:buFont typeface="Arial"/>
-              <a:buNone/>
-            </a:pPr>
-            <a:r>
-              <a:rPr lang="en" sz="2600">
-                <a:solidFill>
-                  <a:srgbClr val="80C1E6"/>
-                </a:solidFill>
-              </a:rPr>
-              <a:t>       [ </a:t>
-            </a:r>
-            <a:r>
-              <a:rPr lang="en" sz="2600">
-                <a:solidFill>
-                  <a:srgbClr val="CAE4E6"/>
-                </a:solidFill>
-              </a:rPr>
-              <a:t>span </a:t>
-            </a:r>
-            <a:r>
-              <a:rPr lang="en" sz="2600">
-                <a:solidFill>
-                  <a:srgbClr val="80C1E6"/>
-                </a:solidFill>
-              </a:rPr>
-              <a:t>[] [</a:t>
-            </a:r>
-            <a:r>
-              <a:rPr lang="en" sz="2600">
-                <a:solidFill>
-                  <a:srgbClr val="CAE4E6"/>
-                </a:solidFill>
-              </a:rPr>
-              <a:t>text </a:t>
-            </a:r>
-            <a:r>
-              <a:rPr lang="en" sz="2600">
-                <a:solidFill>
-                  <a:srgbClr val="87C2E6"/>
-                </a:solidFill>
-              </a:rPr>
-              <a:t>(</a:t>
-            </a:r>
-            <a:r>
-              <a:rPr lang="en" sz="2600">
-                <a:solidFill>
-                  <a:srgbClr val="CAE4E6"/>
-                </a:solidFill>
-              </a:rPr>
-              <a:t>toString model</a:t>
-            </a:r>
-            <a:r>
-              <a:rPr lang="en" sz="2600">
-                <a:solidFill>
-                  <a:srgbClr val="87C2E6"/>
-                </a:solidFill>
-              </a:rPr>
-              <a:t>)</a:t>
-            </a:r>
-            <a:r>
-              <a:rPr lang="en" sz="2600">
-                <a:solidFill>
-                  <a:srgbClr val="80C1E6"/>
-                </a:solidFill>
-              </a:rPr>
-              <a:t>]</a:t>
-            </a:r>
-          </a:p>
-          <a:p>
-            <a:pPr lvl="0">
-              <a:spcBef>
-                <a:spcPts val="0"/>
-              </a:spcBef>
-              <a:buClr>
-                <a:schemeClr val="dk1"/>
-              </a:buClr>
-              <a:buSzPct val="42307"/>
-              <a:buFont typeface="Arial"/>
-              <a:buNone/>
-            </a:pPr>
-            <a:r>
-              <a:rPr lang="en" sz="2600">
-                <a:solidFill>
-                  <a:srgbClr val="80C1E6"/>
-                </a:solidFill>
-              </a:rPr>
-              <a:t>       </a:t>
-            </a:r>
-            <a:r>
-              <a:rPr lang="en" sz="2600">
-                <a:solidFill>
-                  <a:srgbClr val="7FC2E6"/>
-                </a:solidFill>
-              </a:rPr>
-              <a:t>, </a:t>
-            </a:r>
-            <a:r>
-              <a:rPr lang="en" sz="2600">
-                <a:solidFill>
-                  <a:srgbClr val="CAE4E6"/>
-                </a:solidFill>
-              </a:rPr>
-              <a:t>button </a:t>
-            </a:r>
-            <a:r>
-              <a:rPr lang="en" sz="2600">
-                <a:solidFill>
-                  <a:srgbClr val="80C1E6"/>
-                </a:solidFill>
-              </a:rPr>
-              <a:t>[ </a:t>
-            </a:r>
-            <a:r>
-              <a:rPr lang="en" sz="2600">
-                <a:solidFill>
-                  <a:srgbClr val="CAE4E6"/>
-                </a:solidFill>
-              </a:rPr>
-              <a:t>onClick </a:t>
-            </a:r>
-            <a:r>
-              <a:rPr b="1" lang="en" sz="2600">
-                <a:solidFill>
-                  <a:srgbClr val="E64B14"/>
-                </a:solidFill>
-              </a:rPr>
-              <a:t>Add </a:t>
-            </a:r>
-            <a:r>
-              <a:rPr lang="en" sz="2600">
-                <a:solidFill>
-                  <a:srgbClr val="80C1E6"/>
-                </a:solidFill>
-              </a:rPr>
-              <a:t>] [ </a:t>
-            </a:r>
-            <a:r>
-              <a:rPr lang="en" sz="2600">
-                <a:solidFill>
-                  <a:srgbClr val="CAE4E6"/>
-                </a:solidFill>
-              </a:rPr>
-              <a:t>text </a:t>
-            </a:r>
-            <a:r>
-              <a:rPr lang="en" sz="2600">
-                <a:solidFill>
-                  <a:srgbClr val="39E6DD"/>
-                </a:solidFill>
-              </a:rPr>
-              <a:t>"+" </a:t>
-            </a:r>
-            <a:r>
-              <a:rPr lang="en" sz="2600">
-                <a:solidFill>
-                  <a:srgbClr val="80C1E6"/>
-                </a:solidFill>
-              </a:rPr>
-              <a:t>]</a:t>
-            </a:r>
-          </a:p>
-          <a:p>
-            <a:pPr lvl="0">
-              <a:spcBef>
-                <a:spcPts val="0"/>
-              </a:spcBef>
-              <a:buClr>
-                <a:schemeClr val="dk1"/>
-              </a:buClr>
-              <a:buSzPct val="42307"/>
-              <a:buFont typeface="Arial"/>
-              <a:buNone/>
-            </a:pPr>
-            <a:r>
-              <a:rPr lang="en" sz="2600">
-                <a:solidFill>
-                  <a:srgbClr val="80C1E6"/>
-                </a:solidFill>
-              </a:rPr>
-              <a:t>       </a:t>
-            </a:r>
-            <a:r>
-              <a:rPr lang="en" sz="2600">
-                <a:solidFill>
-                  <a:srgbClr val="7FC2E6"/>
-                </a:solidFill>
-              </a:rPr>
-              <a:t>, </a:t>
-            </a:r>
-            <a:r>
-              <a:rPr lang="en" sz="2600">
-                <a:solidFill>
-                  <a:srgbClr val="CAE4E6"/>
-                </a:solidFill>
-              </a:rPr>
-              <a:t>button </a:t>
-            </a:r>
-            <a:r>
-              <a:rPr lang="en" sz="2600">
-                <a:solidFill>
-                  <a:srgbClr val="80C1E6"/>
-                </a:solidFill>
-              </a:rPr>
-              <a:t>[ </a:t>
-            </a:r>
-            <a:r>
-              <a:rPr lang="en" sz="2600">
-                <a:solidFill>
-                  <a:srgbClr val="CAE4E6"/>
-                </a:solidFill>
-              </a:rPr>
-              <a:t>onClick </a:t>
-            </a:r>
-            <a:r>
-              <a:rPr b="1" lang="en" sz="2600">
-                <a:solidFill>
-                  <a:srgbClr val="E64B14"/>
-                </a:solidFill>
-              </a:rPr>
-              <a:t>Sub </a:t>
-            </a:r>
-            <a:r>
-              <a:rPr lang="en" sz="2600">
-                <a:solidFill>
-                  <a:srgbClr val="80C1E6"/>
-                </a:solidFill>
-              </a:rPr>
-              <a:t>] [ </a:t>
-            </a:r>
-            <a:r>
-              <a:rPr lang="en" sz="2600">
-                <a:solidFill>
-                  <a:srgbClr val="CAE4E6"/>
-                </a:solidFill>
-              </a:rPr>
-              <a:t>text </a:t>
-            </a:r>
-            <a:r>
-              <a:rPr lang="en" sz="2600">
-                <a:solidFill>
-                  <a:srgbClr val="39E6DD"/>
-                </a:solidFill>
-              </a:rPr>
-              <a:t>"-" </a:t>
-            </a:r>
-            <a:r>
-              <a:rPr lang="en" sz="2600">
-                <a:solidFill>
-                  <a:srgbClr val="80C1E6"/>
-                </a:solidFill>
-              </a:rPr>
-              <a:t>]</a:t>
-            </a:r>
-          </a:p>
-          <a:p>
-            <a:pPr lvl="0">
-              <a:spcBef>
-                <a:spcPts val="0"/>
-              </a:spcBef>
-              <a:buClr>
-                <a:schemeClr val="dk1"/>
-              </a:buClr>
-              <a:buSzPct val="42307"/>
-              <a:buFont typeface="Arial"/>
-              <a:buNone/>
-            </a:pPr>
-            <a:r>
-              <a:rPr lang="en" sz="2600">
-                <a:solidFill>
-                  <a:srgbClr val="80C1E6"/>
-                </a:solidFill>
-              </a:rPr>
-              <a:t>       ]</a:t>
-            </a:r>
-          </a:p>
-          <a:p>
-            <a:pPr lvl="0" rtl="0">
-              <a:spcBef>
-                <a:spcPts val="0"/>
-              </a:spcBef>
-              <a:buNone/>
-            </a:pPr>
-            <a:r>
-              <a:t/>
-            </a:r>
-            <a:endParaRPr sz="2600">
-              <a:solidFill>
-                <a:srgbClr val="E6B400"/>
-              </a:solidFill>
-            </a:endParaRPr>
+            <a:endParaRPr/>
           </a:p>
         </p:txBody>
       </p:sp>
@@ -34257,24 +33812,477 @@
         <p:nvSpPr>
           <p:cNvPr id="88" name="Shape 88"/>
           <p:cNvSpPr txBox="1"/>
-          <p:nvPr>
-            <p:ph type="ctrTitle"/>
-          </p:nvPr>
-        </p:nvSpPr>
-        <p:spPr>
-          <a:xfrm>
-            <a:off x="685800" y="1583342"/>
-            <a:ext cx="7772400" cy="1159800"/>
+          <p:nvPr/>
+        </p:nvSpPr>
+        <p:spPr>
+          <a:xfrm>
+            <a:off x="1561950" y="321900"/>
+            <a:ext cx="6020100" cy="4499700"/>
           </a:xfrm>
           <a:prstGeom prst="rect">
             <a:avLst/>
           </a:prstGeom>
-        </p:spPr>
-        <p:txBody>
-          <a:bodyPr anchorCtr="0" anchor="b" bIns="91425" lIns="91425" rIns="91425" tIns="91425">
-            <a:noAutofit/>
-          </a:bodyPr>
-          <a:lstStyle/>
+          <a:noFill/>
+          <a:ln>
+            <a:noFill/>
+          </a:ln>
+        </p:spPr>
+        <p:txBody>
+          <a:bodyPr anchorCtr="0" anchor="t" bIns="91425" lIns="91425" rIns="91425" tIns="91425">
+            <a:noAutofit/>
+          </a:bodyPr>
+          <a:lstStyle/>
+          <a:p>
+            <a:pPr lvl="0">
+              <a:spcBef>
+                <a:spcPts val="0"/>
+              </a:spcBef>
+              <a:buClr>
+                <a:schemeClr val="dk1"/>
+              </a:buClr>
+              <a:buFont typeface="Arial"/>
+              <a:buNone/>
+            </a:pPr>
+            <a:r>
+              <a:t/>
+            </a:r>
+            <a:endParaRPr b="1" sz="2600">
+              <a:solidFill>
+                <a:srgbClr val="11A0E6"/>
+              </a:solidFill>
+            </a:endParaRPr>
+          </a:p>
+          <a:p>
+            <a:pPr lvl="0">
+              <a:spcBef>
+                <a:spcPts val="0"/>
+              </a:spcBef>
+              <a:buClr>
+                <a:schemeClr val="dk1"/>
+              </a:buClr>
+              <a:buFont typeface="Arial"/>
+              <a:buNone/>
+            </a:pPr>
+            <a:r>
+              <a:t/>
+            </a:r>
+            <a:endParaRPr b="1" sz="2600">
+              <a:solidFill>
+                <a:srgbClr val="11A0E6"/>
+              </a:solidFill>
+            </a:endParaRPr>
+          </a:p>
+          <a:p>
+            <a:pPr lvl="0">
+              <a:spcBef>
+                <a:spcPts val="0"/>
+              </a:spcBef>
+              <a:buClr>
+                <a:schemeClr val="dk1"/>
+              </a:buClr>
+              <a:buSzPct val="42307"/>
+              <a:buFont typeface="Arial"/>
+              <a:buNone/>
+            </a:pPr>
+            <a:r>
+              <a:rPr b="1" lang="en" sz="2600">
+                <a:solidFill>
+                  <a:srgbClr val="11A0E6"/>
+                </a:solidFill>
+              </a:rPr>
+              <a:t>view </a:t>
+            </a:r>
+            <a:r>
+              <a:rPr lang="en" sz="2600">
+                <a:solidFill>
+                  <a:srgbClr val="CAE4E6"/>
+                </a:solidFill>
+              </a:rPr>
+              <a:t>: </a:t>
+            </a:r>
+            <a:r>
+              <a:rPr b="1" lang="en" sz="2600">
+                <a:solidFill>
+                  <a:srgbClr val="E6DE0E"/>
+                </a:solidFill>
+              </a:rPr>
+              <a:t>Model </a:t>
+            </a:r>
+            <a:r>
+              <a:rPr lang="en" sz="2600">
+                <a:solidFill>
+                  <a:srgbClr val="E68AA2"/>
+                </a:solidFill>
+              </a:rPr>
+              <a:t>-&gt; </a:t>
+            </a:r>
+            <a:r>
+              <a:rPr b="1" lang="en" sz="2600">
+                <a:solidFill>
+                  <a:srgbClr val="E6DE0E"/>
+                </a:solidFill>
+              </a:rPr>
+              <a:t>Html Msg</a:t>
+            </a:r>
+          </a:p>
+          <a:p>
+            <a:pPr lvl="0">
+              <a:spcBef>
+                <a:spcPts val="0"/>
+              </a:spcBef>
+              <a:buClr>
+                <a:schemeClr val="dk1"/>
+              </a:buClr>
+              <a:buSzPct val="42307"/>
+              <a:buFont typeface="Arial"/>
+              <a:buNone/>
+            </a:pPr>
+            <a:r>
+              <a:rPr b="1" lang="en" sz="2600">
+                <a:solidFill>
+                  <a:srgbClr val="149CE6"/>
+                </a:solidFill>
+              </a:rPr>
+              <a:t>view </a:t>
+            </a:r>
+            <a:r>
+              <a:rPr lang="en" sz="2600">
+                <a:solidFill>
+                  <a:srgbClr val="CAE4E6"/>
+                </a:solidFill>
+              </a:rPr>
+              <a:t>model </a:t>
+            </a:r>
+            <a:r>
+              <a:rPr lang="en" sz="2600">
+                <a:solidFill>
+                  <a:srgbClr val="79BFE6"/>
+                </a:solidFill>
+              </a:rPr>
+              <a:t>=</a:t>
+            </a:r>
+          </a:p>
+          <a:p>
+            <a:pPr lvl="0">
+              <a:spcBef>
+                <a:spcPts val="0"/>
+              </a:spcBef>
+              <a:buClr>
+                <a:schemeClr val="dk1"/>
+              </a:buClr>
+              <a:buSzPct val="42307"/>
+              <a:buFont typeface="Arial"/>
+              <a:buNone/>
+            </a:pPr>
+            <a:r>
+              <a:rPr lang="en" sz="2600">
+                <a:solidFill>
+                  <a:srgbClr val="79BFE6"/>
+                </a:solidFill>
+              </a:rPr>
+              <a:t>   </a:t>
+            </a:r>
+            <a:r>
+              <a:rPr lang="en" sz="2600">
+                <a:solidFill>
+                  <a:srgbClr val="CAE4E6"/>
+                </a:solidFill>
+              </a:rPr>
+              <a:t>div </a:t>
+            </a:r>
+            <a:r>
+              <a:rPr lang="en" sz="2600">
+                <a:solidFill>
+                  <a:srgbClr val="80C1E6"/>
+                </a:solidFill>
+              </a:rPr>
+              <a:t>[]</a:t>
+            </a:r>
+          </a:p>
+          <a:p>
+            <a:pPr lvl="0">
+              <a:spcBef>
+                <a:spcPts val="0"/>
+              </a:spcBef>
+              <a:buClr>
+                <a:schemeClr val="dk1"/>
+              </a:buClr>
+              <a:buSzPct val="42307"/>
+              <a:buFont typeface="Arial"/>
+              <a:buNone/>
+            </a:pPr>
+            <a:r>
+              <a:rPr lang="en" sz="2600">
+                <a:solidFill>
+                  <a:srgbClr val="80C1E6"/>
+                </a:solidFill>
+              </a:rPr>
+              <a:t>       [ </a:t>
+            </a:r>
+            <a:r>
+              <a:rPr lang="en" sz="2600">
+                <a:solidFill>
+                  <a:srgbClr val="CAE4E6"/>
+                </a:solidFill>
+              </a:rPr>
+              <a:t>span </a:t>
+            </a:r>
+            <a:r>
+              <a:rPr lang="en" sz="2600">
+                <a:solidFill>
+                  <a:srgbClr val="80C1E6"/>
+                </a:solidFill>
+              </a:rPr>
+              <a:t>[] [</a:t>
+            </a:r>
+            <a:r>
+              <a:rPr lang="en" sz="2600">
+                <a:solidFill>
+                  <a:srgbClr val="CAE4E6"/>
+                </a:solidFill>
+              </a:rPr>
+              <a:t>text </a:t>
+            </a:r>
+            <a:r>
+              <a:rPr lang="en" sz="2600">
+                <a:solidFill>
+                  <a:srgbClr val="87C2E6"/>
+                </a:solidFill>
+              </a:rPr>
+              <a:t>(</a:t>
+            </a:r>
+            <a:r>
+              <a:rPr lang="en" sz="2600">
+                <a:solidFill>
+                  <a:srgbClr val="CAE4E6"/>
+                </a:solidFill>
+              </a:rPr>
+              <a:t>toString model</a:t>
+            </a:r>
+            <a:r>
+              <a:rPr lang="en" sz="2600">
+                <a:solidFill>
+                  <a:srgbClr val="87C2E6"/>
+                </a:solidFill>
+              </a:rPr>
+              <a:t>)</a:t>
+            </a:r>
+            <a:r>
+              <a:rPr lang="en" sz="2600">
+                <a:solidFill>
+                  <a:srgbClr val="80C1E6"/>
+                </a:solidFill>
+              </a:rPr>
+              <a:t>]</a:t>
+            </a:r>
+          </a:p>
+          <a:p>
+            <a:pPr lvl="0">
+              <a:spcBef>
+                <a:spcPts val="0"/>
+              </a:spcBef>
+              <a:buClr>
+                <a:schemeClr val="dk1"/>
+              </a:buClr>
+              <a:buSzPct val="42307"/>
+              <a:buFont typeface="Arial"/>
+              <a:buNone/>
+            </a:pPr>
+            <a:r>
+              <a:rPr lang="en" sz="2600">
+                <a:solidFill>
+                  <a:srgbClr val="80C1E6"/>
+                </a:solidFill>
+              </a:rPr>
+              <a:t>       </a:t>
+            </a:r>
+            <a:r>
+              <a:rPr lang="en" sz="2600">
+                <a:solidFill>
+                  <a:srgbClr val="7FC2E6"/>
+                </a:solidFill>
+              </a:rPr>
+              <a:t>, </a:t>
+            </a:r>
+            <a:r>
+              <a:rPr lang="en" sz="2600">
+                <a:solidFill>
+                  <a:srgbClr val="CAE4E6"/>
+                </a:solidFill>
+              </a:rPr>
+              <a:t>button </a:t>
+            </a:r>
+            <a:r>
+              <a:rPr lang="en" sz="2600">
+                <a:solidFill>
+                  <a:srgbClr val="80C1E6"/>
+                </a:solidFill>
+              </a:rPr>
+              <a:t>[ </a:t>
+            </a:r>
+            <a:r>
+              <a:rPr lang="en" sz="2600">
+                <a:solidFill>
+                  <a:srgbClr val="CAE4E6"/>
+                </a:solidFill>
+              </a:rPr>
+              <a:t>onClick </a:t>
+            </a:r>
+            <a:r>
+              <a:rPr b="1" lang="en" sz="2600">
+                <a:solidFill>
+                  <a:srgbClr val="E64B14"/>
+                </a:solidFill>
+              </a:rPr>
+              <a:t>Add </a:t>
+            </a:r>
+            <a:r>
+              <a:rPr lang="en" sz="2600">
+                <a:solidFill>
+                  <a:srgbClr val="80C1E6"/>
+                </a:solidFill>
+              </a:rPr>
+              <a:t>] [ </a:t>
+            </a:r>
+            <a:r>
+              <a:rPr lang="en" sz="2600">
+                <a:solidFill>
+                  <a:srgbClr val="CAE4E6"/>
+                </a:solidFill>
+              </a:rPr>
+              <a:t>text </a:t>
+            </a:r>
+            <a:r>
+              <a:rPr lang="en" sz="2600">
+                <a:solidFill>
+                  <a:srgbClr val="39E6DD"/>
+                </a:solidFill>
+              </a:rPr>
+              <a:t>"+" </a:t>
+            </a:r>
+            <a:r>
+              <a:rPr lang="en" sz="2600">
+                <a:solidFill>
+                  <a:srgbClr val="80C1E6"/>
+                </a:solidFill>
+              </a:rPr>
+              <a:t>]</a:t>
+            </a:r>
+          </a:p>
+          <a:p>
+            <a:pPr lvl="0">
+              <a:spcBef>
+                <a:spcPts val="0"/>
+              </a:spcBef>
+              <a:buClr>
+                <a:schemeClr val="dk1"/>
+              </a:buClr>
+              <a:buSzPct val="42307"/>
+              <a:buFont typeface="Arial"/>
+              <a:buNone/>
+            </a:pPr>
+            <a:r>
+              <a:rPr lang="en" sz="2600">
+                <a:solidFill>
+                  <a:srgbClr val="80C1E6"/>
+                </a:solidFill>
+              </a:rPr>
+              <a:t>       </a:t>
+            </a:r>
+            <a:r>
+              <a:rPr lang="en" sz="2600">
+                <a:solidFill>
+                  <a:srgbClr val="7FC2E6"/>
+                </a:solidFill>
+              </a:rPr>
+              <a:t>, </a:t>
+            </a:r>
+            <a:r>
+              <a:rPr lang="en" sz="2600">
+                <a:solidFill>
+                  <a:srgbClr val="CAE4E6"/>
+                </a:solidFill>
+              </a:rPr>
+              <a:t>button </a:t>
+            </a:r>
+            <a:r>
+              <a:rPr lang="en" sz="2600">
+                <a:solidFill>
+                  <a:srgbClr val="80C1E6"/>
+                </a:solidFill>
+              </a:rPr>
+              <a:t>[ </a:t>
+            </a:r>
+            <a:r>
+              <a:rPr lang="en" sz="2600">
+                <a:solidFill>
+                  <a:srgbClr val="CAE4E6"/>
+                </a:solidFill>
+              </a:rPr>
+              <a:t>onClick </a:t>
+            </a:r>
+            <a:r>
+              <a:rPr b="1" lang="en" sz="2600">
+                <a:solidFill>
+                  <a:srgbClr val="E64B14"/>
+                </a:solidFill>
+              </a:rPr>
+              <a:t>Sub </a:t>
+            </a:r>
+            <a:r>
+              <a:rPr lang="en" sz="2600">
+                <a:solidFill>
+                  <a:srgbClr val="80C1E6"/>
+                </a:solidFill>
+              </a:rPr>
+              <a:t>] [ </a:t>
+            </a:r>
+            <a:r>
+              <a:rPr lang="en" sz="2600">
+                <a:solidFill>
+                  <a:srgbClr val="CAE4E6"/>
+                </a:solidFill>
+              </a:rPr>
+              <a:t>text </a:t>
+            </a:r>
+            <a:r>
+              <a:rPr lang="en" sz="2600">
+                <a:solidFill>
+                  <a:srgbClr val="39E6DD"/>
+                </a:solidFill>
+              </a:rPr>
+              <a:t>"-" </a:t>
+            </a:r>
+            <a:r>
+              <a:rPr lang="en" sz="2600">
+                <a:solidFill>
+                  <a:srgbClr val="80C1E6"/>
+                </a:solidFill>
+              </a:rPr>
+              <a:t>]</a:t>
+            </a:r>
+          </a:p>
+          <a:p>
+            <a:pPr lvl="0">
+              <a:spcBef>
+                <a:spcPts val="0"/>
+              </a:spcBef>
+              <a:buClr>
+                <a:schemeClr val="dk1"/>
+              </a:buClr>
+              <a:buSzPct val="42307"/>
+              <a:buFont typeface="Arial"/>
+              <a:buNone/>
+            </a:pPr>
+            <a:r>
+              <a:rPr lang="en" sz="2600">
+                <a:solidFill>
+                  <a:srgbClr val="80C1E6"/>
+                </a:solidFill>
+              </a:rPr>
+              <a:t>       ]</a:t>
+            </a:r>
+          </a:p>
           <a:p>
             <a:pPr lvl="0" rtl="0">
               <a:spcBef>
@@ -34283,74 +34291,16 @@
               <a:buNone/>
             </a:pPr>
             <a:r>
-              <a:rPr lang="en"/>
-              <a:t>The Controller Update</a:t>
-            </a:r>
-          </a:p>
-        </p:txBody>
-      </p:sp>
-      <p:sp>
-        <p:nvSpPr>
-          <p:cNvPr id="89" name="Shape 89"/>
-          <p:cNvSpPr txBox="1"/>
-          <p:nvPr>
-            <p:ph idx="1" type="subTitle"/>
-          </p:nvPr>
-        </p:nvSpPr>
-        <p:spPr>
-          <a:xfrm>
-            <a:off x="685800" y="2840053"/>
-            <a:ext cx="7772400" cy="784799"/>
-          </a:xfrm>
-          <a:prstGeom prst="rect">
-            <a:avLst/>
-          </a:prstGeom>
-        </p:spPr>
-        <p:txBody>
-          <a:bodyPr anchorCtr="0" anchor="t" bIns="91425" lIns="91425" rIns="91425" tIns="91425">
-            <a:noAutofit/>
-          </a:bodyPr>
-          <a:lstStyle/>
-          <a:p>
-            <a:pPr lvl="0" rtl="0">
-              <a:spcBef>
-                <a:spcPts val="0"/>
-              </a:spcBef>
-              <a:buNone/>
-            </a:pPr>
-            <a:r>
               <a:t/>
             </a:r>
-            <a:endParaRPr/>
-          </a:p>
-        </p:txBody>
-      </p:sp>
-      <p:cxnSp>
-        <p:nvCxnSpPr>
-          <p:cNvPr id="90" name="Shape 90"/>
-          <p:cNvCxnSpPr/>
-          <p:nvPr/>
-        </p:nvCxnSpPr>
-        <p:spPr>
-          <a:xfrm flipH="1" rot="10800000">
-            <a:off x="2248000" y="2029825"/>
-            <a:ext cx="3426600" cy="472800"/>
-          </a:xfrm>
-          <a:prstGeom prst="straightConnector1">
-            <a:avLst/>
-          </a:prstGeom>
-          <a:noFill/>
-          <a:ln cap="flat" cmpd="sng" w="76200">
-            <a:solidFill>
-              <a:srgbClr val="FF0000"/>
-            </a:solidFill>
-            <a:prstDash val="solid"/>
-            <a:round/>
-            <a:headEnd len="lg" w="lg" type="none"/>
-            <a:tailEnd len="lg" w="lg" type="none"/>
-          </a:ln>
-        </p:spPr>
-      </p:cxnSp>
+            <a:endParaRPr sz="2600">
+              <a:solidFill>
+                <a:srgbClr val="E6B400"/>
+              </a:solidFill>
+            </a:endParaRPr>
+          </a:p>
+        </p:txBody>
+      </p:sp>
     </p:spTree>
   </p:cSld>
   <p:clrMapOvr>
@@ -34360,6 +34310,285 @@
 </file>
 
 <file path=ppt/theme/theme1.xml><?xml version="1.0" encoding="utf-8"?>
+<a:theme xmlns:a="http://schemas.openxmlformats.org/drawingml/2006/main" xmlns:r="http://schemas.openxmlformats.org/officeDocument/2006/relationships" name="Custom Theme">
+  <a:themeElements>
+    <a:clrScheme name="Default">
+      <a:dk1>
+        <a:srgbClr val="000000"/>
+      </a:dk1>
+      <a:lt1>
+        <a:srgbClr val="FFFFFF"/>
+      </a:lt1>
+      <a:dk2>
+        <a:srgbClr val="158158"/>
+      </a:dk2>
+      <a:lt2>
+        <a:srgbClr val="F3F3F3"/>
+      </a:lt2>
+      <a:accent1>
+        <a:srgbClr val="058DC7"/>
+      </a:accent1>
+      <a:accent2>
+        <a:srgbClr val="50B432"/>
+      </a:accent2>
+      <a:accent3>
+        <a:srgbClr val="ED561B"/>
+      </a:accent3>
+      <a:accent4>
+        <a:srgbClr val="EDEF00"/>
+      </a:accent4>
+      <a:accent5>
+        <a:srgbClr val="24CBE5"/>
+      </a:accent5>
+      <a:accent6>
+        <a:srgbClr val="64E572"/>
+      </a:accent6>
+      <a:hlink>
+        <a:srgbClr val="2200CC"/>
+      </a:hlink>
+      <a:folHlink>
+        <a:srgbClr val="551A8B"/>
+      </a:folHlink>
+    </a:clrScheme>
+    <a:fontScheme name="Office">
+      <a:majorFont>
+        <a:latin typeface="Arial"/>
+        <a:ea typeface=""/>
+        <a:cs typeface=""/>
+        <a:font script="Jpan" typeface="ＭＳ Ｐゴシック"/>
+        <a:font script="Hang" typeface="맑은 고딕"/>
+        <a:font script="Hans" typeface="宋体"/>
+        <a:font script="Hant" typeface="新細明體"/>
+        <a:font script="Arab" typeface="Times New Roman"/>
+        <a:font script="Hebr" typeface="Times New Roman"/>
+        <a:font script="Thai" typeface="Angsana New"/>
+        <a:font script="Ethi" typeface="Nyala"/>
+        <a:font script="Beng" typeface="Vrinda"/>
+        <a:font script="Gujr" typeface="Shruti"/>
+        <a:font script="Khmr" typeface="MoolBoran"/>
+        <a:font script="Knda" typeface="Tunga"/>
+        <a:font script="Guru" typeface="Raavi"/>
+        <a:font script="Cans" typeface="Euphemia"/>
+        <a:font script="Cher" typeface="Plantagenet Cherokee"/>
+        <a:font script="Yiii" typeface="Microsoft Yi Baiti"/>
+        <a:font script="Tibt" typeface="Microsoft Himalaya"/>
+        <a:font script="Thaa" typeface="MV Boli"/>
+        <a:font script="Deva" typeface="Mangal"/>
+        <a:font script="Telu" typeface="Gautami"/>
+        <a:font script="Taml" typeface="Latha"/>
+        <a:font script="Syrc" typeface="Estrangelo Edessa"/>
+        <a:font script="Orya" typeface="Kalinga"/>
+        <a:font script="Mlym" typeface="Kartika"/>
+        <a:font script="Laoo" typeface="DokChampa"/>
+        <a:font script="Sinh" typeface="Iskoola Pota"/>
+        <a:font script="Mong" typeface="Mongolian Baiti"/>
+        <a:font script="Viet" typeface="Times New Roman"/>
+        <a:font script="Uigh" typeface="Microsoft Uighur"/>
+        <a:font script="Geor" typeface="Sylfaen"/>
+      </a:majorFont>
+      <a:minorFont>
+        <a:latin typeface="Arial"/>
+        <a:ea typeface=""/>
+        <a:cs typeface=""/>
+        <a:font script="Jpan" typeface="ＭＳ Ｐゴシック"/>
+        <a:font script="Hang" typeface="맑은 고딕"/>
+        <a:font script="Hans" typeface="宋体"/>
+        <a:font script="Hant" typeface="新細明體"/>
+        <a:font script="Arab" typeface="Arial"/>
+        <a:font script="Hebr" typeface="Arial"/>
+        <a:font script="Thai" typeface="Cordia New"/>
+        <a:font script="Ethi" typeface="Nyala"/>
+        <a:font script="Beng" typeface="Vrinda"/>
+        <a:font script="Gujr" typeface="Shruti"/>
+        <a:font script="Khmr" typeface="DaunPenh"/>
+        <a:font script="Knda" typeface="Tunga"/>
+        <a:font script="Guru" typeface="Raavi"/>
+        <a:font script="Cans" typeface="Euphemia"/>
+        <a:font script="Cher" typeface="Plantagenet Cherokee"/>
+        <a:font script="Yiii" typeface="Microsoft Yi Baiti"/>
+        <a:font script="Tibt" typeface="Microsoft Himalaya"/>
+        <a:font script="Thaa" typeface="MV Boli"/>
+        <a:font script="Deva" typeface="Mangal"/>
+        <a:font script="Telu" typeface="Gautami"/>
+        <a:font script="Taml" typeface="Latha"/>
+        <a:font script="Syrc" typeface="Estrangelo Edessa"/>
+        <a:font script="Orya" typeface="Kalinga"/>
+        <a:font script="Mlym" typeface="Kartika"/>
+        <a:font script="Laoo" typeface="DokChampa"/>
+        <a:font script="Sinh" typeface="Iskoola Pota"/>
+        <a:font script="Mong" typeface="Mongolian Baiti"/>
+        <a:font script="Viet" typeface="Arial"/>
+        <a:font script="Uigh" typeface="Microsoft Uighur"/>
+        <a:font script="Geor" typeface="Sylfaen"/>
+      </a:minorFont>
+    </a:fontScheme>
+    <a:fmtScheme name="Office">
+      <a:fillStyleLst>
+        <a:solidFill>
+          <a:schemeClr val="phClr"/>
+        </a:solidFill>
+        <a:gradFill rotWithShape="1">
+          <a:gsLst>
+            <a:gs pos="0">
+              <a:schemeClr val="phClr">
+                <a:tint val="50000"/>
+                <a:satMod val="300000"/>
+              </a:schemeClr>
+            </a:gs>
+            <a:gs pos="35000">
+              <a:schemeClr val="phClr">
+                <a:tint val="37000"/>
+                <a:satMod val="300000"/>
+              </a:schemeClr>
+            </a:gs>
+            <a:gs pos="100000">
+              <a:schemeClr val="phClr">
+                <a:tint val="15000"/>
+                <a:satMod val="350000"/>
+              </a:schemeClr>
+            </a:gs>
+          </a:gsLst>
+          <a:lin ang="16200000" scaled="1"/>
+        </a:gradFill>
+        <a:gradFill rotWithShape="1">
+          <a:gsLst>
+            <a:gs pos="0">
+              <a:schemeClr val="phClr">
+                <a:tint val="100000"/>
+                <a:shade val="100000"/>
+                <a:satMod val="130000"/>
+              </a:schemeClr>
+            </a:gs>
+            <a:gs pos="100000">
+              <a:schemeClr val="phClr">
+                <a:tint val="50000"/>
+                <a:shade val="100000"/>
+                <a:satMod val="350000"/>
+              </a:schemeClr>
+            </a:gs>
+          </a:gsLst>
+          <a:lin ang="16200000" scaled="0"/>
+        </a:gradFill>
+      </a:fillStyleLst>
+      <a:lnStyleLst>
+        <a:ln w="9525" cap="flat" cmpd="sng" algn="ctr">
+          <a:solidFill>
+            <a:schemeClr val="phClr">
+              <a:shade val="95000"/>
+              <a:satMod val="105000"/>
+            </a:schemeClr>
+          </a:solidFill>
+          <a:prstDash val="solid"/>
+        </a:ln>
+        <a:ln w="25400" cap="flat" cmpd="sng" algn="ctr">
+          <a:solidFill>
+            <a:schemeClr val="phClr"/>
+          </a:solidFill>
+          <a:prstDash val="solid"/>
+        </a:ln>
+        <a:ln w="38100" cap="flat" cmpd="sng" algn="ctr">
+          <a:solidFill>
+            <a:schemeClr val="phClr"/>
+          </a:solidFill>
+          <a:prstDash val="solid"/>
+        </a:ln>
+      </a:lnStyleLst>
+      <a:effectStyleLst>
+        <a:effectStyle>
+          <a:effectLst>
+            <a:outerShdw blurRad="40000" dist="20000" dir="5400000" rotWithShape="0">
+              <a:srgbClr val="000000">
+                <a:alpha val="38000"/>
+              </a:srgbClr>
+            </a:outerShdw>
+          </a:effectLst>
+        </a:effectStyle>
+        <a:effectStyle>
+          <a:effectLst>
+            <a:outerShdw blurRad="40000" dist="23000" dir="5400000" rotWithShape="0">
+              <a:srgbClr val="000000">
+                <a:alpha val="35000"/>
+              </a:srgbClr>
+            </a:outerShdw>
+          </a:effectLst>
+        </a:effectStyle>
+        <a:effectStyle>
+          <a:effectLst>
+            <a:outerShdw blurRad="40000" dist="23000" dir="5400000" rotWithShape="0">
+              <a:srgbClr val="000000">
+                <a:alpha val="35000"/>
+              </a:srgbClr>
+            </a:outerShdw>
+          </a:effectLst>
+          <a:scene3d>
+            <a:camera prst="orthographicFront">
+              <a:rot lat="0" lon="0" rev="0"/>
+            </a:camera>
+            <a:lightRig rig="threePt" dir="t">
+              <a:rot lat="0" lon="0" rev="1200000"/>
+            </a:lightRig>
+          </a:scene3d>
+          <a:sp3d>
+            <a:bevelT w="63500" h="25400"/>
+          </a:sp3d>
+        </a:effectStyle>
+      </a:effectStyleLst>
+      <a:bgFillStyleLst>
+        <a:solidFill>
+          <a:schemeClr val="phClr"/>
+        </a:solidFill>
+        <a:gradFill rotWithShape="1">
+          <a:gsLst>
+            <a:gs pos="0">
+              <a:schemeClr val="phClr">
+                <a:tint val="40000"/>
+                <a:satMod val="350000"/>
+              </a:schemeClr>
+            </a:gs>
+            <a:gs pos="40000">
+              <a:schemeClr val="phClr">
+                <a:tint val="45000"/>
+                <a:shade val="99000"/>
+                <a:satMod val="350000"/>
+              </a:schemeClr>
+            </a:gs>
+            <a:gs pos="100000">
+              <a:schemeClr val="phClr">
+                <a:shade val="20000"/>
+                <a:satMod val="255000"/>
+              </a:schemeClr>
+            </a:gs>
+          </a:gsLst>
+          <a:path path="circle">
+            <a:fillToRect l="50000" t="-80000" r="50000" b="180000"/>
+          </a:path>
+        </a:gradFill>
+        <a:gradFill rotWithShape="1">
+          <a:gsLst>
+            <a:gs pos="0">
+              <a:schemeClr val="phClr">
+                <a:tint val="80000"/>
+                <a:satMod val="300000"/>
+              </a:schemeClr>
+            </a:gs>
+            <a:gs pos="100000">
+              <a:schemeClr val="phClr">
+                <a:shade val="30000"/>
+                <a:satMod val="200000"/>
+              </a:schemeClr>
+            </a:gs>
+          </a:gsLst>
+          <a:path path="circle">
+            <a:fillToRect l="50000" t="50000" r="50000" b="50000"/>
+          </a:path>
+        </a:gradFill>
+      </a:bgFillStyleLst>
+    </a:fmtScheme>
+  </a:themeElements>
+</a:theme>
+</file>
+
+<file path=ppt/theme/theme2.xml><?xml version="1.0" encoding="utf-8"?>
 <a:theme xmlns:a="http://schemas.openxmlformats.org/drawingml/2006/main" xmlns:r="http://schemas.openxmlformats.org/officeDocument/2006/relationships" name="Macfadden - Chalk">
   <a:themeElements>
     <a:clrScheme name="Custom 347">
@@ -34636,283 +34865,4 @@
     </a:fmtScheme>
   </a:themeElements>
 </a:theme>
-</file>
-
-<file path=ppt/theme/theme2.xml><?xml version="1.0" encoding="utf-8"?>
-<a:theme xmlns:a="http://schemas.openxmlformats.org/drawingml/2006/main" xmlns:r="http://schemas.openxmlformats.org/officeDocument/2006/relationships" name="Custom Theme">
-  <a:themeElements>
-    <a:clrScheme name="Default">
-      <a:dk1>
-        <a:srgbClr val="000000"/>
-      </a:dk1>
-      <a:lt1>
-        <a:srgbClr val="FFFFFF"/>
-      </a:lt1>
-      <a:dk2>
-        <a:srgbClr val="158158"/>
-      </a:dk2>
-      <a:lt2>
-        <a:srgbClr val="F3F3F3"/>
-      </a:lt2>
-      <a:accent1>
-        <a:srgbClr val="058DC7"/>
-      </a:accent1>
-      <a:accent2>
-        <a:srgbClr val="50B432"/>
-      </a:accent2>
-      <a:accent3>
-        <a:srgbClr val="ED561B"/>
-      </a:accent3>
-      <a:accent4>
-        <a:srgbClr val="EDEF00"/>
-      </a:accent4>
-      <a:accent5>
-        <a:srgbClr val="24CBE5"/>
-      </a:accent5>
-      <a:accent6>
-        <a:srgbClr val="64E572"/>
-      </a:accent6>
-      <a:hlink>
-        <a:srgbClr val="2200CC"/>
-      </a:hlink>
-      <a:folHlink>
-        <a:srgbClr val="551A8B"/>
-      </a:folHlink>
-    </a:clrScheme>
-    <a:fontScheme name="Office">
-      <a:majorFont>
-        <a:latin typeface="Arial"/>
-        <a:ea typeface=""/>
-        <a:cs typeface=""/>
-        <a:font script="Jpan" typeface="ＭＳ Ｐゴシック"/>
-        <a:font script="Hang" typeface="맑은 고딕"/>
-        <a:font script="Hans" typeface="宋体"/>
-        <a:font script="Hant" typeface="新細明體"/>
-        <a:font script="Arab" typeface="Times New Roman"/>
-        <a:font script="Hebr" typeface="Times New Roman"/>
-        <a:font script="Thai" typeface="Angsana New"/>
-        <a:font script="Ethi" typeface="Nyala"/>
-        <a:font script="Beng" typeface="Vrinda"/>
-        <a:font script="Gujr" typeface="Shruti"/>
-        <a:font script="Khmr" typeface="MoolBoran"/>
-        <a:font script="Knda" typeface="Tunga"/>
-        <a:font script="Guru" typeface="Raavi"/>
-        <a:font script="Cans" typeface="Euphemia"/>
-        <a:font script="Cher" typeface="Plantagenet Cherokee"/>
-        <a:font script="Yiii" typeface="Microsoft Yi Baiti"/>
-        <a:font script="Tibt" typeface="Microsoft Himalaya"/>
-        <a:font script="Thaa" typeface="MV Boli"/>
-        <a:font script="Deva" typeface="Mangal"/>
-        <a:font script="Telu" typeface="Gautami"/>
-        <a:font script="Taml" typeface="Latha"/>
-        <a:font script="Syrc" typeface="Estrangelo Edessa"/>
-        <a:font script="Orya" typeface="Kalinga"/>
-        <a:font script="Mlym" typeface="Kartika"/>
-        <a:font script="Laoo" typeface="DokChampa"/>
-        <a:font script="Sinh" typeface="Iskoola Pota"/>
-        <a:font script="Mong" typeface="Mongolian Baiti"/>
-        <a:font script="Viet" typeface="Times New Roman"/>
-        <a:font script="Uigh" typeface="Microsoft Uighur"/>
-        <a:font script="Geor" typeface="Sylfaen"/>
-      </a:majorFont>
-      <a:minorFont>
-        <a:latin typeface="Arial"/>
-        <a:ea typeface=""/>
-        <a:cs typeface=""/>
-        <a:font script="Jpan" typeface="ＭＳ Ｐゴシック"/>
-        <a:font script="Hang" typeface="맑은 고딕"/>
-        <a:font script="Hans" typeface="宋体"/>
-        <a:font script="Hant" typeface="新細明體"/>
-        <a:font script="Arab" typeface="Arial"/>
-        <a:font script="Hebr" typeface="Arial"/>
-        <a:font script="Thai" typeface="Cordia New"/>
-        <a:font script="Ethi" typeface="Nyala"/>
-        <a:font script="Beng" typeface="Vrinda"/>
-        <a:font script="Gujr" typeface="Shruti"/>
-        <a:font script="Khmr" typeface="DaunPenh"/>
-        <a:font script="Knda" typeface="Tunga"/>
-        <a:font script="Guru" typeface="Raavi"/>
-        <a:font script="Cans" typeface="Euphemia"/>
-        <a:font script="Cher" typeface="Plantagenet Cherokee"/>
-        <a:font script="Yiii" typeface="Microsoft Yi Baiti"/>
-        <a:font script="Tibt" typeface="Microsoft Himalaya"/>
-        <a:font script="Thaa" typeface="MV Boli"/>
-        <a:font script="Deva" typeface="Mangal"/>
-        <a:font script="Telu" typeface="Gautami"/>
-        <a:font script="Taml" typeface="Latha"/>
-        <a:font script="Syrc" typeface="Estrangelo Edessa"/>
-        <a:font script="Orya" typeface="Kalinga"/>
-        <a:font script="Mlym" typeface="Kartika"/>
-        <a:font script="Laoo" typeface="DokChampa"/>
-        <a:font script="Sinh" typeface="Iskoola Pota"/>
-        <a:font script="Mong" typeface="Mongolian Baiti"/>
-        <a:font script="Viet" typeface="Arial"/>
-        <a:font script="Uigh" typeface="Microsoft Uighur"/>
-        <a:font script="Geor" typeface="Sylfaen"/>
-      </a:minorFont>
-    </a:fontScheme>
-    <a:fmtScheme name="Office">
-      <a:fillStyleLst>
-        <a:solidFill>
-          <a:schemeClr val="phClr"/>
-        </a:solidFill>
-        <a:gradFill rotWithShape="1">
-          <a:gsLst>
-            <a:gs pos="0">
-              <a:schemeClr val="phClr">
-                <a:tint val="50000"/>
-                <a:satMod val="300000"/>
-              </a:schemeClr>
-            </a:gs>
-            <a:gs pos="35000">
-              <a:schemeClr val="phClr">
-                <a:tint val="37000"/>
-                <a:satMod val="300000"/>
-              </a:schemeClr>
-            </a:gs>
-            <a:gs pos="100000">
-              <a:schemeClr val="phClr">
-                <a:tint val="15000"/>
-                <a:satMod val="350000"/>
-              </a:schemeClr>
-            </a:gs>
-          </a:gsLst>
-          <a:lin ang="16200000" scaled="1"/>
-        </a:gradFill>
-        <a:gradFill rotWithShape="1">
-          <a:gsLst>
-            <a:gs pos="0">
-              <a:schemeClr val="phClr">
-                <a:tint val="100000"/>
-                <a:shade val="100000"/>
-                <a:satMod val="130000"/>
-              </a:schemeClr>
-            </a:gs>
-            <a:gs pos="100000">
-              <a:schemeClr val="phClr">
-                <a:tint val="50000"/>
-                <a:shade val="100000"/>
-                <a:satMod val="350000"/>
-              </a:schemeClr>
-            </a:gs>
-          </a:gsLst>
-          <a:lin ang="16200000" scaled="0"/>
-        </a:gradFill>
-      </a:fillStyleLst>
-      <a:lnStyleLst>
-        <a:ln w="9525" cap="flat" cmpd="sng" algn="ctr">
-          <a:solidFill>
-            <a:schemeClr val="phClr">
-              <a:shade val="95000"/>
-              <a:satMod val="105000"/>
-            </a:schemeClr>
-          </a:solidFill>
-          <a:prstDash val="solid"/>
-        </a:ln>
-        <a:ln w="25400" cap="flat" cmpd="sng" algn="ctr">
-          <a:solidFill>
-            <a:schemeClr val="phClr"/>
-          </a:solidFill>
-          <a:prstDash val="solid"/>
-        </a:ln>
-        <a:ln w="38100" cap="flat" cmpd="sng" algn="ctr">
-          <a:solidFill>
-            <a:schemeClr val="phClr"/>
-          </a:solidFill>
-          <a:prstDash val="solid"/>
-        </a:ln>
-      </a:lnStyleLst>
-      <a:effectStyleLst>
-        <a:effectStyle>
-          <a:effectLst>
-            <a:outerShdw blurRad="40000" dist="20000" dir="5400000" rotWithShape="0">
-              <a:srgbClr val="000000">
-                <a:alpha val="38000"/>
-              </a:srgbClr>
-            </a:outerShdw>
-          </a:effectLst>
-        </a:effectStyle>
-        <a:effectStyle>
-          <a:effectLst>
-            <a:outerShdw blurRad="40000" dist="23000" dir="5400000" rotWithShape="0">
-              <a:srgbClr val="000000">
-                <a:alpha val="35000"/>
-              </a:srgbClr>
-            </a:outerShdw>
-          </a:effectLst>
-        </a:effectStyle>
-        <a:effectStyle>
-          <a:effectLst>
-            <a:outerShdw blurRad="40000" dist="23000" dir="5400000" rotWithShape="0">
-              <a:srgbClr val="000000">
-                <a:alpha val="35000"/>
-              </a:srgbClr>
-            </a:outerShdw>
-          </a:effectLst>
-          <a:scene3d>
-            <a:camera prst="orthographicFront">
-              <a:rot lat="0" lon="0" rev="0"/>
-            </a:camera>
-            <a:lightRig rig="threePt" dir="t">
-              <a:rot lat="0" lon="0" rev="1200000"/>
-            </a:lightRig>
-          </a:scene3d>
-          <a:sp3d>
-            <a:bevelT w="63500" h="25400"/>
-          </a:sp3d>
-        </a:effectStyle>
-      </a:effectStyleLst>
-      <a:bgFillStyleLst>
-        <a:solidFill>
-          <a:schemeClr val="phClr"/>
-        </a:solidFill>
-        <a:gradFill rotWithShape="1">
-          <a:gsLst>
-            <a:gs pos="0">
-              <a:schemeClr val="phClr">
-                <a:tint val="40000"/>
-                <a:satMod val="350000"/>
-              </a:schemeClr>
-            </a:gs>
-            <a:gs pos="40000">
-              <a:schemeClr val="phClr">
-                <a:tint val="45000"/>
-                <a:shade val="99000"/>
-                <a:satMod val="350000"/>
-              </a:schemeClr>
-            </a:gs>
-            <a:gs pos="100000">
-              <a:schemeClr val="phClr">
-                <a:shade val="20000"/>
-                <a:satMod val="255000"/>
-              </a:schemeClr>
-            </a:gs>
-          </a:gsLst>
-          <a:path path="circle">
-            <a:fillToRect l="50000" t="-80000" r="50000" b="180000"/>
-          </a:path>
-        </a:gradFill>
-        <a:gradFill rotWithShape="1">
-          <a:gsLst>
-            <a:gs pos="0">
-              <a:schemeClr val="phClr">
-                <a:tint val="80000"/>
-                <a:satMod val="300000"/>
-              </a:schemeClr>
-            </a:gs>
-            <a:gs pos="100000">
-              <a:schemeClr val="phClr">
-                <a:shade val="30000"/>
-                <a:satMod val="200000"/>
-              </a:schemeClr>
-            </a:gs>
-          </a:gsLst>
-          <a:path path="circle">
-            <a:fillToRect l="50000" t="50000" r="50000" b="50000"/>
-          </a:path>
-        </a:gradFill>
-      </a:bgFillStyleLst>
-    </a:fmtScheme>
-  </a:themeElements>
-</a:theme>
 </file>